--- a/1d2d/presentations/92-payload-flexible-fec.pptx
+++ b/1d2d/presentations/92-payload-flexible-fec.pptx
@@ -6,21 +6,26 @@
     <p:sldMasterId id="2147483660" r:id="rId2"/>
   </p:sldMasterIdLst>
   <p:notesMasterIdLst>
-    <p:notesMasterId r:id="rId12"/>
+    <p:notesMasterId r:id="rId17"/>
   </p:notesMasterIdLst>
   <p:handoutMasterIdLst>
-    <p:handoutMasterId r:id="rId13"/>
+    <p:handoutMasterId r:id="rId18"/>
   </p:handoutMasterIdLst>
   <p:sldIdLst>
     <p:sldId id="256" r:id="rId3"/>
     <p:sldId id="264" r:id="rId4"/>
     <p:sldId id="257" r:id="rId5"/>
-    <p:sldId id="258" r:id="rId6"/>
-    <p:sldId id="259" r:id="rId7"/>
-    <p:sldId id="265" r:id="rId8"/>
-    <p:sldId id="260" r:id="rId9"/>
-    <p:sldId id="263" r:id="rId10"/>
-    <p:sldId id="266" r:id="rId11"/>
+    <p:sldId id="267" r:id="rId6"/>
+    <p:sldId id="268" r:id="rId7"/>
+    <p:sldId id="269" r:id="rId8"/>
+    <p:sldId id="270" r:id="rId9"/>
+    <p:sldId id="271" r:id="rId10"/>
+    <p:sldId id="272" r:id="rId11"/>
+    <p:sldId id="259" r:id="rId12"/>
+    <p:sldId id="265" r:id="rId13"/>
+    <p:sldId id="260" r:id="rId14"/>
+    <p:sldId id="263" r:id="rId15"/>
+    <p:sldId id="266" r:id="rId16"/>
   </p:sldIdLst>
   <p:sldSz cx="9144000" cy="6858000" type="screen4x3"/>
   <p:notesSz cx="6858000" cy="9144000"/>
@@ -204,7 +209,7 @@
           <a:p>
             <a:fld id="{608C4EC4-C5B7-4A47-9986-0BA750B17D28}" type="datetimeFigureOut">
               <a:rPr lang="en-US" smtClean="0"/>
-              <a:t>24/03/15</a:t>
+              <a:t>25/03/15</a:t>
             </a:fld>
             <a:endParaRPr lang="en-US"/>
           </a:p>
@@ -370,7 +375,7 @@
           <a:p>
             <a:fld id="{C679846D-7F88-0C4D-9A05-595F809562A2}" type="datetimeFigureOut">
               <a:rPr lang="en-US" smtClean="0"/>
-              <a:t>24/03/15</a:t>
+              <a:t>25/03/15</a:t>
             </a:fld>
             <a:endParaRPr lang="en-US"/>
           </a:p>
@@ -640,6 +645,672 @@
 </file>
 
 <file path=ppt/notesSlides/notesSlide1.xml><?xml version="1.0" encoding="utf-8"?>
+<p:notes xmlns:a="http://schemas.openxmlformats.org/drawingml/2006/main" xmlns:r="http://schemas.openxmlformats.org/officeDocument/2006/relationships" xmlns:p="http://schemas.openxmlformats.org/presentationml/2006/main" showMasterSp="0" showMasterPhAnim="0">
+  <p:cSld>
+    <p:spTree>
+      <p:nvGrpSpPr>
+        <p:cNvPr id="1" name="Shape 50"/>
+        <p:cNvGrpSpPr/>
+        <p:nvPr/>
+      </p:nvGrpSpPr>
+      <p:grpSpPr>
+        <a:xfrm>
+          <a:off x="0" y="0"/>
+          <a:ext cx="0" cy="0"/>
+          <a:chOff x="0" y="0"/>
+          <a:chExt cx="0" cy="0"/>
+        </a:xfrm>
+      </p:grpSpPr>
+      <p:sp>
+        <p:nvSpPr>
+          <p:cNvPr id="51" name="Shape 51"/>
+          <p:cNvSpPr>
+            <a:spLocks noGrp="1" noRot="1" noChangeAspect="1"/>
+          </p:cNvSpPr>
+          <p:nvPr>
+            <p:ph type="sldImg" idx="2"/>
+          </p:nvPr>
+        </p:nvSpPr>
+        <p:spPr>
+          <a:xfrm>
+            <a:off x="1143000" y="685800"/>
+            <a:ext cx="4572000" cy="3429000"/>
+          </a:xfrm>
+          <a:custGeom>
+            <a:avLst/>
+            <a:gdLst/>
+            <a:ahLst/>
+            <a:cxnLst/>
+            <a:rect l="0" t="0" r="0" b="0"/>
+            <a:pathLst>
+              <a:path w="120000" h="120000" extrusionOk="0">
+                <a:moveTo>
+                  <a:pt x="0" y="0"/>
+                </a:moveTo>
+                <a:lnTo>
+                  <a:pt x="120000" y="0"/>
+                </a:lnTo>
+                <a:lnTo>
+                  <a:pt x="120000" y="120000"/>
+                </a:lnTo>
+                <a:lnTo>
+                  <a:pt x="0" y="120000"/>
+                </a:lnTo>
+                <a:close/>
+              </a:path>
+            </a:pathLst>
+          </a:custGeom>
+          <a:noFill/>
+          <a:ln w="9525" cap="flat">
+            <a:solidFill>
+              <a:srgbClr val="000000"/>
+            </a:solidFill>
+            <a:prstDash val="solid"/>
+            <a:round/>
+            <a:headEnd type="none" w="med" len="med"/>
+            <a:tailEnd type="none" w="med" len="med"/>
+          </a:ln>
+        </p:spPr>
+      </p:sp>
+      <p:sp>
+        <p:nvSpPr>
+          <p:cNvPr id="52" name="Shape 52"/>
+          <p:cNvSpPr txBox="1">
+            <a:spLocks noGrp="1"/>
+          </p:cNvSpPr>
+          <p:nvPr>
+            <p:ph type="body" idx="1"/>
+          </p:nvPr>
+        </p:nvSpPr>
+        <p:spPr>
+          <a:xfrm>
+            <a:off x="685800" y="4343400"/>
+            <a:ext cx="5486399" cy="4114800"/>
+          </a:xfrm>
+          <a:prstGeom prst="rect">
+            <a:avLst/>
+          </a:prstGeom>
+        </p:spPr>
+        <p:txBody>
+          <a:bodyPr lIns="91425" tIns="91425" rIns="91425" bIns="91425" anchor="t" anchorCtr="0">
+            <a:noAutofit/>
+          </a:bodyPr>
+          <a:lstStyle/>
+          <a:p>
+            <a:pPr>
+              <a:spcBef>
+                <a:spcPts val="0"/>
+              </a:spcBef>
+              <a:buNone/>
+            </a:pPr>
+            <a:endParaRPr/>
+          </a:p>
+        </p:txBody>
+      </p:sp>
+    </p:spTree>
+  </p:cSld>
+  <p:clrMapOvr>
+    <a:masterClrMapping/>
+  </p:clrMapOvr>
+</p:notes>
+</file>
+
+<file path=ppt/notesSlides/notesSlide2.xml><?xml version="1.0" encoding="utf-8"?>
+<p:notes xmlns:a="http://schemas.openxmlformats.org/drawingml/2006/main" xmlns:r="http://schemas.openxmlformats.org/officeDocument/2006/relationships" xmlns:p="http://schemas.openxmlformats.org/presentationml/2006/main" showMasterSp="0" showMasterPhAnim="0">
+  <p:cSld>
+    <p:spTree>
+      <p:nvGrpSpPr>
+        <p:cNvPr id="1" name="Shape 70"/>
+        <p:cNvGrpSpPr/>
+        <p:nvPr/>
+      </p:nvGrpSpPr>
+      <p:grpSpPr>
+        <a:xfrm>
+          <a:off x="0" y="0"/>
+          <a:ext cx="0" cy="0"/>
+          <a:chOff x="0" y="0"/>
+          <a:chExt cx="0" cy="0"/>
+        </a:xfrm>
+      </p:grpSpPr>
+      <p:sp>
+        <p:nvSpPr>
+          <p:cNvPr id="71" name="Shape 71"/>
+          <p:cNvSpPr>
+            <a:spLocks noGrp="1" noRot="1" noChangeAspect="1"/>
+          </p:cNvSpPr>
+          <p:nvPr>
+            <p:ph type="sldImg" idx="2"/>
+          </p:nvPr>
+        </p:nvSpPr>
+        <p:spPr>
+          <a:xfrm>
+            <a:off x="1143000" y="685800"/>
+            <a:ext cx="4572000" cy="3429000"/>
+          </a:xfrm>
+          <a:custGeom>
+            <a:avLst/>
+            <a:gdLst/>
+            <a:ahLst/>
+            <a:cxnLst/>
+            <a:rect l="0" t="0" r="0" b="0"/>
+            <a:pathLst>
+              <a:path w="120000" h="120000" extrusionOk="0">
+                <a:moveTo>
+                  <a:pt x="0" y="0"/>
+                </a:moveTo>
+                <a:lnTo>
+                  <a:pt x="120000" y="0"/>
+                </a:lnTo>
+                <a:lnTo>
+                  <a:pt x="120000" y="120000"/>
+                </a:lnTo>
+                <a:lnTo>
+                  <a:pt x="0" y="120000"/>
+                </a:lnTo>
+                <a:close/>
+              </a:path>
+            </a:pathLst>
+          </a:custGeom>
+          <a:noFill/>
+          <a:ln w="9525" cap="flat">
+            <a:solidFill>
+              <a:srgbClr val="000000"/>
+            </a:solidFill>
+            <a:prstDash val="solid"/>
+            <a:round/>
+            <a:headEnd type="none" w="med" len="med"/>
+            <a:tailEnd type="none" w="med" len="med"/>
+          </a:ln>
+        </p:spPr>
+      </p:sp>
+      <p:sp>
+        <p:nvSpPr>
+          <p:cNvPr id="72" name="Shape 72"/>
+          <p:cNvSpPr txBox="1">
+            <a:spLocks noGrp="1"/>
+          </p:cNvSpPr>
+          <p:nvPr>
+            <p:ph type="body" idx="1"/>
+          </p:nvPr>
+        </p:nvSpPr>
+        <p:spPr>
+          <a:xfrm>
+            <a:off x="685800" y="4343400"/>
+            <a:ext cx="5486399" cy="4114800"/>
+          </a:xfrm>
+          <a:prstGeom prst="rect">
+            <a:avLst/>
+          </a:prstGeom>
+        </p:spPr>
+        <p:txBody>
+          <a:bodyPr lIns="91425" tIns="91425" rIns="91425" bIns="91425" anchor="t" anchorCtr="0">
+            <a:noAutofit/>
+          </a:bodyPr>
+          <a:lstStyle/>
+          <a:p>
+            <a:pPr>
+              <a:spcBef>
+                <a:spcPts val="0"/>
+              </a:spcBef>
+              <a:buNone/>
+            </a:pPr>
+            <a:endParaRPr/>
+          </a:p>
+        </p:txBody>
+      </p:sp>
+    </p:spTree>
+  </p:cSld>
+  <p:clrMapOvr>
+    <a:masterClrMapping/>
+  </p:clrMapOvr>
+</p:notes>
+</file>
+
+<file path=ppt/notesSlides/notesSlide3.xml><?xml version="1.0" encoding="utf-8"?>
+<p:notes xmlns:a="http://schemas.openxmlformats.org/drawingml/2006/main" xmlns:r="http://schemas.openxmlformats.org/officeDocument/2006/relationships" xmlns:p="http://schemas.openxmlformats.org/presentationml/2006/main" showMasterSp="0" showMasterPhAnim="0">
+  <p:cSld>
+    <p:spTree>
+      <p:nvGrpSpPr>
+        <p:cNvPr id="1" name="Shape 90"/>
+        <p:cNvGrpSpPr/>
+        <p:nvPr/>
+      </p:nvGrpSpPr>
+      <p:grpSpPr>
+        <a:xfrm>
+          <a:off x="0" y="0"/>
+          <a:ext cx="0" cy="0"/>
+          <a:chOff x="0" y="0"/>
+          <a:chExt cx="0" cy="0"/>
+        </a:xfrm>
+      </p:grpSpPr>
+      <p:sp>
+        <p:nvSpPr>
+          <p:cNvPr id="91" name="Shape 91"/>
+          <p:cNvSpPr>
+            <a:spLocks noGrp="1" noRot="1" noChangeAspect="1"/>
+          </p:cNvSpPr>
+          <p:nvPr>
+            <p:ph type="sldImg" idx="2"/>
+          </p:nvPr>
+        </p:nvSpPr>
+        <p:spPr>
+          <a:xfrm>
+            <a:off x="1143000" y="685800"/>
+            <a:ext cx="4572000" cy="3429000"/>
+          </a:xfrm>
+          <a:custGeom>
+            <a:avLst/>
+            <a:gdLst/>
+            <a:ahLst/>
+            <a:cxnLst/>
+            <a:rect l="0" t="0" r="0" b="0"/>
+            <a:pathLst>
+              <a:path w="120000" h="120000" extrusionOk="0">
+                <a:moveTo>
+                  <a:pt x="0" y="0"/>
+                </a:moveTo>
+                <a:lnTo>
+                  <a:pt x="120000" y="0"/>
+                </a:lnTo>
+                <a:lnTo>
+                  <a:pt x="120000" y="120000"/>
+                </a:lnTo>
+                <a:lnTo>
+                  <a:pt x="0" y="120000"/>
+                </a:lnTo>
+                <a:close/>
+              </a:path>
+            </a:pathLst>
+          </a:custGeom>
+          <a:noFill/>
+          <a:ln w="9525" cap="flat">
+            <a:solidFill>
+              <a:srgbClr val="000000"/>
+            </a:solidFill>
+            <a:prstDash val="solid"/>
+            <a:round/>
+            <a:headEnd type="none" w="med" len="med"/>
+            <a:tailEnd type="none" w="med" len="med"/>
+          </a:ln>
+        </p:spPr>
+      </p:sp>
+      <p:sp>
+        <p:nvSpPr>
+          <p:cNvPr id="92" name="Shape 92"/>
+          <p:cNvSpPr txBox="1">
+            <a:spLocks noGrp="1"/>
+          </p:cNvSpPr>
+          <p:nvPr>
+            <p:ph type="body" idx="1"/>
+          </p:nvPr>
+        </p:nvSpPr>
+        <p:spPr>
+          <a:xfrm>
+            <a:off x="685800" y="4343400"/>
+            <a:ext cx="5486399" cy="4114800"/>
+          </a:xfrm>
+          <a:prstGeom prst="rect">
+            <a:avLst/>
+          </a:prstGeom>
+        </p:spPr>
+        <p:txBody>
+          <a:bodyPr lIns="91425" tIns="91425" rIns="91425" bIns="91425" anchor="t" anchorCtr="0">
+            <a:noAutofit/>
+          </a:bodyPr>
+          <a:lstStyle/>
+          <a:p>
+            <a:pPr>
+              <a:spcBef>
+                <a:spcPts val="0"/>
+              </a:spcBef>
+              <a:buNone/>
+            </a:pPr>
+            <a:endParaRPr/>
+          </a:p>
+        </p:txBody>
+      </p:sp>
+    </p:spTree>
+  </p:cSld>
+  <p:clrMapOvr>
+    <a:masterClrMapping/>
+  </p:clrMapOvr>
+</p:notes>
+</file>
+
+<file path=ppt/notesSlides/notesSlide4.xml><?xml version="1.0" encoding="utf-8"?>
+<p:notes xmlns:a="http://schemas.openxmlformats.org/drawingml/2006/main" xmlns:r="http://schemas.openxmlformats.org/officeDocument/2006/relationships" xmlns:p="http://schemas.openxmlformats.org/presentationml/2006/main" showMasterSp="0" showMasterPhAnim="0">
+  <p:cSld>
+    <p:spTree>
+      <p:nvGrpSpPr>
+        <p:cNvPr id="1" name="Shape 111"/>
+        <p:cNvGrpSpPr/>
+        <p:nvPr/>
+      </p:nvGrpSpPr>
+      <p:grpSpPr>
+        <a:xfrm>
+          <a:off x="0" y="0"/>
+          <a:ext cx="0" cy="0"/>
+          <a:chOff x="0" y="0"/>
+          <a:chExt cx="0" cy="0"/>
+        </a:xfrm>
+      </p:grpSpPr>
+      <p:sp>
+        <p:nvSpPr>
+          <p:cNvPr id="112" name="Shape 112"/>
+          <p:cNvSpPr>
+            <a:spLocks noGrp="1" noRot="1" noChangeAspect="1"/>
+          </p:cNvSpPr>
+          <p:nvPr>
+            <p:ph type="sldImg" idx="2"/>
+          </p:nvPr>
+        </p:nvSpPr>
+        <p:spPr>
+          <a:xfrm>
+            <a:off x="1143000" y="685800"/>
+            <a:ext cx="4572000" cy="3429000"/>
+          </a:xfrm>
+          <a:custGeom>
+            <a:avLst/>
+            <a:gdLst/>
+            <a:ahLst/>
+            <a:cxnLst/>
+            <a:rect l="0" t="0" r="0" b="0"/>
+            <a:pathLst>
+              <a:path w="120000" h="120000" extrusionOk="0">
+                <a:moveTo>
+                  <a:pt x="0" y="0"/>
+                </a:moveTo>
+                <a:lnTo>
+                  <a:pt x="120000" y="0"/>
+                </a:lnTo>
+                <a:lnTo>
+                  <a:pt x="120000" y="120000"/>
+                </a:lnTo>
+                <a:lnTo>
+                  <a:pt x="0" y="120000"/>
+                </a:lnTo>
+                <a:close/>
+              </a:path>
+            </a:pathLst>
+          </a:custGeom>
+          <a:noFill/>
+          <a:ln w="9525" cap="flat">
+            <a:solidFill>
+              <a:srgbClr val="000000"/>
+            </a:solidFill>
+            <a:prstDash val="solid"/>
+            <a:round/>
+            <a:headEnd type="none" w="med" len="med"/>
+            <a:tailEnd type="none" w="med" len="med"/>
+          </a:ln>
+        </p:spPr>
+      </p:sp>
+      <p:sp>
+        <p:nvSpPr>
+          <p:cNvPr id="113" name="Shape 113"/>
+          <p:cNvSpPr txBox="1">
+            <a:spLocks noGrp="1"/>
+          </p:cNvSpPr>
+          <p:nvPr>
+            <p:ph type="body" idx="1"/>
+          </p:nvPr>
+        </p:nvSpPr>
+        <p:spPr>
+          <a:xfrm>
+            <a:off x="685800" y="4343400"/>
+            <a:ext cx="5486399" cy="4114800"/>
+          </a:xfrm>
+          <a:prstGeom prst="rect">
+            <a:avLst/>
+          </a:prstGeom>
+        </p:spPr>
+        <p:txBody>
+          <a:bodyPr lIns="91425" tIns="91425" rIns="91425" bIns="91425" anchor="t" anchorCtr="0">
+            <a:noAutofit/>
+          </a:bodyPr>
+          <a:lstStyle/>
+          <a:p>
+            <a:pPr>
+              <a:spcBef>
+                <a:spcPts val="0"/>
+              </a:spcBef>
+              <a:buNone/>
+            </a:pPr>
+            <a:endParaRPr/>
+          </a:p>
+        </p:txBody>
+      </p:sp>
+    </p:spTree>
+  </p:cSld>
+  <p:clrMapOvr>
+    <a:masterClrMapping/>
+  </p:clrMapOvr>
+</p:notes>
+</file>
+
+<file path=ppt/notesSlides/notesSlide5.xml><?xml version="1.0" encoding="utf-8"?>
+<p:notes xmlns:a="http://schemas.openxmlformats.org/drawingml/2006/main" xmlns:r="http://schemas.openxmlformats.org/officeDocument/2006/relationships" xmlns:p="http://schemas.openxmlformats.org/presentationml/2006/main" showMasterSp="0" showMasterPhAnim="0">
+  <p:cSld>
+    <p:spTree>
+      <p:nvGrpSpPr>
+        <p:cNvPr id="1" name="Shape 132"/>
+        <p:cNvGrpSpPr/>
+        <p:nvPr/>
+      </p:nvGrpSpPr>
+      <p:grpSpPr>
+        <a:xfrm>
+          <a:off x="0" y="0"/>
+          <a:ext cx="0" cy="0"/>
+          <a:chOff x="0" y="0"/>
+          <a:chExt cx="0" cy="0"/>
+        </a:xfrm>
+      </p:grpSpPr>
+      <p:sp>
+        <p:nvSpPr>
+          <p:cNvPr id="133" name="Shape 133"/>
+          <p:cNvSpPr>
+            <a:spLocks noGrp="1" noRot="1" noChangeAspect="1"/>
+          </p:cNvSpPr>
+          <p:nvPr>
+            <p:ph type="sldImg" idx="2"/>
+          </p:nvPr>
+        </p:nvSpPr>
+        <p:spPr>
+          <a:xfrm>
+            <a:off x="1143000" y="685800"/>
+            <a:ext cx="4572000" cy="3429000"/>
+          </a:xfrm>
+          <a:custGeom>
+            <a:avLst/>
+            <a:gdLst/>
+            <a:ahLst/>
+            <a:cxnLst/>
+            <a:rect l="0" t="0" r="0" b="0"/>
+            <a:pathLst>
+              <a:path w="120000" h="120000" extrusionOk="0">
+                <a:moveTo>
+                  <a:pt x="0" y="0"/>
+                </a:moveTo>
+                <a:lnTo>
+                  <a:pt x="120000" y="0"/>
+                </a:lnTo>
+                <a:lnTo>
+                  <a:pt x="120000" y="120000"/>
+                </a:lnTo>
+                <a:lnTo>
+                  <a:pt x="0" y="120000"/>
+                </a:lnTo>
+                <a:close/>
+              </a:path>
+            </a:pathLst>
+          </a:custGeom>
+          <a:noFill/>
+          <a:ln w="9525" cap="flat">
+            <a:solidFill>
+              <a:srgbClr val="000000"/>
+            </a:solidFill>
+            <a:prstDash val="solid"/>
+            <a:round/>
+            <a:headEnd type="none" w="med" len="med"/>
+            <a:tailEnd type="none" w="med" len="med"/>
+          </a:ln>
+        </p:spPr>
+      </p:sp>
+      <p:sp>
+        <p:nvSpPr>
+          <p:cNvPr id="134" name="Shape 134"/>
+          <p:cNvSpPr txBox="1">
+            <a:spLocks noGrp="1"/>
+          </p:cNvSpPr>
+          <p:nvPr>
+            <p:ph type="body" idx="1"/>
+          </p:nvPr>
+        </p:nvSpPr>
+        <p:spPr>
+          <a:xfrm>
+            <a:off x="685800" y="4343400"/>
+            <a:ext cx="5486399" cy="4114800"/>
+          </a:xfrm>
+          <a:prstGeom prst="rect">
+            <a:avLst/>
+          </a:prstGeom>
+        </p:spPr>
+        <p:txBody>
+          <a:bodyPr lIns="91425" tIns="91425" rIns="91425" bIns="91425" anchor="t" anchorCtr="0">
+            <a:noAutofit/>
+          </a:bodyPr>
+          <a:lstStyle/>
+          <a:p>
+            <a:pPr>
+              <a:spcBef>
+                <a:spcPts val="0"/>
+              </a:spcBef>
+              <a:buNone/>
+            </a:pPr>
+            <a:endParaRPr/>
+          </a:p>
+        </p:txBody>
+      </p:sp>
+    </p:spTree>
+  </p:cSld>
+  <p:clrMapOvr>
+    <a:masterClrMapping/>
+  </p:clrMapOvr>
+</p:notes>
+</file>
+
+<file path=ppt/notesSlides/notesSlide6.xml><?xml version="1.0" encoding="utf-8"?>
+<p:notes xmlns:a="http://schemas.openxmlformats.org/drawingml/2006/main" xmlns:r="http://schemas.openxmlformats.org/officeDocument/2006/relationships" xmlns:p="http://schemas.openxmlformats.org/presentationml/2006/main" showMasterSp="0" showMasterPhAnim="0">
+  <p:cSld>
+    <p:spTree>
+      <p:nvGrpSpPr>
+        <p:cNvPr id="1" name="Shape 149"/>
+        <p:cNvGrpSpPr/>
+        <p:nvPr/>
+      </p:nvGrpSpPr>
+      <p:grpSpPr>
+        <a:xfrm>
+          <a:off x="0" y="0"/>
+          <a:ext cx="0" cy="0"/>
+          <a:chOff x="0" y="0"/>
+          <a:chExt cx="0" cy="0"/>
+        </a:xfrm>
+      </p:grpSpPr>
+      <p:sp>
+        <p:nvSpPr>
+          <p:cNvPr id="150" name="Shape 150"/>
+          <p:cNvSpPr>
+            <a:spLocks noGrp="1" noRot="1" noChangeAspect="1"/>
+          </p:cNvSpPr>
+          <p:nvPr>
+            <p:ph type="sldImg" idx="2"/>
+          </p:nvPr>
+        </p:nvSpPr>
+        <p:spPr>
+          <a:xfrm>
+            <a:off x="1143000" y="685800"/>
+            <a:ext cx="4572000" cy="3429000"/>
+          </a:xfrm>
+          <a:custGeom>
+            <a:avLst/>
+            <a:gdLst/>
+            <a:ahLst/>
+            <a:cxnLst/>
+            <a:rect l="0" t="0" r="0" b="0"/>
+            <a:pathLst>
+              <a:path w="120000" h="120000" extrusionOk="0">
+                <a:moveTo>
+                  <a:pt x="0" y="0"/>
+                </a:moveTo>
+                <a:lnTo>
+                  <a:pt x="120000" y="0"/>
+                </a:lnTo>
+                <a:lnTo>
+                  <a:pt x="120000" y="120000"/>
+                </a:lnTo>
+                <a:lnTo>
+                  <a:pt x="0" y="120000"/>
+                </a:lnTo>
+                <a:close/>
+              </a:path>
+            </a:pathLst>
+          </a:custGeom>
+          <a:noFill/>
+          <a:ln w="9525" cap="flat">
+            <a:solidFill>
+              <a:srgbClr val="000000"/>
+            </a:solidFill>
+            <a:prstDash val="solid"/>
+            <a:round/>
+            <a:headEnd type="none" w="med" len="med"/>
+            <a:tailEnd type="none" w="med" len="med"/>
+          </a:ln>
+        </p:spPr>
+      </p:sp>
+      <p:sp>
+        <p:nvSpPr>
+          <p:cNvPr id="151" name="Shape 151"/>
+          <p:cNvSpPr txBox="1">
+            <a:spLocks noGrp="1"/>
+          </p:cNvSpPr>
+          <p:nvPr>
+            <p:ph type="body" idx="1"/>
+          </p:nvPr>
+        </p:nvSpPr>
+        <p:spPr>
+          <a:xfrm>
+            <a:off x="685800" y="4343400"/>
+            <a:ext cx="5486399" cy="4114800"/>
+          </a:xfrm>
+          <a:prstGeom prst="rect">
+            <a:avLst/>
+          </a:prstGeom>
+        </p:spPr>
+        <p:txBody>
+          <a:bodyPr lIns="91425" tIns="91425" rIns="91425" bIns="91425" anchor="t" anchorCtr="0">
+            <a:noAutofit/>
+          </a:bodyPr>
+          <a:lstStyle/>
+          <a:p>
+            <a:pPr>
+              <a:spcBef>
+                <a:spcPts val="0"/>
+              </a:spcBef>
+              <a:buNone/>
+            </a:pPr>
+            <a:endParaRPr/>
+          </a:p>
+        </p:txBody>
+      </p:sp>
+    </p:spTree>
+  </p:cSld>
+  <p:clrMapOvr>
+    <a:masterClrMapping/>
+  </p:clrMapOvr>
+</p:notes>
+</file>
+
+<file path=ppt/notesSlides/notesSlide7.xml><?xml version="1.0" encoding="utf-8"?>
 <p:notes xmlns:a="http://schemas.openxmlformats.org/drawingml/2006/main" xmlns:r="http://schemas.openxmlformats.org/officeDocument/2006/relationships" xmlns:p="http://schemas.openxmlformats.org/presentationml/2006/main">
   <p:cSld>
     <p:spTree>
@@ -704,7 +1375,7 @@
           <a:p>
             <a:fld id="{96D875B3-1BCA-4A44-8E29-3C93BBB29A59}" type="slidenum">
               <a:rPr lang="en-US" smtClean="0"/>
-              <a:t>6</a:t>
+              <a:t>11</a:t>
             </a:fld>
             <a:endParaRPr lang="en-US"/>
           </a:p>
@@ -902,10 +1573,6 @@
           <a:bodyPr/>
           <a:lstStyle/>
           <a:p>
-            <a:fld id="{731025B1-F6AA-F345-A6AD-542DFBEB1C21}" type="datetime1">
-              <a:rPr lang="en-US" smtClean="0"/>
-              <a:t>24/03/15</a:t>
-            </a:fld>
             <a:endParaRPr lang="en-US"/>
           </a:p>
         </p:txBody>
@@ -1072,10 +1739,6 @@
           <a:bodyPr/>
           <a:lstStyle/>
           <a:p>
-            <a:fld id="{8D5BEB7D-355E-0C46-8107-96631E84DF70}" type="datetime1">
-              <a:rPr lang="en-US" smtClean="0"/>
-              <a:t>24/03/15</a:t>
-            </a:fld>
             <a:endParaRPr lang="en-US"/>
           </a:p>
         </p:txBody>
@@ -1252,10 +1915,6 @@
           <a:bodyPr/>
           <a:lstStyle/>
           <a:p>
-            <a:fld id="{894C618C-5D29-DE43-B3F5-FA5D2B64DFA1}" type="datetime1">
-              <a:rPr lang="en-US" smtClean="0"/>
-              <a:t>24/03/15</a:t>
-            </a:fld>
             <a:endParaRPr lang="en-US"/>
           </a:p>
         </p:txBody>
@@ -1316,6 +1975,247 @@
 </file>
 
 <file path=ppt/slideLayouts/slideLayout12.xml><?xml version="1.0" encoding="utf-8"?>
+<p:sldLayout xmlns:a="http://schemas.openxmlformats.org/drawingml/2006/main" xmlns:r="http://schemas.openxmlformats.org/officeDocument/2006/relationships" xmlns:p="http://schemas.openxmlformats.org/presentationml/2006/main" type="tx">
+  <p:cSld name="Title and Body">
+    <p:spTree>
+      <p:nvGrpSpPr>
+        <p:cNvPr id="1" name="Shape 12"/>
+        <p:cNvGrpSpPr/>
+        <p:nvPr/>
+      </p:nvGrpSpPr>
+      <p:grpSpPr>
+        <a:xfrm>
+          <a:off x="0" y="0"/>
+          <a:ext cx="0" cy="0"/>
+          <a:chOff x="0" y="0"/>
+          <a:chExt cx="0" cy="0"/>
+        </a:xfrm>
+      </p:grpSpPr>
+      <p:sp>
+        <p:nvSpPr>
+          <p:cNvPr id="13" name="Shape 13"/>
+          <p:cNvSpPr txBox="1">
+            <a:spLocks noGrp="1"/>
+          </p:cNvSpPr>
+          <p:nvPr>
+            <p:ph type="title"/>
+          </p:nvPr>
+        </p:nvSpPr>
+        <p:spPr>
+          <a:xfrm>
+            <a:off x="457200" y="274637"/>
+            <a:ext cx="8229600" cy="1143000"/>
+          </a:xfrm>
+          <a:prstGeom prst="rect">
+            <a:avLst/>
+          </a:prstGeom>
+        </p:spPr>
+        <p:txBody>
+          <a:bodyPr lIns="91425" tIns="91425" rIns="91425" bIns="91425" anchor="b" anchorCtr="0"/>
+          <a:lstStyle>
+            <a:lvl1pPr>
+              <a:spcBef>
+                <a:spcPts val="0"/>
+              </a:spcBef>
+              <a:defRPr/>
+            </a:lvl1pPr>
+            <a:lvl2pPr>
+              <a:spcBef>
+                <a:spcPts val="0"/>
+              </a:spcBef>
+              <a:defRPr/>
+            </a:lvl2pPr>
+            <a:lvl3pPr>
+              <a:spcBef>
+                <a:spcPts val="0"/>
+              </a:spcBef>
+              <a:defRPr/>
+            </a:lvl3pPr>
+            <a:lvl4pPr>
+              <a:spcBef>
+                <a:spcPts val="0"/>
+              </a:spcBef>
+              <a:defRPr/>
+            </a:lvl4pPr>
+            <a:lvl5pPr>
+              <a:spcBef>
+                <a:spcPts val="0"/>
+              </a:spcBef>
+              <a:defRPr/>
+            </a:lvl5pPr>
+            <a:lvl6pPr>
+              <a:spcBef>
+                <a:spcPts val="0"/>
+              </a:spcBef>
+              <a:defRPr/>
+            </a:lvl6pPr>
+            <a:lvl7pPr>
+              <a:spcBef>
+                <a:spcPts val="0"/>
+              </a:spcBef>
+              <a:defRPr/>
+            </a:lvl7pPr>
+            <a:lvl8pPr>
+              <a:spcBef>
+                <a:spcPts val="0"/>
+              </a:spcBef>
+              <a:defRPr/>
+            </a:lvl8pPr>
+            <a:lvl9pPr>
+              <a:spcBef>
+                <a:spcPts val="0"/>
+              </a:spcBef>
+              <a:defRPr/>
+            </a:lvl9pPr>
+          </a:lstStyle>
+          <a:p>
+            <a:endParaRPr/>
+          </a:p>
+        </p:txBody>
+      </p:sp>
+      <p:sp>
+        <p:nvSpPr>
+          <p:cNvPr id="14" name="Shape 14"/>
+          <p:cNvSpPr txBox="1">
+            <a:spLocks noGrp="1"/>
+          </p:cNvSpPr>
+          <p:nvPr>
+            <p:ph type="body" idx="1"/>
+          </p:nvPr>
+        </p:nvSpPr>
+        <p:spPr>
+          <a:xfrm>
+            <a:off x="457200" y="1600200"/>
+            <a:ext cx="8229600" cy="4967573"/>
+          </a:xfrm>
+          <a:prstGeom prst="rect">
+            <a:avLst/>
+          </a:prstGeom>
+        </p:spPr>
+        <p:txBody>
+          <a:bodyPr lIns="91425" tIns="91425" rIns="91425" bIns="91425" anchor="t" anchorCtr="0"/>
+          <a:lstStyle>
+            <a:lvl1pPr>
+              <a:spcBef>
+                <a:spcPts val="0"/>
+              </a:spcBef>
+              <a:defRPr/>
+            </a:lvl1pPr>
+            <a:lvl2pPr>
+              <a:spcBef>
+                <a:spcPts val="0"/>
+              </a:spcBef>
+              <a:defRPr/>
+            </a:lvl2pPr>
+            <a:lvl3pPr>
+              <a:spcBef>
+                <a:spcPts val="0"/>
+              </a:spcBef>
+              <a:defRPr/>
+            </a:lvl3pPr>
+            <a:lvl4pPr>
+              <a:spcBef>
+                <a:spcPts val="0"/>
+              </a:spcBef>
+              <a:defRPr/>
+            </a:lvl4pPr>
+            <a:lvl5pPr>
+              <a:spcBef>
+                <a:spcPts val="0"/>
+              </a:spcBef>
+              <a:defRPr/>
+            </a:lvl5pPr>
+            <a:lvl6pPr>
+              <a:spcBef>
+                <a:spcPts val="0"/>
+              </a:spcBef>
+              <a:defRPr/>
+            </a:lvl6pPr>
+            <a:lvl7pPr>
+              <a:spcBef>
+                <a:spcPts val="0"/>
+              </a:spcBef>
+              <a:defRPr/>
+            </a:lvl7pPr>
+            <a:lvl8pPr>
+              <a:spcBef>
+                <a:spcPts val="0"/>
+              </a:spcBef>
+              <a:defRPr/>
+            </a:lvl8pPr>
+            <a:lvl9pPr>
+              <a:spcBef>
+                <a:spcPts val="0"/>
+              </a:spcBef>
+              <a:defRPr/>
+            </a:lvl9pPr>
+          </a:lstStyle>
+          <a:p>
+            <a:endParaRPr/>
+          </a:p>
+        </p:txBody>
+      </p:sp>
+      <p:sp>
+        <p:nvSpPr>
+          <p:cNvPr id="15" name="Shape 15"/>
+          <p:cNvSpPr txBox="1">
+            <a:spLocks noGrp="1"/>
+          </p:cNvSpPr>
+          <p:nvPr>
+            <p:ph type="sldNum" idx="12"/>
+          </p:nvPr>
+        </p:nvSpPr>
+        <p:spPr>
+          <a:xfrm>
+            <a:off x="8556792" y="6333133"/>
+            <a:ext cx="548699" cy="524699"/>
+          </a:xfrm>
+          <a:prstGeom prst="rect">
+            <a:avLst/>
+          </a:prstGeom>
+        </p:spPr>
+        <p:txBody>
+          <a:bodyPr lIns="91425" tIns="91425" rIns="91425" bIns="91425" anchor="ctr" anchorCtr="0">
+            <a:noAutofit/>
+          </a:bodyPr>
+          <a:lstStyle>
+            <a:lvl1pPr>
+              <a:spcBef>
+                <a:spcPts val="0"/>
+              </a:spcBef>
+              <a:buNone/>
+              <a:defRPr/>
+            </a:lvl1pPr>
+          </a:lstStyle>
+          <a:p>
+            <a:pPr>
+              <a:spcBef>
+                <a:spcPts val="0"/>
+              </a:spcBef>
+              <a:buNone/>
+            </a:pPr>
+            <a:fld id="{00000000-1234-1234-1234-123412341234}" type="slidenum">
+              <a:rPr lang="en"/>
+              <a:t>‹#›</a:t>
+            </a:fld>
+            <a:endParaRPr lang="en"/>
+          </a:p>
+        </p:txBody>
+      </p:sp>
+    </p:spTree>
+    <p:extLst>
+      <p:ext uri="{BB962C8B-B14F-4D97-AF65-F5344CB8AC3E}">
+        <p14:creationId xmlns:p14="http://schemas.microsoft.com/office/powerpoint/2010/main" val="3374108226"/>
+      </p:ext>
+    </p:extLst>
+  </p:cSld>
+  <p:clrMapOvr>
+    <a:masterClrMapping/>
+  </p:clrMapOvr>
+</p:sldLayout>
+</file>
+
+<file path=ppt/slideLayouts/slideLayout13.xml><?xml version="1.0" encoding="utf-8"?>
 <p:sldLayout xmlns:a="http://schemas.openxmlformats.org/drawingml/2006/main" xmlns:r="http://schemas.openxmlformats.org/officeDocument/2006/relationships" xmlns:p="http://schemas.openxmlformats.org/presentationml/2006/main" type="title" preserve="1">
   <p:cSld name="Title Slide">
     <p:spTree>
@@ -1494,18 +2394,6 @@
           <a:bodyPr/>
           <a:lstStyle/>
           <a:p>
-            <a:fld id="{01E095AD-9D4A-054D-A7BB-31CCE71EAB80}" type="datetimeFigureOut">
-              <a:rPr lang="en-US" smtClean="0">
-                <a:solidFill>
-                  <a:prstClr val="black">
-                    <a:tint val="75000"/>
-                  </a:prstClr>
-                </a:solidFill>
-                <a:latin typeface="Nexa Light"/>
-              </a:rPr>
-              <a:pPr/>
-              <a:t>24/03/15</a:t>
-            </a:fld>
             <a:endParaRPr lang="en-US">
               <a:solidFill>
                 <a:prstClr val="black">
@@ -1594,7 +2482,7 @@
 </p:sldLayout>
 </file>
 
-<file path=ppt/slideLayouts/slideLayout13.xml><?xml version="1.0" encoding="utf-8"?>
+<file path=ppt/slideLayouts/slideLayout14.xml><?xml version="1.0" encoding="utf-8"?>
 <p:sldLayout xmlns:a="http://schemas.openxmlformats.org/drawingml/2006/main" xmlns:r="http://schemas.openxmlformats.org/officeDocument/2006/relationships" xmlns:p="http://schemas.openxmlformats.org/presentationml/2006/main" type="obj" preserve="1">
   <p:cSld name="Title and Content">
     <p:spTree>
@@ -1701,18 +2589,6 @@
           <a:bodyPr/>
           <a:lstStyle/>
           <a:p>
-            <a:fld id="{01E095AD-9D4A-054D-A7BB-31CCE71EAB80}" type="datetimeFigureOut">
-              <a:rPr lang="en-US" smtClean="0">
-                <a:solidFill>
-                  <a:prstClr val="black">
-                    <a:tint val="75000"/>
-                  </a:prstClr>
-                </a:solidFill>
-                <a:latin typeface="Nexa Light"/>
-              </a:rPr>
-              <a:pPr/>
-              <a:t>24/03/15</a:t>
-            </a:fld>
             <a:endParaRPr lang="en-US">
               <a:solidFill>
                 <a:prstClr val="black">
@@ -1801,7 +2677,7 @@
 </p:sldLayout>
 </file>
 
-<file path=ppt/slideLayouts/slideLayout14.xml><?xml version="1.0" encoding="utf-8"?>
+<file path=ppt/slideLayouts/slideLayout15.xml><?xml version="1.0" encoding="utf-8"?>
 <p:sldLayout xmlns:a="http://schemas.openxmlformats.org/drawingml/2006/main" xmlns:r="http://schemas.openxmlformats.org/officeDocument/2006/relationships" xmlns:p="http://schemas.openxmlformats.org/presentationml/2006/main" type="secHead" preserve="1">
   <p:cSld name="Section Header">
     <p:spTree>
@@ -1984,18 +2860,6 @@
           <a:bodyPr/>
           <a:lstStyle/>
           <a:p>
-            <a:fld id="{01E095AD-9D4A-054D-A7BB-31CCE71EAB80}" type="datetimeFigureOut">
-              <a:rPr lang="en-US" smtClean="0">
-                <a:solidFill>
-                  <a:prstClr val="black">
-                    <a:tint val="75000"/>
-                  </a:prstClr>
-                </a:solidFill>
-                <a:latin typeface="Nexa Light"/>
-              </a:rPr>
-              <a:pPr/>
-              <a:t>24/03/15</a:t>
-            </a:fld>
             <a:endParaRPr lang="en-US">
               <a:solidFill>
                 <a:prstClr val="black">
@@ -2084,7 +2948,7 @@
 </p:sldLayout>
 </file>
 
-<file path=ppt/slideLayouts/slideLayout15.xml><?xml version="1.0" encoding="utf-8"?>
+<file path=ppt/slideLayouts/slideLayout16.xml><?xml version="1.0" encoding="utf-8"?>
 <p:sldLayout xmlns:a="http://schemas.openxmlformats.org/drawingml/2006/main" xmlns:r="http://schemas.openxmlformats.org/officeDocument/2006/relationships" xmlns:p="http://schemas.openxmlformats.org/presentationml/2006/main" type="twoObj" preserve="1">
   <p:cSld name="Two Content">
     <p:spTree>
@@ -2309,18 +3173,6 @@
           <a:bodyPr/>
           <a:lstStyle/>
           <a:p>
-            <a:fld id="{01E095AD-9D4A-054D-A7BB-31CCE71EAB80}" type="datetimeFigureOut">
-              <a:rPr lang="en-US" smtClean="0">
-                <a:solidFill>
-                  <a:prstClr val="black">
-                    <a:tint val="75000"/>
-                  </a:prstClr>
-                </a:solidFill>
-                <a:latin typeface="Nexa Light"/>
-              </a:rPr>
-              <a:pPr/>
-              <a:t>24/03/15</a:t>
-            </a:fld>
             <a:endParaRPr lang="en-US">
               <a:solidFill>
                 <a:prstClr val="black">
@@ -2409,7 +3261,7 @@
 </p:sldLayout>
 </file>
 
-<file path=ppt/slideLayouts/slideLayout16.xml><?xml version="1.0" encoding="utf-8"?>
+<file path=ppt/slideLayouts/slideLayout17.xml><?xml version="1.0" encoding="utf-8"?>
 <p:sldLayout xmlns:a="http://schemas.openxmlformats.org/drawingml/2006/main" xmlns:r="http://schemas.openxmlformats.org/officeDocument/2006/relationships" xmlns:p="http://schemas.openxmlformats.org/presentationml/2006/main" type="twoTxTwoObj" preserve="1">
   <p:cSld name="Comparison">
     <p:spTree>
@@ -2768,18 +3620,6 @@
           <a:bodyPr/>
           <a:lstStyle/>
           <a:p>
-            <a:fld id="{01E095AD-9D4A-054D-A7BB-31CCE71EAB80}" type="datetimeFigureOut">
-              <a:rPr lang="en-US" smtClean="0">
-                <a:solidFill>
-                  <a:prstClr val="black">
-                    <a:tint val="75000"/>
-                  </a:prstClr>
-                </a:solidFill>
-                <a:latin typeface="Nexa Light"/>
-              </a:rPr>
-              <a:pPr/>
-              <a:t>24/03/15</a:t>
-            </a:fld>
             <a:endParaRPr lang="en-US">
               <a:solidFill>
                 <a:prstClr val="black">
@@ -2868,7 +3708,7 @@
 </p:sldLayout>
 </file>
 
-<file path=ppt/slideLayouts/slideLayout17.xml><?xml version="1.0" encoding="utf-8"?>
+<file path=ppt/slideLayouts/slideLayout18.xml><?xml version="1.0" encoding="utf-8"?>
 <p:sldLayout xmlns:a="http://schemas.openxmlformats.org/drawingml/2006/main" xmlns:r="http://schemas.openxmlformats.org/officeDocument/2006/relationships" xmlns:p="http://schemas.openxmlformats.org/presentationml/2006/main" type="titleOnly" preserve="1">
   <p:cSld name="Title Only">
     <p:spTree>
@@ -2923,18 +3763,6 @@
           <a:bodyPr/>
           <a:lstStyle/>
           <a:p>
-            <a:fld id="{01E095AD-9D4A-054D-A7BB-31CCE71EAB80}" type="datetimeFigureOut">
-              <a:rPr lang="en-US" smtClean="0">
-                <a:solidFill>
-                  <a:prstClr val="black">
-                    <a:tint val="75000"/>
-                  </a:prstClr>
-                </a:solidFill>
-                <a:latin typeface="Nexa Light"/>
-              </a:rPr>
-              <a:pPr/>
-              <a:t>24/03/15</a:t>
-            </a:fld>
             <a:endParaRPr lang="en-US">
               <a:solidFill>
                 <a:prstClr val="black">
@@ -3023,7 +3851,7 @@
 </p:sldLayout>
 </file>
 
-<file path=ppt/slideLayouts/slideLayout18.xml><?xml version="1.0" encoding="utf-8"?>
+<file path=ppt/slideLayouts/slideLayout19.xml><?xml version="1.0" encoding="utf-8"?>
 <p:sldLayout xmlns:a="http://schemas.openxmlformats.org/drawingml/2006/main" xmlns:r="http://schemas.openxmlformats.org/officeDocument/2006/relationships" xmlns:p="http://schemas.openxmlformats.org/presentationml/2006/main" type="blank" preserve="1">
   <p:cSld name="Blank">
     <p:spTree>
@@ -3055,18 +3883,6 @@
           <a:bodyPr/>
           <a:lstStyle/>
           <a:p>
-            <a:fld id="{01E095AD-9D4A-054D-A7BB-31CCE71EAB80}" type="datetimeFigureOut">
-              <a:rPr lang="en-US" smtClean="0">
-                <a:solidFill>
-                  <a:prstClr val="black">
-                    <a:tint val="75000"/>
-                  </a:prstClr>
-                </a:solidFill>
-                <a:latin typeface="Nexa Light"/>
-              </a:rPr>
-              <a:pPr/>
-              <a:t>24/03/15</a:t>
-            </a:fld>
             <a:endParaRPr lang="en-US">
               <a:solidFill>
                 <a:prstClr val="black">
@@ -3155,7 +3971,173 @@
 </p:sldLayout>
 </file>
 
-<file path=ppt/slideLayouts/slideLayout19.xml><?xml version="1.0" encoding="utf-8"?>
+<file path=ppt/slideLayouts/slideLayout2.xml><?xml version="1.0" encoding="utf-8"?>
+<p:sldLayout xmlns:a="http://schemas.openxmlformats.org/drawingml/2006/main" xmlns:r="http://schemas.openxmlformats.org/officeDocument/2006/relationships" xmlns:p="http://schemas.openxmlformats.org/presentationml/2006/main" type="obj" preserve="1">
+  <p:cSld name="Title and Content">
+    <p:spTree>
+      <p:nvGrpSpPr>
+        <p:cNvPr id="1" name=""/>
+        <p:cNvGrpSpPr/>
+        <p:nvPr/>
+      </p:nvGrpSpPr>
+      <p:grpSpPr>
+        <a:xfrm>
+          <a:off x="0" y="0"/>
+          <a:ext cx="0" cy="0"/>
+          <a:chOff x="0" y="0"/>
+          <a:chExt cx="0" cy="0"/>
+        </a:xfrm>
+      </p:grpSpPr>
+      <p:sp>
+        <p:nvSpPr>
+          <p:cNvPr id="2" name="Title 1"/>
+          <p:cNvSpPr>
+            <a:spLocks noGrp="1"/>
+          </p:cNvSpPr>
+          <p:nvPr>
+            <p:ph type="title"/>
+          </p:nvPr>
+        </p:nvSpPr>
+        <p:spPr/>
+        <p:txBody>
+          <a:bodyPr/>
+          <a:lstStyle/>
+          <a:p>
+            <a:r>
+              <a:rPr lang="en-US" smtClean="0"/>
+              <a:t>Click to edit Master title style</a:t>
+            </a:r>
+            <a:endParaRPr lang="en-US"/>
+          </a:p>
+        </p:txBody>
+      </p:sp>
+      <p:sp>
+        <p:nvSpPr>
+          <p:cNvPr id="3" name="Content Placeholder 2"/>
+          <p:cNvSpPr>
+            <a:spLocks noGrp="1"/>
+          </p:cNvSpPr>
+          <p:nvPr>
+            <p:ph idx="1"/>
+          </p:nvPr>
+        </p:nvSpPr>
+        <p:spPr/>
+        <p:txBody>
+          <a:bodyPr/>
+          <a:lstStyle/>
+          <a:p>
+            <a:pPr lvl="0"/>
+            <a:r>
+              <a:rPr lang="en-US" smtClean="0"/>
+              <a:t>Click to edit Master text styles</a:t>
+            </a:r>
+          </a:p>
+          <a:p>
+            <a:pPr lvl="1"/>
+            <a:r>
+              <a:rPr lang="en-US" smtClean="0"/>
+              <a:t>Second level</a:t>
+            </a:r>
+          </a:p>
+          <a:p>
+            <a:pPr lvl="2"/>
+            <a:r>
+              <a:rPr lang="en-US" smtClean="0"/>
+              <a:t>Third level</a:t>
+            </a:r>
+          </a:p>
+          <a:p>
+            <a:pPr lvl="3"/>
+            <a:r>
+              <a:rPr lang="en-US" smtClean="0"/>
+              <a:t>Fourth level</a:t>
+            </a:r>
+          </a:p>
+          <a:p>
+            <a:pPr lvl="4"/>
+            <a:r>
+              <a:rPr lang="en-US" smtClean="0"/>
+              <a:t>Fifth level</a:t>
+            </a:r>
+            <a:endParaRPr lang="en-US"/>
+          </a:p>
+        </p:txBody>
+      </p:sp>
+      <p:sp>
+        <p:nvSpPr>
+          <p:cNvPr id="4" name="Date Placeholder 3"/>
+          <p:cNvSpPr>
+            <a:spLocks noGrp="1"/>
+          </p:cNvSpPr>
+          <p:nvPr>
+            <p:ph type="dt" sz="half" idx="10"/>
+          </p:nvPr>
+        </p:nvSpPr>
+        <p:spPr/>
+        <p:txBody>
+          <a:bodyPr/>
+          <a:lstStyle/>
+          <a:p>
+            <a:endParaRPr lang="en-US"/>
+          </a:p>
+        </p:txBody>
+      </p:sp>
+      <p:sp>
+        <p:nvSpPr>
+          <p:cNvPr id="5" name="Footer Placeholder 4"/>
+          <p:cNvSpPr>
+            <a:spLocks noGrp="1"/>
+          </p:cNvSpPr>
+          <p:nvPr>
+            <p:ph type="ftr" sz="quarter" idx="11"/>
+          </p:nvPr>
+        </p:nvSpPr>
+        <p:spPr/>
+        <p:txBody>
+          <a:bodyPr/>
+          <a:lstStyle/>
+          <a:p>
+            <a:endParaRPr lang="en-US"/>
+          </a:p>
+        </p:txBody>
+      </p:sp>
+      <p:sp>
+        <p:nvSpPr>
+          <p:cNvPr id="6" name="Slide Number Placeholder 5"/>
+          <p:cNvSpPr>
+            <a:spLocks noGrp="1"/>
+          </p:cNvSpPr>
+          <p:nvPr>
+            <p:ph type="sldNum" sz="quarter" idx="12"/>
+          </p:nvPr>
+        </p:nvSpPr>
+        <p:spPr/>
+        <p:txBody>
+          <a:bodyPr/>
+          <a:lstStyle/>
+          <a:p>
+            <a:fld id="{9B6618E2-E5B0-2B41-B19C-D94ACC3B6B9F}" type="slidenum">
+              <a:rPr lang="en-US" smtClean="0"/>
+              <a:t>‹#›</a:t>
+            </a:fld>
+            <a:endParaRPr lang="en-US"/>
+          </a:p>
+        </p:txBody>
+      </p:sp>
+    </p:spTree>
+    <p:extLst>
+      <p:ext uri="{BB962C8B-B14F-4D97-AF65-F5344CB8AC3E}">
+        <p14:creationId xmlns:p14="http://schemas.microsoft.com/office/powerpoint/2010/main" val="1555624673"/>
+      </p:ext>
+    </p:extLst>
+  </p:cSld>
+  <p:clrMapOvr>
+    <a:masterClrMapping/>
+  </p:clrMapOvr>
+</p:sldLayout>
+</file>
+
+<file path=ppt/slideLayouts/slideLayout20.xml><?xml version="1.0" encoding="utf-8"?>
 <p:sldLayout xmlns:a="http://schemas.openxmlformats.org/drawingml/2006/main" xmlns:r="http://schemas.openxmlformats.org/officeDocument/2006/relationships" xmlns:p="http://schemas.openxmlformats.org/presentationml/2006/main" type="objTx" preserve="1">
   <p:cSld name="Content with Caption">
     <p:spTree>
@@ -3369,18 +4351,6 @@
           <a:bodyPr/>
           <a:lstStyle/>
           <a:p>
-            <a:fld id="{01E095AD-9D4A-054D-A7BB-31CCE71EAB80}" type="datetimeFigureOut">
-              <a:rPr lang="en-US" smtClean="0">
-                <a:solidFill>
-                  <a:prstClr val="black">
-                    <a:tint val="75000"/>
-                  </a:prstClr>
-                </a:solidFill>
-                <a:latin typeface="Nexa Light"/>
-              </a:rPr>
-              <a:pPr/>
-              <a:t>24/03/15</a:t>
-            </a:fld>
             <a:endParaRPr lang="en-US">
               <a:solidFill>
                 <a:prstClr val="black">
@@ -3469,177 +4439,7 @@
 </p:sldLayout>
 </file>
 
-<file path=ppt/slideLayouts/slideLayout2.xml><?xml version="1.0" encoding="utf-8"?>
-<p:sldLayout xmlns:a="http://schemas.openxmlformats.org/drawingml/2006/main" xmlns:r="http://schemas.openxmlformats.org/officeDocument/2006/relationships" xmlns:p="http://schemas.openxmlformats.org/presentationml/2006/main" type="obj" preserve="1">
-  <p:cSld name="Title and Content">
-    <p:spTree>
-      <p:nvGrpSpPr>
-        <p:cNvPr id="1" name=""/>
-        <p:cNvGrpSpPr/>
-        <p:nvPr/>
-      </p:nvGrpSpPr>
-      <p:grpSpPr>
-        <a:xfrm>
-          <a:off x="0" y="0"/>
-          <a:ext cx="0" cy="0"/>
-          <a:chOff x="0" y="0"/>
-          <a:chExt cx="0" cy="0"/>
-        </a:xfrm>
-      </p:grpSpPr>
-      <p:sp>
-        <p:nvSpPr>
-          <p:cNvPr id="2" name="Title 1"/>
-          <p:cNvSpPr>
-            <a:spLocks noGrp="1"/>
-          </p:cNvSpPr>
-          <p:nvPr>
-            <p:ph type="title"/>
-          </p:nvPr>
-        </p:nvSpPr>
-        <p:spPr/>
-        <p:txBody>
-          <a:bodyPr/>
-          <a:lstStyle/>
-          <a:p>
-            <a:r>
-              <a:rPr lang="en-US" smtClean="0"/>
-              <a:t>Click to edit Master title style</a:t>
-            </a:r>
-            <a:endParaRPr lang="en-US"/>
-          </a:p>
-        </p:txBody>
-      </p:sp>
-      <p:sp>
-        <p:nvSpPr>
-          <p:cNvPr id="3" name="Content Placeholder 2"/>
-          <p:cNvSpPr>
-            <a:spLocks noGrp="1"/>
-          </p:cNvSpPr>
-          <p:nvPr>
-            <p:ph idx="1"/>
-          </p:nvPr>
-        </p:nvSpPr>
-        <p:spPr/>
-        <p:txBody>
-          <a:bodyPr/>
-          <a:lstStyle/>
-          <a:p>
-            <a:pPr lvl="0"/>
-            <a:r>
-              <a:rPr lang="en-US" smtClean="0"/>
-              <a:t>Click to edit Master text styles</a:t>
-            </a:r>
-          </a:p>
-          <a:p>
-            <a:pPr lvl="1"/>
-            <a:r>
-              <a:rPr lang="en-US" smtClean="0"/>
-              <a:t>Second level</a:t>
-            </a:r>
-          </a:p>
-          <a:p>
-            <a:pPr lvl="2"/>
-            <a:r>
-              <a:rPr lang="en-US" smtClean="0"/>
-              <a:t>Third level</a:t>
-            </a:r>
-          </a:p>
-          <a:p>
-            <a:pPr lvl="3"/>
-            <a:r>
-              <a:rPr lang="en-US" smtClean="0"/>
-              <a:t>Fourth level</a:t>
-            </a:r>
-          </a:p>
-          <a:p>
-            <a:pPr lvl="4"/>
-            <a:r>
-              <a:rPr lang="en-US" smtClean="0"/>
-              <a:t>Fifth level</a:t>
-            </a:r>
-            <a:endParaRPr lang="en-US"/>
-          </a:p>
-        </p:txBody>
-      </p:sp>
-      <p:sp>
-        <p:nvSpPr>
-          <p:cNvPr id="4" name="Date Placeholder 3"/>
-          <p:cNvSpPr>
-            <a:spLocks noGrp="1"/>
-          </p:cNvSpPr>
-          <p:nvPr>
-            <p:ph type="dt" sz="half" idx="10"/>
-          </p:nvPr>
-        </p:nvSpPr>
-        <p:spPr/>
-        <p:txBody>
-          <a:bodyPr/>
-          <a:lstStyle/>
-          <a:p>
-            <a:fld id="{A0CFEBA8-7905-C845-81D7-718A8805E944}" type="datetime1">
-              <a:rPr lang="en-US" smtClean="0"/>
-              <a:t>24/03/15</a:t>
-            </a:fld>
-            <a:endParaRPr lang="en-US"/>
-          </a:p>
-        </p:txBody>
-      </p:sp>
-      <p:sp>
-        <p:nvSpPr>
-          <p:cNvPr id="5" name="Footer Placeholder 4"/>
-          <p:cNvSpPr>
-            <a:spLocks noGrp="1"/>
-          </p:cNvSpPr>
-          <p:nvPr>
-            <p:ph type="ftr" sz="quarter" idx="11"/>
-          </p:nvPr>
-        </p:nvSpPr>
-        <p:spPr/>
-        <p:txBody>
-          <a:bodyPr/>
-          <a:lstStyle/>
-          <a:p>
-            <a:endParaRPr lang="en-US"/>
-          </a:p>
-        </p:txBody>
-      </p:sp>
-      <p:sp>
-        <p:nvSpPr>
-          <p:cNvPr id="6" name="Slide Number Placeholder 5"/>
-          <p:cNvSpPr>
-            <a:spLocks noGrp="1"/>
-          </p:cNvSpPr>
-          <p:nvPr>
-            <p:ph type="sldNum" sz="quarter" idx="12"/>
-          </p:nvPr>
-        </p:nvSpPr>
-        <p:spPr/>
-        <p:txBody>
-          <a:bodyPr/>
-          <a:lstStyle/>
-          <a:p>
-            <a:fld id="{9B6618E2-E5B0-2B41-B19C-D94ACC3B6B9F}" type="slidenum">
-              <a:rPr lang="en-US" smtClean="0"/>
-              <a:t>‹#›</a:t>
-            </a:fld>
-            <a:endParaRPr lang="en-US"/>
-          </a:p>
-        </p:txBody>
-      </p:sp>
-    </p:spTree>
-    <p:extLst>
-      <p:ext uri="{BB962C8B-B14F-4D97-AF65-F5344CB8AC3E}">
-        <p14:creationId xmlns:p14="http://schemas.microsoft.com/office/powerpoint/2010/main" val="1555624673"/>
-      </p:ext>
-    </p:extLst>
-  </p:cSld>
-  <p:clrMapOvr>
-    <a:masterClrMapping/>
-  </p:clrMapOvr>
-</p:sldLayout>
-</file>
-
-<file path=ppt/slideLayouts/slideLayout20.xml><?xml version="1.0" encoding="utf-8"?>
+<file path=ppt/slideLayouts/slideLayout21.xml><?xml version="1.0" encoding="utf-8"?>
 <p:sldLayout xmlns:a="http://schemas.openxmlformats.org/drawingml/2006/main" xmlns:r="http://schemas.openxmlformats.org/officeDocument/2006/relationships" xmlns:p="http://schemas.openxmlformats.org/presentationml/2006/main" type="picTx" preserve="1">
   <p:cSld name="Picture with Caption">
     <p:spTree>
@@ -3833,18 +4633,6 @@
           <a:bodyPr/>
           <a:lstStyle/>
           <a:p>
-            <a:fld id="{01E095AD-9D4A-054D-A7BB-31CCE71EAB80}" type="datetimeFigureOut">
-              <a:rPr lang="en-US" smtClean="0">
-                <a:solidFill>
-                  <a:prstClr val="black">
-                    <a:tint val="75000"/>
-                  </a:prstClr>
-                </a:solidFill>
-                <a:latin typeface="Nexa Light"/>
-              </a:rPr>
-              <a:pPr/>
-              <a:t>24/03/15</a:t>
-            </a:fld>
             <a:endParaRPr lang="en-US">
               <a:solidFill>
                 <a:prstClr val="black">
@@ -3933,7 +4721,7 @@
 </p:sldLayout>
 </file>
 
-<file path=ppt/slideLayouts/slideLayout21.xml><?xml version="1.0" encoding="utf-8"?>
+<file path=ppt/slideLayouts/slideLayout22.xml><?xml version="1.0" encoding="utf-8"?>
 <p:sldLayout xmlns:a="http://schemas.openxmlformats.org/drawingml/2006/main" xmlns:r="http://schemas.openxmlformats.org/officeDocument/2006/relationships" xmlns:p="http://schemas.openxmlformats.org/presentationml/2006/main" type="vertTx" preserve="1">
   <p:cSld name="Title and Vertical Text">
     <p:spTree>
@@ -4040,18 +4828,6 @@
           <a:bodyPr/>
           <a:lstStyle/>
           <a:p>
-            <a:fld id="{01E095AD-9D4A-054D-A7BB-31CCE71EAB80}" type="datetimeFigureOut">
-              <a:rPr lang="en-US" smtClean="0">
-                <a:solidFill>
-                  <a:prstClr val="black">
-                    <a:tint val="75000"/>
-                  </a:prstClr>
-                </a:solidFill>
-                <a:latin typeface="Nexa Light"/>
-              </a:rPr>
-              <a:pPr/>
-              <a:t>24/03/15</a:t>
-            </a:fld>
             <a:endParaRPr lang="en-US">
               <a:solidFill>
                 <a:prstClr val="black">
@@ -4140,7 +4916,7 @@
 </p:sldLayout>
 </file>
 
-<file path=ppt/slideLayouts/slideLayout22.xml><?xml version="1.0" encoding="utf-8"?>
+<file path=ppt/slideLayouts/slideLayout23.xml><?xml version="1.0" encoding="utf-8"?>
 <p:sldLayout xmlns:a="http://schemas.openxmlformats.org/drawingml/2006/main" xmlns:r="http://schemas.openxmlformats.org/officeDocument/2006/relationships" xmlns:p="http://schemas.openxmlformats.org/presentationml/2006/main" type="vertTitleAndTx" preserve="1">
   <p:cSld name="Vertical Title and Text">
     <p:spTree>
@@ -4257,18 +5033,6 @@
           <a:bodyPr/>
           <a:lstStyle/>
           <a:p>
-            <a:fld id="{01E095AD-9D4A-054D-A7BB-31CCE71EAB80}" type="datetimeFigureOut">
-              <a:rPr lang="en-US" smtClean="0">
-                <a:solidFill>
-                  <a:prstClr val="black">
-                    <a:tint val="75000"/>
-                  </a:prstClr>
-                </a:solidFill>
-                <a:latin typeface="Nexa Light"/>
-              </a:rPr>
-              <a:pPr/>
-              <a:t>24/03/15</a:t>
-            </a:fld>
             <a:endParaRPr lang="en-US">
               <a:solidFill>
                 <a:prstClr val="black">
@@ -4540,10 +5304,6 @@
           <a:bodyPr/>
           <a:lstStyle/>
           <a:p>
-            <a:fld id="{F38719F3-E846-964D-806C-9EBAE9C0F2CE}" type="datetime1">
-              <a:rPr lang="en-US" smtClean="0"/>
-              <a:t>24/03/15</a:t>
-            </a:fld>
             <a:endParaRPr lang="en-US"/>
           </a:p>
         </p:txBody>
@@ -4828,10 +5588,6 @@
           <a:bodyPr/>
           <a:lstStyle/>
           <a:p>
-            <a:fld id="{31DA9F54-C104-4B4E-86AA-2DE0795114DA}" type="datetime1">
-              <a:rPr lang="en-US" smtClean="0"/>
-              <a:t>24/03/15</a:t>
-            </a:fld>
             <a:endParaRPr lang="en-US"/>
           </a:p>
         </p:txBody>
@@ -5250,10 +6006,6 @@
           <a:bodyPr/>
           <a:lstStyle/>
           <a:p>
-            <a:fld id="{D3609CCC-4F82-3745-AD61-56BC24FAA1D3}" type="datetime1">
-              <a:rPr lang="en-US" smtClean="0"/>
-              <a:t>24/03/15</a:t>
-            </a:fld>
             <a:endParaRPr lang="en-US"/>
           </a:p>
         </p:txBody>
@@ -5368,10 +6120,6 @@
           <a:bodyPr/>
           <a:lstStyle/>
           <a:p>
-            <a:fld id="{9D7D39B4-FCE5-C444-B43B-BD02CB57EB3B}" type="datetime1">
-              <a:rPr lang="en-US" smtClean="0"/>
-              <a:t>24/03/15</a:t>
-            </a:fld>
             <a:endParaRPr lang="en-US"/>
           </a:p>
         </p:txBody>
@@ -5463,10 +6211,6 @@
           <a:bodyPr/>
           <a:lstStyle/>
           <a:p>
-            <a:fld id="{04829683-CB02-4844-86E6-64D4B7E22237}" type="datetime1">
-              <a:rPr lang="en-US" smtClean="0"/>
-              <a:t>24/03/15</a:t>
-            </a:fld>
             <a:endParaRPr lang="en-US"/>
           </a:p>
         </p:txBody>
@@ -5740,10 +6484,6 @@
           <a:bodyPr/>
           <a:lstStyle/>
           <a:p>
-            <a:fld id="{6966249B-C39D-7E4B-8256-8294A9FFFC44}" type="datetime1">
-              <a:rPr lang="en-US" smtClean="0"/>
-              <a:t>24/03/15</a:t>
-            </a:fld>
             <a:endParaRPr lang="en-US"/>
           </a:p>
         </p:txBody>
@@ -5993,10 +6733,6 @@
           <a:bodyPr/>
           <a:lstStyle/>
           <a:p>
-            <a:fld id="{DFB136B7-E6A3-834A-A7CB-1EE19857EFDE}" type="datetime1">
-              <a:rPr lang="en-US" smtClean="0"/>
-              <a:t>24/03/15</a:t>
-            </a:fld>
             <a:endParaRPr lang="en-US"/>
           </a:p>
         </p:txBody>
@@ -6206,10 +6942,6 @@
             </a:lvl1pPr>
           </a:lstStyle>
           <a:p>
-            <a:fld id="{00A61BA0-2988-054D-8CBF-90BE09811656}" type="datetime1">
-              <a:rPr lang="en-US" smtClean="0"/>
-              <a:t>24/03/15</a:t>
-            </a:fld>
             <a:endParaRPr lang="en-US"/>
           </a:p>
         </p:txBody>
@@ -6312,6 +7044,7 @@
     <p:sldLayoutId id="2147483657" r:id="rId9"/>
     <p:sldLayoutId id="2147483658" r:id="rId10"/>
     <p:sldLayoutId id="2147483659" r:id="rId11"/>
+    <p:sldLayoutId id="2147483672" r:id="rId12"/>
   </p:sldLayoutIdLst>
   <p:hf hdr="0" ftr="0" dt="0"/>
   <p:txStyles>
@@ -6722,18 +7455,6 @@
             </a:lvl1pPr>
           </a:lstStyle>
           <a:p>
-            <a:fld id="{01E095AD-9D4A-054D-A7BB-31CCE71EAB80}" type="datetimeFigureOut">
-              <a:rPr lang="en-US" smtClean="0">
-                <a:solidFill>
-                  <a:prstClr val="black">
-                    <a:tint val="75000"/>
-                  </a:prstClr>
-                </a:solidFill>
-                <a:latin typeface="Nexa Light"/>
-              </a:rPr>
-              <a:pPr/>
-              <a:t>24/03/15</a:t>
-            </a:fld>
             <a:endParaRPr lang="en-US">
               <a:solidFill>
                 <a:prstClr val="black">
@@ -6866,6 +7587,7 @@
     <p:sldLayoutId id="2147483670" r:id="rId10"/>
     <p:sldLayoutId id="2147483671" r:id="rId11"/>
   </p:sldLayoutIdLst>
+  <p:hf hdr="0" ftr="0" dt="0"/>
   <p:txStyles>
     <p:titleStyle>
       <a:lvl1pPr algn="ctr" defTabSz="457200" rtl="0" eaLnBrk="1" latinLnBrk="0" hangingPunct="1">
@@ -7318,6 +8040,1094 @@
 </p:sld>
 </file>
 
+<file path=ppt/slides/slide10.xml><?xml version="1.0" encoding="utf-8"?>
+<p:sld xmlns:a="http://schemas.openxmlformats.org/drawingml/2006/main" xmlns:r="http://schemas.openxmlformats.org/officeDocument/2006/relationships" xmlns:p="http://schemas.openxmlformats.org/presentationml/2006/main">
+  <p:cSld>
+    <p:spTree>
+      <p:nvGrpSpPr>
+        <p:cNvPr id="1" name=""/>
+        <p:cNvGrpSpPr/>
+        <p:nvPr/>
+      </p:nvGrpSpPr>
+      <p:grpSpPr>
+        <a:xfrm>
+          <a:off x="0" y="0"/>
+          <a:ext cx="0" cy="0"/>
+          <a:chOff x="0" y="0"/>
+          <a:chExt cx="0" cy="0"/>
+        </a:xfrm>
+      </p:grpSpPr>
+      <p:sp>
+        <p:nvSpPr>
+          <p:cNvPr id="2" name="Title 1"/>
+          <p:cNvSpPr>
+            <a:spLocks noGrp="1"/>
+          </p:cNvSpPr>
+          <p:nvPr>
+            <p:ph type="title"/>
+          </p:nvPr>
+        </p:nvSpPr>
+        <p:spPr/>
+        <p:txBody>
+          <a:bodyPr/>
+          <a:lstStyle/>
+          <a:p>
+            <a:r>
+              <a:rPr lang="en-US" dirty="0" smtClean="0">
+                <a:latin typeface="Nexa Bold"/>
+                <a:cs typeface="Nexa Bold"/>
+              </a:rPr>
+              <a:t>SDP</a:t>
+            </a:r>
+            <a:endParaRPr lang="en-US" dirty="0">
+              <a:latin typeface="Nexa Bold"/>
+              <a:cs typeface="Nexa Bold"/>
+            </a:endParaRPr>
+          </a:p>
+        </p:txBody>
+      </p:sp>
+      <p:sp>
+        <p:nvSpPr>
+          <p:cNvPr id="3" name="Content Placeholder 2"/>
+          <p:cNvSpPr>
+            <a:spLocks noGrp="1"/>
+          </p:cNvSpPr>
+          <p:nvPr>
+            <p:ph idx="1"/>
+          </p:nvPr>
+        </p:nvSpPr>
+        <p:spPr/>
+        <p:txBody>
+          <a:bodyPr/>
+          <a:lstStyle/>
+          <a:p>
+            <a:r>
+              <a:rPr lang="en-US" dirty="0" smtClean="0">
+                <a:latin typeface="Nexa Light"/>
+                <a:cs typeface="Nexa Light"/>
+              </a:rPr>
+              <a:t>Dynamic Association in RTP, no association in SDP</a:t>
+            </a:r>
+          </a:p>
+          <a:p>
+            <a:endParaRPr lang="en-US" dirty="0" smtClean="0">
+              <a:latin typeface="Nexa Light"/>
+              <a:cs typeface="Nexa Light"/>
+            </a:endParaRPr>
+          </a:p>
+          <a:p>
+            <a:r>
+              <a:rPr lang="en-US" dirty="0" smtClean="0">
+                <a:latin typeface="Nexa Light"/>
+                <a:cs typeface="Nexa Light"/>
+              </a:rPr>
+              <a:t>Example:</a:t>
+            </a:r>
+          </a:p>
+          <a:p>
+            <a:pPr marL="457200" lvl="1" indent="0">
+              <a:buNone/>
+            </a:pPr>
+            <a:r>
+              <a:rPr lang="en-US" sz="2400" dirty="0" smtClean="0">
+                <a:latin typeface="Courier"/>
+                <a:cs typeface="Courier"/>
+              </a:rPr>
+              <a:t>a = rtpmap:96 VP8/90000</a:t>
+            </a:r>
+          </a:p>
+          <a:p>
+            <a:pPr marL="457200" lvl="1" indent="0">
+              <a:buNone/>
+            </a:pPr>
+            <a:r>
+              <a:rPr lang="en-US" sz="2400" dirty="0" smtClean="0">
+                <a:latin typeface="Courier"/>
+                <a:cs typeface="Courier"/>
+              </a:rPr>
+              <a:t>a = rtpmap:98 FLEXFEC/90000</a:t>
+            </a:r>
+          </a:p>
+          <a:p>
+            <a:pPr marL="457200" lvl="1" indent="0">
+              <a:buNone/>
+            </a:pPr>
+            <a:r>
+              <a:rPr lang="en-US" sz="2400" dirty="0" smtClean="0">
+                <a:latin typeface="Courier"/>
+                <a:cs typeface="Courier"/>
+              </a:rPr>
+              <a:t>a = fmtp:98 code=</a:t>
+            </a:r>
+            <a:r>
+              <a:rPr lang="en-US" sz="2400" dirty="0" err="1" smtClean="0">
+                <a:latin typeface="Courier"/>
+                <a:cs typeface="Courier"/>
+              </a:rPr>
+              <a:t>xor</a:t>
+            </a:r>
+            <a:r>
+              <a:rPr lang="en-US" sz="2400" dirty="0" smtClean="0">
+                <a:latin typeface="Courier"/>
+                <a:cs typeface="Courier"/>
+              </a:rPr>
+              <a:t>; repair-window=200ms</a:t>
+            </a:r>
+          </a:p>
+          <a:p>
+            <a:pPr marL="457200" lvl="1" indent="0">
+              <a:buNone/>
+            </a:pPr>
+            <a:endParaRPr lang="en-US" dirty="0" smtClean="0">
+              <a:latin typeface="Courier"/>
+              <a:cs typeface="Courier"/>
+            </a:endParaRPr>
+          </a:p>
+          <a:p>
+            <a:pPr marL="457200" lvl="1" indent="0">
+              <a:buNone/>
+            </a:pPr>
+            <a:endParaRPr lang="en-US" dirty="0">
+              <a:latin typeface="Courier"/>
+              <a:cs typeface="Courier"/>
+            </a:endParaRPr>
+          </a:p>
+        </p:txBody>
+      </p:sp>
+      <p:sp>
+        <p:nvSpPr>
+          <p:cNvPr id="4" name="Rectangle 3"/>
+          <p:cNvSpPr/>
+          <p:nvPr/>
+        </p:nvSpPr>
+        <p:spPr>
+          <a:xfrm>
+            <a:off x="6350484" y="89972"/>
+            <a:ext cx="2793516" cy="369332"/>
+          </a:xfrm>
+          <a:prstGeom prst="rect">
+            <a:avLst/>
+          </a:prstGeom>
+        </p:spPr>
+        <p:txBody>
+          <a:bodyPr wrap="square">
+            <a:spAutoFit/>
+          </a:bodyPr>
+          <a:lstStyle/>
+          <a:p>
+            <a:r>
+              <a:rPr lang="en-US" dirty="0" smtClean="0">
+                <a:latin typeface="Nexa Bold"/>
+                <a:cs typeface="Nexa Bold"/>
+              </a:rPr>
+              <a:t>Open Issue 1 		(3/3)</a:t>
+            </a:r>
+            <a:endParaRPr lang="en-US" dirty="0"/>
+          </a:p>
+        </p:txBody>
+      </p:sp>
+      <p:sp>
+        <p:nvSpPr>
+          <p:cNvPr id="5" name="Slide Number Placeholder 4"/>
+          <p:cNvSpPr>
+            <a:spLocks noGrp="1"/>
+          </p:cNvSpPr>
+          <p:nvPr>
+            <p:ph type="sldNum" sz="quarter" idx="12"/>
+          </p:nvPr>
+        </p:nvSpPr>
+        <p:spPr/>
+        <p:txBody>
+          <a:bodyPr/>
+          <a:lstStyle/>
+          <a:p>
+            <a:fld id="{9B6618E2-E5B0-2B41-B19C-D94ACC3B6B9F}" type="slidenum">
+              <a:rPr lang="en-US" smtClean="0"/>
+              <a:t>10</a:t>
+            </a:fld>
+            <a:endParaRPr lang="en-US"/>
+          </a:p>
+        </p:txBody>
+      </p:sp>
+    </p:spTree>
+    <p:extLst>
+      <p:ext uri="{BB962C8B-B14F-4D97-AF65-F5344CB8AC3E}">
+        <p14:creationId xmlns:p14="http://schemas.microsoft.com/office/powerpoint/2010/main" val="842183155"/>
+      </p:ext>
+    </p:extLst>
+  </p:cSld>
+  <p:clrMapOvr>
+    <a:masterClrMapping/>
+  </p:clrMapOvr>
+</p:sld>
+</file>
+
+<file path=ppt/slides/slide11.xml><?xml version="1.0" encoding="utf-8"?>
+<p:sld xmlns:a="http://schemas.openxmlformats.org/drawingml/2006/main" xmlns:r="http://schemas.openxmlformats.org/officeDocument/2006/relationships" xmlns:p="http://schemas.openxmlformats.org/presentationml/2006/main">
+  <p:cSld>
+    <p:spTree>
+      <p:nvGrpSpPr>
+        <p:cNvPr id="1" name=""/>
+        <p:cNvGrpSpPr/>
+        <p:nvPr/>
+      </p:nvGrpSpPr>
+      <p:grpSpPr>
+        <a:xfrm>
+          <a:off x="0" y="0"/>
+          <a:ext cx="0" cy="0"/>
+          <a:chOff x="0" y="0"/>
+          <a:chExt cx="0" cy="0"/>
+        </a:xfrm>
+      </p:grpSpPr>
+      <p:sp>
+        <p:nvSpPr>
+          <p:cNvPr id="2" name="Title 1"/>
+          <p:cNvSpPr>
+            <a:spLocks noGrp="1"/>
+          </p:cNvSpPr>
+          <p:nvPr>
+            <p:ph type="title"/>
+          </p:nvPr>
+        </p:nvSpPr>
+        <p:spPr/>
+        <p:txBody>
+          <a:bodyPr/>
+          <a:lstStyle/>
+          <a:p>
+            <a:r>
+              <a:rPr lang="en-US" dirty="0" smtClean="0">
+                <a:latin typeface="Nexa Bold"/>
+                <a:cs typeface="Nexa Bold"/>
+              </a:rPr>
+              <a:t>Open issues 2</a:t>
+            </a:r>
+            <a:endParaRPr lang="en-US" dirty="0">
+              <a:latin typeface="Nexa Bold"/>
+              <a:cs typeface="Nexa Bold"/>
+            </a:endParaRPr>
+          </a:p>
+        </p:txBody>
+      </p:sp>
+      <p:sp>
+        <p:nvSpPr>
+          <p:cNvPr id="3" name="Content Placeholder 2"/>
+          <p:cNvSpPr>
+            <a:spLocks noGrp="1"/>
+          </p:cNvSpPr>
+          <p:nvPr>
+            <p:ph idx="1"/>
+          </p:nvPr>
+        </p:nvSpPr>
+        <p:spPr/>
+        <p:txBody>
+          <a:bodyPr>
+            <a:normAutofit fontScale="92500"/>
+          </a:bodyPr>
+          <a:lstStyle/>
+          <a:p>
+            <a:r>
+              <a:rPr lang="en-US" dirty="0" smtClean="0">
+                <a:latin typeface="Nexa Light"/>
+                <a:cs typeface="Nexa Light"/>
+              </a:rPr>
+              <a:t>M and N occur in the RTP header for row length and column depth (non-bitmask case)</a:t>
+            </a:r>
+          </a:p>
+          <a:p>
+            <a:endParaRPr lang="en-US" dirty="0" smtClean="0">
+              <a:latin typeface="Nexa Light"/>
+              <a:cs typeface="Nexa Light"/>
+            </a:endParaRPr>
+          </a:p>
+          <a:p>
+            <a:r>
+              <a:rPr lang="en-US" dirty="0" smtClean="0">
+                <a:latin typeface="Nexa Light"/>
+                <a:cs typeface="Nexa Light"/>
+              </a:rPr>
+              <a:t>N = 0 and N = 1  currently means row FEC</a:t>
+            </a:r>
+          </a:p>
+          <a:p>
+            <a:endParaRPr lang="en-US" dirty="0" smtClean="0">
+              <a:latin typeface="Nexa Light"/>
+              <a:cs typeface="Nexa Light"/>
+            </a:endParaRPr>
+          </a:p>
+          <a:p>
+            <a:r>
+              <a:rPr lang="en-US" dirty="0" smtClean="0">
+                <a:latin typeface="Nexa Light"/>
+                <a:cs typeface="Nexa Light"/>
+              </a:rPr>
+              <a:t>Proposal: </a:t>
+            </a:r>
+          </a:p>
+          <a:p>
+            <a:pPr marL="457200" lvl="1" indent="0">
+              <a:buNone/>
+            </a:pPr>
+            <a:r>
+              <a:rPr lang="en-US" sz="2200" dirty="0" smtClean="0">
+                <a:latin typeface="Nexa Light"/>
+                <a:cs typeface="Nexa Light"/>
+              </a:rPr>
+              <a:t>N = 0 indicates row FEC </a:t>
+            </a:r>
+            <a:r>
+              <a:rPr lang="en-US" sz="2200" b="1" dirty="0" smtClean="0">
+                <a:latin typeface="Nexa Bold"/>
+                <a:cs typeface="Nexa Bold"/>
+              </a:rPr>
+              <a:t>not </a:t>
+            </a:r>
+            <a:r>
+              <a:rPr lang="en-US" sz="2200" dirty="0" smtClean="0">
+                <a:latin typeface="Nexa Light"/>
+                <a:cs typeface="Nexa Light"/>
+              </a:rPr>
+              <a:t>followed by column FEC.</a:t>
+            </a:r>
+          </a:p>
+          <a:p>
+            <a:pPr marL="457200" lvl="1" indent="0">
+              <a:buNone/>
+            </a:pPr>
+            <a:r>
+              <a:rPr lang="en-US" sz="2200" dirty="0" smtClean="0">
+                <a:latin typeface="Nexa Light"/>
+                <a:cs typeface="Nexa Light"/>
+              </a:rPr>
+              <a:t>N = 1 indicates row FEC         followed by column FEC.</a:t>
+            </a:r>
+          </a:p>
+          <a:p>
+            <a:pPr lvl="1"/>
+            <a:endParaRPr lang="en-US" dirty="0">
+              <a:latin typeface="Nexa Light"/>
+              <a:cs typeface="Nexa Light"/>
+            </a:endParaRPr>
+          </a:p>
+        </p:txBody>
+      </p:sp>
+      <p:sp>
+        <p:nvSpPr>
+          <p:cNvPr id="4" name="Slide Number Placeholder 3"/>
+          <p:cNvSpPr>
+            <a:spLocks noGrp="1"/>
+          </p:cNvSpPr>
+          <p:nvPr>
+            <p:ph type="sldNum" sz="quarter" idx="12"/>
+          </p:nvPr>
+        </p:nvSpPr>
+        <p:spPr/>
+        <p:txBody>
+          <a:bodyPr/>
+          <a:lstStyle/>
+          <a:p>
+            <a:fld id="{9B6618E2-E5B0-2B41-B19C-D94ACC3B6B9F}" type="slidenum">
+              <a:rPr lang="en-US" smtClean="0"/>
+              <a:t>11</a:t>
+            </a:fld>
+            <a:endParaRPr lang="en-US"/>
+          </a:p>
+        </p:txBody>
+      </p:sp>
+    </p:spTree>
+    <p:extLst>
+      <p:ext uri="{BB962C8B-B14F-4D97-AF65-F5344CB8AC3E}">
+        <p14:creationId xmlns:p14="http://schemas.microsoft.com/office/powerpoint/2010/main" val="3626008626"/>
+      </p:ext>
+    </p:extLst>
+  </p:cSld>
+  <p:clrMapOvr>
+    <a:masterClrMapping/>
+  </p:clrMapOvr>
+</p:sld>
+</file>
+
+<file path=ppt/slides/slide12.xml><?xml version="1.0" encoding="utf-8"?>
+<p:sld xmlns:a="http://schemas.openxmlformats.org/drawingml/2006/main" xmlns:r="http://schemas.openxmlformats.org/officeDocument/2006/relationships" xmlns:p="http://schemas.openxmlformats.org/presentationml/2006/main">
+  <p:cSld>
+    <p:spTree>
+      <p:nvGrpSpPr>
+        <p:cNvPr id="1" name=""/>
+        <p:cNvGrpSpPr/>
+        <p:nvPr/>
+      </p:nvGrpSpPr>
+      <p:grpSpPr>
+        <a:xfrm>
+          <a:off x="0" y="0"/>
+          <a:ext cx="0" cy="0"/>
+          <a:chOff x="0" y="0"/>
+          <a:chExt cx="0" cy="0"/>
+        </a:xfrm>
+      </p:grpSpPr>
+      <p:sp>
+        <p:nvSpPr>
+          <p:cNvPr id="2" name="Title 1"/>
+          <p:cNvSpPr>
+            <a:spLocks noGrp="1"/>
+          </p:cNvSpPr>
+          <p:nvPr>
+            <p:ph type="title"/>
+          </p:nvPr>
+        </p:nvSpPr>
+        <p:spPr/>
+        <p:txBody>
+          <a:bodyPr/>
+          <a:lstStyle/>
+          <a:p>
+            <a:r>
+              <a:rPr lang="en-US" dirty="0" smtClean="0">
+                <a:latin typeface="Nexa Bold"/>
+                <a:cs typeface="Nexa Bold"/>
+              </a:rPr>
+              <a:t>Open issues 3</a:t>
+            </a:r>
+            <a:endParaRPr lang="en-US" dirty="0">
+              <a:latin typeface="Nexa Bold"/>
+              <a:cs typeface="Nexa Bold"/>
+            </a:endParaRPr>
+          </a:p>
+        </p:txBody>
+      </p:sp>
+      <p:sp>
+        <p:nvSpPr>
+          <p:cNvPr id="3" name="Content Placeholder 2"/>
+          <p:cNvSpPr>
+            <a:spLocks noGrp="1"/>
+          </p:cNvSpPr>
+          <p:nvPr>
+            <p:ph idx="1"/>
+          </p:nvPr>
+        </p:nvSpPr>
+        <p:spPr/>
+        <p:txBody>
+          <a:bodyPr>
+            <a:normAutofit fontScale="92500" lnSpcReduction="20000"/>
+          </a:bodyPr>
+          <a:lstStyle/>
+          <a:p>
+            <a:r>
+              <a:rPr lang="en-US" dirty="0" smtClean="0">
+                <a:latin typeface="Nexa Light"/>
+                <a:cs typeface="Nexa Light"/>
+              </a:rPr>
+              <a:t>Type of protection (</a:t>
+            </a:r>
+            <a:r>
+              <a:rPr lang="en-US" dirty="0" err="1" smtClean="0">
+                <a:latin typeface="Nexa Light"/>
+                <a:cs typeface="Nexa Light"/>
+              </a:rPr>
+              <a:t>ToP</a:t>
+            </a:r>
+            <a:r>
+              <a:rPr lang="en-US" dirty="0" smtClean="0">
+                <a:latin typeface="Nexa Light"/>
+                <a:cs typeface="Nexa Light"/>
+              </a:rPr>
+              <a:t>) in SDP</a:t>
+            </a:r>
+          </a:p>
+          <a:p>
+            <a:pPr marL="457200" lvl="1" indent="0">
+              <a:buNone/>
+            </a:pPr>
+            <a:r>
+              <a:rPr lang="en-US" sz="2200" dirty="0" smtClean="0">
+                <a:latin typeface="Nexa Light"/>
+                <a:cs typeface="Nexa Light"/>
+              </a:rPr>
+              <a:t>		0=interleaved, </a:t>
+            </a:r>
+          </a:p>
+          <a:p>
+            <a:pPr marL="457200" lvl="1" indent="0">
+              <a:buNone/>
+            </a:pPr>
+            <a:r>
+              <a:rPr lang="en-US" sz="2200" dirty="0" smtClean="0">
+                <a:latin typeface="Nexa Light"/>
+                <a:cs typeface="Nexa Light"/>
+              </a:rPr>
+              <a:t>		1=non-interleaved,</a:t>
+            </a:r>
+          </a:p>
+          <a:p>
+            <a:pPr marL="457200" lvl="1" indent="0">
+              <a:buNone/>
+            </a:pPr>
+            <a:r>
+              <a:rPr lang="en-US" sz="2200" dirty="0" smtClean="0">
+                <a:latin typeface="Nexa Light"/>
+                <a:cs typeface="Nexa Light"/>
+              </a:rPr>
+              <a:t>		2= both</a:t>
+            </a:r>
+          </a:p>
+          <a:p>
+            <a:pPr lvl="1"/>
+            <a:r>
+              <a:rPr lang="en-US" dirty="0" smtClean="0">
+                <a:latin typeface="Nexa Light"/>
+                <a:cs typeface="Nexa Light"/>
+              </a:rPr>
+              <a:t>We can do these dynamically in RTP</a:t>
+            </a:r>
+          </a:p>
+          <a:p>
+            <a:pPr lvl="1"/>
+            <a:r>
+              <a:rPr lang="en-US" dirty="0" smtClean="0">
+                <a:latin typeface="Nexa Light"/>
+                <a:cs typeface="Nexa Light"/>
+              </a:rPr>
+              <a:t>keep it or remove it from SDP?</a:t>
+            </a:r>
+          </a:p>
+          <a:p>
+            <a:endParaRPr lang="en-US" dirty="0">
+              <a:latin typeface="Nexa Light"/>
+              <a:cs typeface="Nexa Light"/>
+            </a:endParaRPr>
+          </a:p>
+          <a:p>
+            <a:r>
+              <a:rPr lang="en-US" dirty="0" smtClean="0">
+                <a:latin typeface="Nexa Light"/>
+                <a:cs typeface="Nexa Light"/>
+              </a:rPr>
+              <a:t>L and D in SDP</a:t>
+            </a:r>
+          </a:p>
+          <a:p>
+            <a:pPr lvl="1"/>
+            <a:r>
+              <a:rPr lang="en-US" dirty="0" smtClean="0">
+                <a:latin typeface="Nexa Light"/>
+                <a:cs typeface="Nexa Light"/>
+              </a:rPr>
+              <a:t>Length and depth for fixed 2-D protection</a:t>
+            </a:r>
+          </a:p>
+          <a:p>
+            <a:pPr lvl="1"/>
+            <a:r>
+              <a:rPr lang="en-US" dirty="0" smtClean="0">
+                <a:latin typeface="Nexa Light"/>
+                <a:cs typeface="Nexa Light"/>
+              </a:rPr>
+              <a:t>Only necessary for &gt; 256 x 256.</a:t>
+            </a:r>
+          </a:p>
+          <a:p>
+            <a:pPr lvl="1"/>
+            <a:r>
+              <a:rPr lang="en-US" dirty="0" smtClean="0">
+                <a:latin typeface="Nexa Light"/>
+                <a:cs typeface="Nexa Light"/>
+              </a:rPr>
+              <a:t>keep it or remove it from SDP?</a:t>
+            </a:r>
+          </a:p>
+          <a:p>
+            <a:pPr lvl="1"/>
+            <a:endParaRPr lang="en-US" dirty="0" smtClean="0">
+              <a:latin typeface="Nexa Light"/>
+              <a:cs typeface="Nexa Light"/>
+            </a:endParaRPr>
+          </a:p>
+          <a:p>
+            <a:endParaRPr lang="en-US" dirty="0">
+              <a:latin typeface="Nexa Light"/>
+              <a:cs typeface="Nexa Light"/>
+            </a:endParaRPr>
+          </a:p>
+        </p:txBody>
+      </p:sp>
+      <p:sp>
+        <p:nvSpPr>
+          <p:cNvPr id="4" name="Slide Number Placeholder 3"/>
+          <p:cNvSpPr>
+            <a:spLocks noGrp="1"/>
+          </p:cNvSpPr>
+          <p:nvPr>
+            <p:ph type="sldNum" sz="quarter" idx="12"/>
+          </p:nvPr>
+        </p:nvSpPr>
+        <p:spPr/>
+        <p:txBody>
+          <a:bodyPr/>
+          <a:lstStyle/>
+          <a:p>
+            <a:fld id="{9B6618E2-E5B0-2B41-B19C-D94ACC3B6B9F}" type="slidenum">
+              <a:rPr lang="en-US" smtClean="0"/>
+              <a:t>12</a:t>
+            </a:fld>
+            <a:endParaRPr lang="en-US"/>
+          </a:p>
+        </p:txBody>
+      </p:sp>
+    </p:spTree>
+    <p:extLst>
+      <p:ext uri="{BB962C8B-B14F-4D97-AF65-F5344CB8AC3E}">
+        <p14:creationId xmlns:p14="http://schemas.microsoft.com/office/powerpoint/2010/main" val="842183155"/>
+      </p:ext>
+    </p:extLst>
+  </p:cSld>
+  <p:clrMapOvr>
+    <a:masterClrMapping/>
+  </p:clrMapOvr>
+</p:sld>
+</file>
+
+<file path=ppt/slides/slide13.xml><?xml version="1.0" encoding="utf-8"?>
+<p:sld xmlns:a="http://schemas.openxmlformats.org/drawingml/2006/main" xmlns:r="http://schemas.openxmlformats.org/officeDocument/2006/relationships" xmlns:p="http://schemas.openxmlformats.org/presentationml/2006/main">
+  <p:cSld>
+    <p:spTree>
+      <p:nvGrpSpPr>
+        <p:cNvPr id="1" name=""/>
+        <p:cNvGrpSpPr/>
+        <p:nvPr/>
+      </p:nvGrpSpPr>
+      <p:grpSpPr>
+        <a:xfrm>
+          <a:off x="0" y="0"/>
+          <a:ext cx="0" cy="0"/>
+          <a:chOff x="0" y="0"/>
+          <a:chExt cx="0" cy="0"/>
+        </a:xfrm>
+      </p:grpSpPr>
+      <p:sp>
+        <p:nvSpPr>
+          <p:cNvPr id="2" name="Title 1"/>
+          <p:cNvSpPr>
+            <a:spLocks noGrp="1"/>
+          </p:cNvSpPr>
+          <p:nvPr>
+            <p:ph type="title"/>
+          </p:nvPr>
+        </p:nvSpPr>
+        <p:spPr/>
+        <p:txBody>
+          <a:bodyPr/>
+          <a:lstStyle/>
+          <a:p>
+            <a:r>
+              <a:rPr lang="en-US" dirty="0" smtClean="0">
+                <a:latin typeface="Nexa Bold"/>
+                <a:cs typeface="Nexa Bold"/>
+              </a:rPr>
+              <a:t>Next Steps</a:t>
+            </a:r>
+            <a:endParaRPr lang="en-US" dirty="0">
+              <a:latin typeface="Nexa Bold"/>
+              <a:cs typeface="Nexa Bold"/>
+            </a:endParaRPr>
+          </a:p>
+        </p:txBody>
+      </p:sp>
+      <p:sp>
+        <p:nvSpPr>
+          <p:cNvPr id="3" name="Content Placeholder 2"/>
+          <p:cNvSpPr>
+            <a:spLocks noGrp="1"/>
+          </p:cNvSpPr>
+          <p:nvPr>
+            <p:ph idx="1"/>
+          </p:nvPr>
+        </p:nvSpPr>
+        <p:spPr/>
+        <p:txBody>
+          <a:bodyPr/>
+          <a:lstStyle/>
+          <a:p>
+            <a:r>
+              <a:rPr lang="en-US" dirty="0" smtClean="0">
+                <a:latin typeface="Nexa Light"/>
+                <a:cs typeface="Nexa Light"/>
+              </a:rPr>
+              <a:t>More reviews appreciated</a:t>
+            </a:r>
+          </a:p>
+          <a:p>
+            <a:endParaRPr lang="en-US" dirty="0">
+              <a:latin typeface="Nexa Light"/>
+              <a:cs typeface="Nexa Light"/>
+            </a:endParaRPr>
+          </a:p>
+          <a:p>
+            <a:endParaRPr lang="en-US" dirty="0" smtClean="0">
+              <a:latin typeface="Courier"/>
+              <a:cs typeface="Courier"/>
+            </a:endParaRPr>
+          </a:p>
+          <a:p>
+            <a:pPr marL="457200" lvl="1" indent="0">
+              <a:buNone/>
+            </a:pPr>
+            <a:endParaRPr lang="en-US" dirty="0" smtClean="0">
+              <a:latin typeface="Nexa Light"/>
+              <a:cs typeface="Nexa Light"/>
+            </a:endParaRPr>
+          </a:p>
+          <a:p>
+            <a:endParaRPr lang="en-US" dirty="0">
+              <a:latin typeface="Nexa Light"/>
+              <a:cs typeface="Nexa Light"/>
+            </a:endParaRPr>
+          </a:p>
+        </p:txBody>
+      </p:sp>
+      <p:sp>
+        <p:nvSpPr>
+          <p:cNvPr id="4" name="Slide Number Placeholder 3"/>
+          <p:cNvSpPr>
+            <a:spLocks noGrp="1"/>
+          </p:cNvSpPr>
+          <p:nvPr>
+            <p:ph type="sldNum" sz="quarter" idx="12"/>
+          </p:nvPr>
+        </p:nvSpPr>
+        <p:spPr/>
+        <p:txBody>
+          <a:bodyPr/>
+          <a:lstStyle/>
+          <a:p>
+            <a:fld id="{9B6618E2-E5B0-2B41-B19C-D94ACC3B6B9F}" type="slidenum">
+              <a:rPr lang="en-US" smtClean="0"/>
+              <a:t>13</a:t>
+            </a:fld>
+            <a:endParaRPr lang="en-US"/>
+          </a:p>
+        </p:txBody>
+      </p:sp>
+    </p:spTree>
+    <p:extLst>
+      <p:ext uri="{BB962C8B-B14F-4D97-AF65-F5344CB8AC3E}">
+        <p14:creationId xmlns:p14="http://schemas.microsoft.com/office/powerpoint/2010/main" val="2823572203"/>
+      </p:ext>
+    </p:extLst>
+  </p:cSld>
+  <p:clrMapOvr>
+    <a:masterClrMapping/>
+  </p:clrMapOvr>
+</p:sld>
+</file>
+
+<file path=ppt/slides/slide14.xml><?xml version="1.0" encoding="utf-8"?>
+<p:sld xmlns:a="http://schemas.openxmlformats.org/drawingml/2006/main" xmlns:r="http://schemas.openxmlformats.org/officeDocument/2006/relationships" xmlns:p="http://schemas.openxmlformats.org/presentationml/2006/main">
+  <p:cSld>
+    <p:spTree>
+      <p:nvGrpSpPr>
+        <p:cNvPr id="1" name=""/>
+        <p:cNvGrpSpPr/>
+        <p:nvPr/>
+      </p:nvGrpSpPr>
+      <p:grpSpPr>
+        <a:xfrm>
+          <a:off x="0" y="0"/>
+          <a:ext cx="0" cy="0"/>
+          <a:chOff x="0" y="0"/>
+          <a:chExt cx="0" cy="0"/>
+        </a:xfrm>
+      </p:grpSpPr>
+      <p:sp>
+        <p:nvSpPr>
+          <p:cNvPr id="2" name="Title 1"/>
+          <p:cNvSpPr>
+            <a:spLocks noGrp="1"/>
+          </p:cNvSpPr>
+          <p:nvPr>
+            <p:ph type="title"/>
+          </p:nvPr>
+        </p:nvSpPr>
+        <p:spPr/>
+        <p:txBody>
+          <a:bodyPr>
+            <a:normAutofit fontScale="90000"/>
+          </a:bodyPr>
+          <a:lstStyle/>
+          <a:p>
+            <a:r>
+              <a:rPr lang="en-US" dirty="0" smtClean="0"/>
+              <a:t>Extra Slide: </a:t>
+            </a:r>
+            <a:br>
+              <a:rPr lang="en-US" dirty="0" smtClean="0"/>
+            </a:br>
+            <a:r>
+              <a:rPr lang="en-US" dirty="0" smtClean="0"/>
+              <a:t>M and N values </a:t>
+            </a:r>
+            <a:endParaRPr lang="en-US" dirty="0"/>
+          </a:p>
+        </p:txBody>
+      </p:sp>
+      <p:sp>
+        <p:nvSpPr>
+          <p:cNvPr id="3" name="Content Placeholder 2"/>
+          <p:cNvSpPr>
+            <a:spLocks noGrp="1"/>
+          </p:cNvSpPr>
+          <p:nvPr>
+            <p:ph idx="1"/>
+          </p:nvPr>
+        </p:nvSpPr>
+        <p:spPr/>
+        <p:txBody>
+          <a:bodyPr>
+            <a:normAutofit/>
+          </a:bodyPr>
+          <a:lstStyle/>
+          <a:p>
+            <a:r>
+              <a:rPr lang="en-US" dirty="0" smtClean="0"/>
+              <a:t>M&gt;0, N=0 </a:t>
+            </a:r>
+            <a:r>
+              <a:rPr lang="en-US" dirty="0" smtClean="0">
+                <a:sym typeface="Wingdings"/>
+              </a:rPr>
+              <a:t> row of M non-interleaved packets starting from </a:t>
+            </a:r>
+            <a:r>
+              <a:rPr lang="en-US" dirty="0" err="1" smtClean="0">
+                <a:sym typeface="Wingdings"/>
+              </a:rPr>
+              <a:t>SN_base</a:t>
+            </a:r>
+            <a:r>
+              <a:rPr lang="en-US" dirty="0" smtClean="0">
+                <a:sym typeface="Wingdings"/>
+              </a:rPr>
+              <a:t>:</a:t>
+            </a:r>
+          </a:p>
+          <a:p>
+            <a:pPr marL="457200" lvl="1" indent="0">
+              <a:buNone/>
+            </a:pPr>
+            <a:r>
+              <a:rPr lang="en-US" dirty="0" smtClean="0">
+                <a:latin typeface="Consolas"/>
+                <a:cs typeface="Consolas"/>
+                <a:sym typeface="Wingdings"/>
+              </a:rPr>
+              <a:t>	SN</a:t>
+            </a:r>
+            <a:r>
+              <a:rPr lang="en-US" dirty="0">
+                <a:latin typeface="Consolas"/>
+                <a:cs typeface="Consolas"/>
+                <a:sym typeface="Wingdings"/>
+              </a:rPr>
+              <a:t>, SN+1, SN+2</a:t>
+            </a:r>
+            <a:r>
+              <a:rPr lang="en-US" dirty="0" smtClean="0">
+                <a:latin typeface="Consolas"/>
+                <a:cs typeface="Consolas"/>
+                <a:sym typeface="Wingdings"/>
+              </a:rPr>
+              <a:t>,…, </a:t>
+            </a:r>
+            <a:r>
+              <a:rPr lang="en-US" dirty="0">
+                <a:latin typeface="Consolas"/>
+                <a:cs typeface="Consolas"/>
+                <a:sym typeface="Wingdings"/>
+              </a:rPr>
+              <a:t>SN+(M-1</a:t>
+            </a:r>
+            <a:r>
+              <a:rPr lang="en-US" dirty="0" smtClean="0">
+                <a:latin typeface="Consolas"/>
+                <a:cs typeface="Consolas"/>
+                <a:sym typeface="Wingdings"/>
+              </a:rPr>
+              <a:t>)</a:t>
+            </a:r>
+          </a:p>
+          <a:p>
+            <a:pPr lvl="1"/>
+            <a:endParaRPr lang="en-US" dirty="0" smtClean="0">
+              <a:sym typeface="Wingdings"/>
+            </a:endParaRPr>
+          </a:p>
+          <a:p>
+            <a:r>
+              <a:rPr lang="en-US" dirty="0"/>
+              <a:t>M&gt;0, </a:t>
+            </a:r>
+            <a:r>
+              <a:rPr lang="en-US" dirty="0" smtClean="0"/>
+              <a:t>N&gt;0 </a:t>
+            </a:r>
+            <a:r>
+              <a:rPr lang="en-US" dirty="0">
+                <a:sym typeface="Wingdings"/>
+              </a:rPr>
+              <a:t> </a:t>
+            </a:r>
+            <a:r>
+              <a:rPr lang="en-US" dirty="0" smtClean="0">
+                <a:sym typeface="Wingdings"/>
+              </a:rPr>
+              <a:t>column of N </a:t>
+            </a:r>
+            <a:r>
+              <a:rPr lang="en-US" dirty="0">
+                <a:sym typeface="Wingdings"/>
+              </a:rPr>
+              <a:t>packets interleaved by </a:t>
+            </a:r>
+            <a:r>
+              <a:rPr lang="en-US" dirty="0" smtClean="0">
+                <a:sym typeface="Wingdings"/>
+              </a:rPr>
+              <a:t>every M packets starting </a:t>
+            </a:r>
+            <a:r>
+              <a:rPr lang="en-US" dirty="0">
+                <a:sym typeface="Wingdings"/>
+              </a:rPr>
+              <a:t>from </a:t>
+            </a:r>
+            <a:r>
+              <a:rPr lang="en-US" dirty="0" err="1" smtClean="0">
+                <a:sym typeface="Wingdings"/>
+              </a:rPr>
+              <a:t>SN_base</a:t>
+            </a:r>
+            <a:r>
+              <a:rPr lang="en-US" dirty="0" smtClean="0">
+                <a:sym typeface="Wingdings"/>
+              </a:rPr>
+              <a:t>:</a:t>
+            </a:r>
+          </a:p>
+          <a:p>
+            <a:pPr marL="457200" lvl="1" indent="0">
+              <a:buNone/>
+            </a:pPr>
+            <a:r>
+              <a:rPr lang="en-US" dirty="0">
+                <a:latin typeface="Consolas"/>
+                <a:cs typeface="Consolas"/>
+                <a:sym typeface="Wingdings"/>
+              </a:rPr>
+              <a:t>	</a:t>
+            </a:r>
+            <a:r>
+              <a:rPr lang="en-US" dirty="0" smtClean="0">
+                <a:latin typeface="Consolas"/>
+                <a:cs typeface="Consolas"/>
+                <a:sym typeface="Wingdings"/>
+              </a:rPr>
+              <a:t>SN, </a:t>
+            </a:r>
+            <a:r>
+              <a:rPr lang="en-US" dirty="0">
+                <a:latin typeface="Consolas"/>
+                <a:cs typeface="Consolas"/>
+                <a:sym typeface="Wingdings"/>
+              </a:rPr>
+              <a:t>SN</a:t>
+            </a:r>
+            <a:r>
+              <a:rPr lang="en-US" dirty="0" smtClean="0">
+                <a:latin typeface="Consolas"/>
+                <a:cs typeface="Consolas"/>
+                <a:sym typeface="Wingdings"/>
+              </a:rPr>
+              <a:t>+(1xM), SN+(2xM),…, </a:t>
+            </a:r>
+            <a:r>
+              <a:rPr lang="en-US" dirty="0">
+                <a:latin typeface="Consolas"/>
+                <a:cs typeface="Consolas"/>
+                <a:sym typeface="Wingdings"/>
+              </a:rPr>
+              <a:t>SN</a:t>
+            </a:r>
+            <a:r>
+              <a:rPr lang="en-US" dirty="0" smtClean="0">
+                <a:latin typeface="Consolas"/>
+                <a:cs typeface="Consolas"/>
+                <a:sym typeface="Wingdings"/>
+              </a:rPr>
+              <a:t>+(N-1)</a:t>
+            </a:r>
+            <a:r>
+              <a:rPr lang="en-US" dirty="0" err="1" smtClean="0">
+                <a:latin typeface="Consolas"/>
+                <a:cs typeface="Consolas"/>
+                <a:sym typeface="Wingdings"/>
+              </a:rPr>
+              <a:t>xM</a:t>
+            </a:r>
+            <a:endParaRPr lang="en-US" dirty="0">
+              <a:latin typeface="Consolas"/>
+              <a:cs typeface="Consolas"/>
+              <a:sym typeface="Wingdings"/>
+            </a:endParaRPr>
+          </a:p>
+        </p:txBody>
+      </p:sp>
+      <p:sp>
+        <p:nvSpPr>
+          <p:cNvPr id="4" name="Slide Number Placeholder 3"/>
+          <p:cNvSpPr>
+            <a:spLocks noGrp="1"/>
+          </p:cNvSpPr>
+          <p:nvPr>
+            <p:ph type="sldNum" sz="quarter" idx="12"/>
+          </p:nvPr>
+        </p:nvSpPr>
+        <p:spPr/>
+        <p:txBody>
+          <a:bodyPr/>
+          <a:lstStyle/>
+          <a:p>
+            <a:fld id="{5B82B089-F78E-0B41-BBB3-31F37DF4B0B2}" type="slidenum">
+              <a:rPr lang="en-US" smtClean="0">
+                <a:solidFill>
+                  <a:prstClr val="black">
+                    <a:tint val="75000"/>
+                  </a:prstClr>
+                </a:solidFill>
+                <a:latin typeface="Nexa Light"/>
+              </a:rPr>
+              <a:pPr/>
+              <a:t>14</a:t>
+            </a:fld>
+            <a:endParaRPr lang="en-US">
+              <a:solidFill>
+                <a:prstClr val="black">
+                  <a:tint val="75000"/>
+                </a:prstClr>
+              </a:solidFill>
+              <a:latin typeface="Nexa Light"/>
+            </a:endParaRPr>
+          </a:p>
+        </p:txBody>
+      </p:sp>
+    </p:spTree>
+    <p:extLst>
+      <p:ext uri="{BB962C8B-B14F-4D97-AF65-F5344CB8AC3E}">
+        <p14:creationId xmlns:p14="http://schemas.microsoft.com/office/powerpoint/2010/main" val="2175800037"/>
+      </p:ext>
+    </p:extLst>
+  </p:cSld>
+  <p:clrMapOvr>
+    <a:masterClrMapping/>
+  </p:clrMapOvr>
+</p:sld>
+</file>
+
 <file path=ppt/slides/slide2.xml><?xml version="1.0" encoding="utf-8"?>
 <p:sld xmlns:a="http://schemas.openxmlformats.org/drawingml/2006/main" xmlns:r="http://schemas.openxmlformats.org/officeDocument/2006/relationships" xmlns:p="http://schemas.openxmlformats.org/presentationml/2006/main">
   <p:cSld>
@@ -7590,7 +9400,21 @@
                 <a:latin typeface="Nexa Light"/>
                 <a:cs typeface="Nexa Light"/>
               </a:rPr>
-              <a:t>See proposal on slide 4</a:t>
+              <a:t>See proposal on </a:t>
+            </a:r>
+            <a:r>
+              <a:rPr lang="en-US" smtClean="0">
+                <a:latin typeface="Nexa Light"/>
+                <a:cs typeface="Nexa Light"/>
+              </a:rPr>
+              <a:t>slide </a:t>
+            </a:r>
+            <a:r>
+              <a:rPr lang="en-US" smtClean="0">
+                <a:latin typeface="Nexa Light"/>
+                <a:cs typeface="Nexa Light"/>
+              </a:rPr>
+              <a:t>10</a:t>
             </a:r>
             <a:endParaRPr lang="en-US" dirty="0">
               <a:latin typeface="Nexa Light"/>
@@ -7672,7 +9496,7 @@
   <p:cSld>
     <p:spTree>
       <p:nvGrpSpPr>
-        <p:cNvPr id="1" name=""/>
+        <p:cNvPr id="1" name="Shape 35"/>
         <p:cNvGrpSpPr/>
         <p:nvPr/>
       </p:nvGrpSpPr>
@@ -7686,64 +9510,801 @@
       </p:grpSpPr>
       <p:sp>
         <p:nvSpPr>
-          <p:cNvPr id="2" name="Title 1"/>
-          <p:cNvSpPr>
+          <p:cNvPr id="36" name="Shape 36"/>
+          <p:cNvSpPr txBox="1">
             <a:spLocks noGrp="1"/>
           </p:cNvSpPr>
           <p:nvPr>
             <p:ph type="title"/>
           </p:nvPr>
         </p:nvSpPr>
-        <p:spPr/>
-        <p:txBody>
-          <a:bodyPr/>
-          <a:lstStyle/>
-          <a:p>
-            <a:r>
-              <a:rPr lang="en-US" dirty="0" smtClean="0">
+        <p:spPr>
+          <a:xfrm>
+            <a:off x="457200" y="517965"/>
+            <a:ext cx="8229600" cy="758800"/>
+          </a:xfrm>
+          <a:prstGeom prst="rect">
+            <a:avLst/>
+          </a:prstGeom>
+        </p:spPr>
+        <p:txBody>
+          <a:bodyPr lIns="91425" tIns="91425" rIns="91425" bIns="91425" anchor="b" anchorCtr="0">
+            <a:noAutofit/>
+          </a:bodyPr>
+          <a:lstStyle/>
+          <a:p>
+            <a:pPr>
+              <a:spcBef>
+                <a:spcPts val="0"/>
+              </a:spcBef>
+              <a:buNone/>
+            </a:pPr>
+            <a:r>
+              <a:rPr lang="en" sz="2800" dirty="0">
                 <a:latin typeface="Nexa Bold"/>
+                <a:ea typeface="Calibri"/>
                 <a:cs typeface="Nexa Bold"/>
-              </a:rPr>
-              <a:t>RTP Source ID</a:t>
-            </a:r>
-            <a:endParaRPr lang="en-US" dirty="0">
-              <a:latin typeface="Nexa Bold"/>
-              <a:cs typeface="Nexa Bold"/>
-            </a:endParaRPr>
-          </a:p>
-        </p:txBody>
-      </p:sp>
-      <p:sp>
-        <p:nvSpPr>
-          <p:cNvPr id="3" name="Content Placeholder 2"/>
-          <p:cNvSpPr>
-            <a:spLocks noGrp="1"/>
-          </p:cNvSpPr>
-          <p:nvPr>
-            <p:ph idx="1"/>
-          </p:nvPr>
-        </p:nvSpPr>
-        <p:spPr/>
-        <p:txBody>
-          <a:bodyPr/>
-          <a:lstStyle/>
-          <a:p>
-            <a:r>
-              <a:rPr lang="en-US" dirty="0" smtClean="0">
+                <a:sym typeface="Calibri"/>
+              </a:rPr>
+              <a:t>Which RTP Stream(s) does the FEC refer to?</a:t>
+            </a:r>
+          </a:p>
+        </p:txBody>
+      </p:sp>
+      <p:sp>
+        <p:nvSpPr>
+          <p:cNvPr id="37" name="Shape 37"/>
+          <p:cNvSpPr txBox="1"/>
+          <p:nvPr/>
+        </p:nvSpPr>
+        <p:spPr>
+          <a:xfrm>
+            <a:off x="1264249" y="2129267"/>
+            <a:ext cx="2184300" cy="609600"/>
+          </a:xfrm>
+          <a:prstGeom prst="rect">
+            <a:avLst/>
+          </a:prstGeom>
+          <a:noFill/>
+          <a:ln w="9525" cap="flat">
+            <a:solidFill>
+              <a:srgbClr val="000000"/>
+            </a:solidFill>
+            <a:prstDash val="solid"/>
+            <a:round/>
+            <a:headEnd type="none" w="med" len="med"/>
+            <a:tailEnd type="none" w="med" len="med"/>
+          </a:ln>
+        </p:spPr>
+        <p:txBody>
+          <a:bodyPr lIns="91425" tIns="91425" rIns="91425" bIns="91425" anchor="t" anchorCtr="0">
+            <a:noAutofit/>
+          </a:bodyPr>
+          <a:lstStyle/>
+          <a:p>
+            <a:pPr lvl="0" algn="l" rtl="0">
+              <a:spcBef>
+                <a:spcPts val="0"/>
+              </a:spcBef>
+              <a:buNone/>
+            </a:pPr>
+            <a:r>
+              <a:rPr lang="en">
+                <a:latin typeface="Calibri"/>
+                <a:ea typeface="Calibri"/>
+                <a:cs typeface="Calibri"/>
+                <a:sym typeface="Calibri"/>
+              </a:rPr>
+              <a:t>Media Source A</a:t>
+            </a:r>
+          </a:p>
+        </p:txBody>
+      </p:sp>
+      <p:sp>
+        <p:nvSpPr>
+          <p:cNvPr id="38" name="Shape 38"/>
+          <p:cNvSpPr txBox="1"/>
+          <p:nvPr/>
+        </p:nvSpPr>
+        <p:spPr>
+          <a:xfrm>
+            <a:off x="5414499" y="2125653"/>
+            <a:ext cx="2184300" cy="609600"/>
+          </a:xfrm>
+          <a:prstGeom prst="rect">
+            <a:avLst/>
+          </a:prstGeom>
+          <a:noFill/>
+          <a:ln w="9525" cap="flat">
+            <a:solidFill>
+              <a:srgbClr val="000000"/>
+            </a:solidFill>
+            <a:prstDash val="solid"/>
+            <a:round/>
+            <a:headEnd type="none" w="med" len="med"/>
+            <a:tailEnd type="none" w="med" len="med"/>
+          </a:ln>
+        </p:spPr>
+        <p:txBody>
+          <a:bodyPr lIns="91425" tIns="91425" rIns="91425" bIns="91425" anchor="t" anchorCtr="0">
+            <a:noAutofit/>
+          </a:bodyPr>
+          <a:lstStyle/>
+          <a:p>
+            <a:pPr lvl="0" algn="l" rtl="0">
+              <a:spcBef>
+                <a:spcPts val="0"/>
+              </a:spcBef>
+              <a:buNone/>
+            </a:pPr>
+            <a:r>
+              <a:rPr lang="en">
+                <a:latin typeface="Calibri"/>
+                <a:ea typeface="Calibri"/>
+                <a:cs typeface="Calibri"/>
+                <a:sym typeface="Calibri"/>
+              </a:rPr>
+              <a:t>Media Source B</a:t>
+            </a:r>
+          </a:p>
+        </p:txBody>
+      </p:sp>
+      <p:cxnSp>
+        <p:nvCxnSpPr>
+          <p:cNvPr id="39" name="Shape 39"/>
+          <p:cNvCxnSpPr>
+            <a:stCxn id="37" idx="2"/>
+            <a:endCxn id="40" idx="0"/>
+          </p:cNvCxnSpPr>
+          <p:nvPr/>
+        </p:nvCxnSpPr>
+        <p:spPr>
+          <a:xfrm flipH="1">
+            <a:off x="1690999" y="2738867"/>
+            <a:ext cx="665400" cy="758400"/>
+          </a:xfrm>
+          <a:prstGeom prst="straightConnector1">
+            <a:avLst/>
+          </a:prstGeom>
+          <a:noFill/>
+          <a:ln w="19050" cap="flat">
+            <a:solidFill>
+              <a:srgbClr val="000000"/>
+            </a:solidFill>
+            <a:prstDash val="solid"/>
+            <a:round/>
+            <a:headEnd type="none" w="lg" len="lg"/>
+            <a:tailEnd type="none" w="lg" len="lg"/>
+          </a:ln>
+        </p:spPr>
+      </p:cxnSp>
+      <p:cxnSp>
+        <p:nvCxnSpPr>
+          <p:cNvPr id="41" name="Shape 41"/>
+          <p:cNvCxnSpPr>
+            <a:endCxn id="37" idx="2"/>
+          </p:cNvCxnSpPr>
+          <p:nvPr/>
+        </p:nvCxnSpPr>
+        <p:spPr>
+          <a:xfrm rot="10800000">
+            <a:off x="2356398" y="2738867"/>
+            <a:ext cx="767100" cy="758800"/>
+          </a:xfrm>
+          <a:prstGeom prst="straightConnector1">
+            <a:avLst/>
+          </a:prstGeom>
+          <a:noFill/>
+          <a:ln w="19050" cap="flat">
+            <a:solidFill>
+              <a:srgbClr val="000000"/>
+            </a:solidFill>
+            <a:prstDash val="solid"/>
+            <a:round/>
+            <a:headEnd type="none" w="lg" len="lg"/>
+            <a:tailEnd type="none" w="lg" len="lg"/>
+          </a:ln>
+        </p:spPr>
+      </p:cxnSp>
+      <p:sp>
+        <p:nvSpPr>
+          <p:cNvPr id="40" name="Shape 40"/>
+          <p:cNvSpPr txBox="1"/>
+          <p:nvPr/>
+        </p:nvSpPr>
+        <p:spPr>
+          <a:xfrm>
+            <a:off x="1152500" y="3497467"/>
+            <a:ext cx="1076999" cy="677200"/>
+          </a:xfrm>
+          <a:prstGeom prst="rect">
+            <a:avLst/>
+          </a:prstGeom>
+          <a:noFill/>
+          <a:ln w="9525" cap="flat">
+            <a:solidFill>
+              <a:srgbClr val="000000"/>
+            </a:solidFill>
+            <a:prstDash val="solid"/>
+            <a:round/>
+            <a:headEnd type="none" w="med" len="med"/>
+            <a:tailEnd type="none" w="med" len="med"/>
+          </a:ln>
+        </p:spPr>
+        <p:txBody>
+          <a:bodyPr lIns="91425" tIns="91425" rIns="91425" bIns="91425" anchor="t" anchorCtr="0">
+            <a:noAutofit/>
+          </a:bodyPr>
+          <a:lstStyle/>
+          <a:p>
+            <a:pPr lvl="0" algn="l" rtl="0">
+              <a:spcBef>
+                <a:spcPts val="0"/>
+              </a:spcBef>
+              <a:buNone/>
+            </a:pPr>
+            <a:r>
+              <a:rPr lang="en" sz="1400">
+                <a:latin typeface="Calibri"/>
+                <a:ea typeface="Calibri"/>
+                <a:cs typeface="Calibri"/>
+                <a:sym typeface="Calibri"/>
+              </a:rPr>
+              <a:t>Source RTP Stream A1</a:t>
+            </a:r>
+          </a:p>
+        </p:txBody>
+      </p:sp>
+      <p:sp>
+        <p:nvSpPr>
+          <p:cNvPr id="42" name="Shape 42"/>
+          <p:cNvSpPr txBox="1"/>
+          <p:nvPr/>
+        </p:nvSpPr>
+        <p:spPr>
+          <a:xfrm>
+            <a:off x="2574900" y="3497467"/>
+            <a:ext cx="1076999" cy="677200"/>
+          </a:xfrm>
+          <a:prstGeom prst="rect">
+            <a:avLst/>
+          </a:prstGeom>
+          <a:noFill/>
+          <a:ln w="9525" cap="flat">
+            <a:solidFill>
+              <a:srgbClr val="000000"/>
+            </a:solidFill>
+            <a:prstDash val="solid"/>
+            <a:round/>
+            <a:headEnd type="none" w="med" len="med"/>
+            <a:tailEnd type="none" w="med" len="med"/>
+          </a:ln>
+        </p:spPr>
+        <p:txBody>
+          <a:bodyPr lIns="91425" tIns="91425" rIns="91425" bIns="91425" anchor="t" anchorCtr="0">
+            <a:noAutofit/>
+          </a:bodyPr>
+          <a:lstStyle/>
+          <a:p>
+            <a:pPr lvl="0" algn="l" rtl="0">
+              <a:spcBef>
+                <a:spcPts val="0"/>
+              </a:spcBef>
+              <a:buNone/>
+            </a:pPr>
+            <a:r>
+              <a:rPr lang="en" sz="1400">
+                <a:latin typeface="Calibri"/>
+                <a:ea typeface="Calibri"/>
+                <a:cs typeface="Calibri"/>
+                <a:sym typeface="Calibri"/>
+              </a:rPr>
+              <a:t>Source RTP Stream A2</a:t>
+            </a:r>
+          </a:p>
+        </p:txBody>
+      </p:sp>
+      <p:cxnSp>
+        <p:nvCxnSpPr>
+          <p:cNvPr id="43" name="Shape 43"/>
+          <p:cNvCxnSpPr>
+            <a:stCxn id="38" idx="2"/>
+            <a:endCxn id="44" idx="0"/>
+          </p:cNvCxnSpPr>
+          <p:nvPr/>
+        </p:nvCxnSpPr>
+        <p:spPr>
+          <a:xfrm flipH="1">
+            <a:off x="5861649" y="2735253"/>
+            <a:ext cx="645000" cy="758800"/>
+          </a:xfrm>
+          <a:prstGeom prst="straightConnector1">
+            <a:avLst/>
+          </a:prstGeom>
+          <a:noFill/>
+          <a:ln w="19050" cap="flat">
+            <a:solidFill>
+              <a:srgbClr val="000000"/>
+            </a:solidFill>
+            <a:prstDash val="solid"/>
+            <a:round/>
+            <a:headEnd type="none" w="lg" len="lg"/>
+            <a:tailEnd type="none" w="lg" len="lg"/>
+          </a:ln>
+        </p:spPr>
+      </p:cxnSp>
+      <p:cxnSp>
+        <p:nvCxnSpPr>
+          <p:cNvPr id="45" name="Shape 45"/>
+          <p:cNvCxnSpPr>
+            <a:stCxn id="46" idx="0"/>
+            <a:endCxn id="38" idx="2"/>
+          </p:cNvCxnSpPr>
+          <p:nvPr/>
+        </p:nvCxnSpPr>
+        <p:spPr>
+          <a:xfrm rot="10800000">
+            <a:off x="6506673" y="2735253"/>
+            <a:ext cx="777300" cy="758800"/>
+          </a:xfrm>
+          <a:prstGeom prst="straightConnector1">
+            <a:avLst/>
+          </a:prstGeom>
+          <a:noFill/>
+          <a:ln w="19050" cap="flat">
+            <a:solidFill>
+              <a:srgbClr val="000000"/>
+            </a:solidFill>
+            <a:prstDash val="solid"/>
+            <a:round/>
+            <a:headEnd type="none" w="lg" len="lg"/>
+            <a:tailEnd type="none" w="lg" len="lg"/>
+          </a:ln>
+        </p:spPr>
+      </p:cxnSp>
+      <p:sp>
+        <p:nvSpPr>
+          <p:cNvPr id="44" name="Shape 44"/>
+          <p:cNvSpPr txBox="1"/>
+          <p:nvPr/>
+        </p:nvSpPr>
+        <p:spPr>
+          <a:xfrm>
+            <a:off x="5323075" y="3494053"/>
+            <a:ext cx="1076999" cy="677200"/>
+          </a:xfrm>
+          <a:prstGeom prst="rect">
+            <a:avLst/>
+          </a:prstGeom>
+          <a:noFill/>
+          <a:ln w="9525" cap="flat">
+            <a:solidFill>
+              <a:srgbClr val="000000"/>
+            </a:solidFill>
+            <a:prstDash val="solid"/>
+            <a:round/>
+            <a:headEnd type="none" w="med" len="med"/>
+            <a:tailEnd type="none" w="med" len="med"/>
+          </a:ln>
+        </p:spPr>
+        <p:txBody>
+          <a:bodyPr lIns="91425" tIns="91425" rIns="91425" bIns="91425" anchor="t" anchorCtr="0">
+            <a:noAutofit/>
+          </a:bodyPr>
+          <a:lstStyle/>
+          <a:p>
+            <a:pPr lvl="0" algn="l" rtl="0">
+              <a:spcBef>
+                <a:spcPts val="0"/>
+              </a:spcBef>
+              <a:buNone/>
+            </a:pPr>
+            <a:r>
+              <a:rPr lang="en" sz="1400">
+                <a:latin typeface="Calibri"/>
+                <a:ea typeface="Calibri"/>
+                <a:cs typeface="Calibri"/>
+                <a:sym typeface="Calibri"/>
+              </a:rPr>
+              <a:t>Source RTP Stream B1</a:t>
+            </a:r>
+          </a:p>
+        </p:txBody>
+      </p:sp>
+      <p:sp>
+        <p:nvSpPr>
+          <p:cNvPr id="46" name="Shape 46"/>
+          <p:cNvSpPr txBox="1"/>
+          <p:nvPr/>
+        </p:nvSpPr>
+        <p:spPr>
+          <a:xfrm>
+            <a:off x="6745475" y="3494053"/>
+            <a:ext cx="1076999" cy="677200"/>
+          </a:xfrm>
+          <a:prstGeom prst="rect">
+            <a:avLst/>
+          </a:prstGeom>
+          <a:noFill/>
+          <a:ln w="9525" cap="flat">
+            <a:solidFill>
+              <a:srgbClr val="000000"/>
+            </a:solidFill>
+            <a:prstDash val="solid"/>
+            <a:round/>
+            <a:headEnd type="none" w="med" len="med"/>
+            <a:tailEnd type="none" w="med" len="med"/>
+          </a:ln>
+        </p:spPr>
+        <p:txBody>
+          <a:bodyPr lIns="91425" tIns="91425" rIns="91425" bIns="91425" anchor="t" anchorCtr="0">
+            <a:noAutofit/>
+          </a:bodyPr>
+          <a:lstStyle/>
+          <a:p>
+            <a:pPr lvl="0" algn="l" rtl="0">
+              <a:spcBef>
+                <a:spcPts val="0"/>
+              </a:spcBef>
+              <a:buNone/>
+            </a:pPr>
+            <a:r>
+              <a:rPr lang="en" sz="1400">
+                <a:latin typeface="Calibri"/>
+                <a:ea typeface="Calibri"/>
+                <a:cs typeface="Calibri"/>
+                <a:sym typeface="Calibri"/>
+              </a:rPr>
+              <a:t>Source RTP Stream B2</a:t>
+            </a:r>
+          </a:p>
+        </p:txBody>
+      </p:sp>
+      <p:sp>
+        <p:nvSpPr>
+          <p:cNvPr id="47" name="Shape 47"/>
+          <p:cNvSpPr txBox="1"/>
+          <p:nvPr/>
+        </p:nvSpPr>
+        <p:spPr>
+          <a:xfrm>
+            <a:off x="1691000" y="5007735"/>
+            <a:ext cx="1681799" cy="555199"/>
+          </a:xfrm>
+          <a:prstGeom prst="rect">
+            <a:avLst/>
+          </a:prstGeom>
+          <a:noFill/>
+          <a:ln w="9525" cap="flat">
+            <a:solidFill>
+              <a:srgbClr val="000000"/>
+            </a:solidFill>
+            <a:prstDash val="solid"/>
+            <a:round/>
+            <a:headEnd type="none" w="med" len="med"/>
+            <a:tailEnd type="none" w="med" len="med"/>
+          </a:ln>
+        </p:spPr>
+        <p:txBody>
+          <a:bodyPr lIns="91425" tIns="91425" rIns="91425" bIns="91425" anchor="t" anchorCtr="0">
+            <a:noAutofit/>
+          </a:bodyPr>
+          <a:lstStyle/>
+          <a:p>
+            <a:pPr lvl="0" algn="l" rtl="0">
+              <a:spcBef>
+                <a:spcPts val="0"/>
+              </a:spcBef>
+              <a:buNone/>
+            </a:pPr>
+            <a:r>
+              <a:rPr lang="en" sz="1400" dirty="0">
+                <a:latin typeface="Calibri"/>
+                <a:ea typeface="Calibri"/>
+                <a:cs typeface="Calibri"/>
+                <a:sym typeface="Calibri"/>
+              </a:rPr>
+              <a:t>FEC RTP Stream XN</a:t>
+            </a:r>
+          </a:p>
+        </p:txBody>
+      </p:sp>
+      <p:sp>
+        <p:nvSpPr>
+          <p:cNvPr id="48" name="Shape 48"/>
+          <p:cNvSpPr txBox="1"/>
+          <p:nvPr/>
+        </p:nvSpPr>
+        <p:spPr>
+          <a:xfrm>
+            <a:off x="3606175" y="4296766"/>
+            <a:ext cx="426599" cy="758800"/>
+          </a:xfrm>
+          <a:prstGeom prst="rect">
+            <a:avLst/>
+          </a:prstGeom>
+          <a:noFill/>
+          <a:ln>
+            <a:noFill/>
+          </a:ln>
+        </p:spPr>
+        <p:txBody>
+          <a:bodyPr lIns="91425" tIns="91425" rIns="91425" bIns="91425" anchor="t" anchorCtr="0">
+            <a:noAutofit/>
+          </a:bodyPr>
+          <a:lstStyle/>
+          <a:p>
+            <a:pPr lvl="0" algn="l" rtl="0">
+              <a:spcBef>
+                <a:spcPts val="0"/>
+              </a:spcBef>
+              <a:buNone/>
+            </a:pPr>
+            <a:r>
+              <a:rPr lang="en" sz="2400">
+                <a:latin typeface="Calibri"/>
+                <a:ea typeface="Calibri"/>
+                <a:cs typeface="Calibri"/>
+                <a:sym typeface="Calibri"/>
+              </a:rPr>
+              <a:t>?</a:t>
+            </a:r>
+          </a:p>
+        </p:txBody>
+      </p:sp>
+      <p:sp>
+        <p:nvSpPr>
+          <p:cNvPr id="49" name="Shape 49"/>
+          <p:cNvSpPr txBox="1"/>
+          <p:nvPr/>
+        </p:nvSpPr>
+        <p:spPr>
+          <a:xfrm>
+            <a:off x="5665750" y="5051954"/>
+            <a:ext cx="1681799" cy="555199"/>
+          </a:xfrm>
+          <a:prstGeom prst="rect">
+            <a:avLst/>
+          </a:prstGeom>
+          <a:noFill/>
+          <a:ln w="9525" cap="flat">
+            <a:solidFill>
+              <a:srgbClr val="000000"/>
+            </a:solidFill>
+            <a:prstDash val="solid"/>
+            <a:round/>
+            <a:headEnd type="none" w="med" len="med"/>
+            <a:tailEnd type="none" w="med" len="med"/>
+          </a:ln>
+        </p:spPr>
+        <p:txBody>
+          <a:bodyPr lIns="91425" tIns="91425" rIns="91425" bIns="91425" anchor="t" anchorCtr="0">
+            <a:noAutofit/>
+          </a:bodyPr>
+          <a:lstStyle/>
+          <a:p>
+            <a:pPr lvl="0" algn="l" rtl="0">
+              <a:spcBef>
+                <a:spcPts val="0"/>
+              </a:spcBef>
+              <a:buNone/>
+            </a:pPr>
+            <a:r>
+              <a:rPr lang="en" sz="1400">
+                <a:latin typeface="Calibri"/>
+                <a:ea typeface="Calibri"/>
+                <a:cs typeface="Calibri"/>
+                <a:sym typeface="Calibri"/>
+              </a:rPr>
+              <a:t>FEC RTP Stream YM</a:t>
+            </a:r>
+          </a:p>
+        </p:txBody>
+      </p:sp>
+      <p:sp>
+        <p:nvSpPr>
+          <p:cNvPr id="2" name="TextBox 1"/>
+          <p:cNvSpPr txBox="1"/>
+          <p:nvPr/>
+        </p:nvSpPr>
+        <p:spPr>
+          <a:xfrm flipH="1" flipV="1">
+            <a:off x="5150697" y="2148952"/>
+            <a:ext cx="3769908" cy="4262242"/>
+          </a:xfrm>
+          <a:prstGeom prst="rect">
+            <a:avLst/>
+          </a:prstGeom>
+          <a:noFill/>
+        </p:spPr>
+        <p:txBody>
+          <a:bodyPr wrap="square" rtlCol="0">
+            <a:spAutoFit/>
+          </a:bodyPr>
+          <a:lstStyle/>
+          <a:p>
+            <a:endParaRPr lang="en-US" dirty="0"/>
+          </a:p>
+        </p:txBody>
+      </p:sp>
+      <p:sp>
+        <p:nvSpPr>
+          <p:cNvPr id="17" name="Content Placeholder 2"/>
+          <p:cNvSpPr txBox="1">
+            <a:spLocks/>
+          </p:cNvSpPr>
+          <p:nvPr/>
+        </p:nvSpPr>
+        <p:spPr>
+          <a:xfrm>
+            <a:off x="6796688" y="6404793"/>
+            <a:ext cx="2123917" cy="417083"/>
+          </a:xfrm>
+          <a:prstGeom prst="rect">
+            <a:avLst/>
+          </a:prstGeom>
+        </p:spPr>
+        <p:txBody>
+          <a:bodyPr vert="horz" lIns="91425" tIns="91425" rIns="91425" bIns="91425" rtlCol="0" anchor="t" anchorCtr="0">
+            <a:normAutofit/>
+          </a:bodyPr>
+          <a:lstStyle>
+            <a:lvl1pPr marL="342900" indent="-342900" algn="l" defTabSz="457200" rtl="0" eaLnBrk="1" latinLnBrk="0" hangingPunct="1">
+              <a:spcBef>
+                <a:spcPts val="0"/>
+              </a:spcBef>
+              <a:buFont typeface="Arial"/>
+              <a:buChar char="•"/>
+              <a:defRPr sz="3200" kern="1200">
+                <a:solidFill>
+                  <a:schemeClr val="tx1"/>
+                </a:solidFill>
+                <a:latin typeface="+mn-lt"/>
+                <a:ea typeface="+mn-ea"/>
+                <a:cs typeface="+mn-cs"/>
+              </a:defRPr>
+            </a:lvl1pPr>
+            <a:lvl2pPr marL="742950" indent="-285750" algn="l" defTabSz="457200" rtl="0" eaLnBrk="1" latinLnBrk="0" hangingPunct="1">
+              <a:spcBef>
+                <a:spcPts val="0"/>
+              </a:spcBef>
+              <a:buFont typeface="Arial"/>
+              <a:buChar char="–"/>
+              <a:defRPr sz="2800" kern="1200">
+                <a:solidFill>
+                  <a:schemeClr val="tx1"/>
+                </a:solidFill>
+                <a:latin typeface="+mn-lt"/>
+                <a:ea typeface="+mn-ea"/>
+                <a:cs typeface="+mn-cs"/>
+              </a:defRPr>
+            </a:lvl2pPr>
+            <a:lvl3pPr marL="1143000" indent="-228600" algn="l" defTabSz="457200" rtl="0" eaLnBrk="1" latinLnBrk="0" hangingPunct="1">
+              <a:spcBef>
+                <a:spcPts val="0"/>
+              </a:spcBef>
+              <a:buFont typeface="Arial"/>
+              <a:buChar char="•"/>
+              <a:defRPr sz="2400" kern="1200">
+                <a:solidFill>
+                  <a:schemeClr val="tx1"/>
+                </a:solidFill>
+                <a:latin typeface="+mn-lt"/>
+                <a:ea typeface="+mn-ea"/>
+                <a:cs typeface="+mn-cs"/>
+              </a:defRPr>
+            </a:lvl3pPr>
+            <a:lvl4pPr marL="1600200" indent="-228600" algn="l" defTabSz="457200" rtl="0" eaLnBrk="1" latinLnBrk="0" hangingPunct="1">
+              <a:spcBef>
+                <a:spcPts val="0"/>
+              </a:spcBef>
+              <a:buFont typeface="Arial"/>
+              <a:buChar char="–"/>
+              <a:defRPr sz="2000" kern="1200">
+                <a:solidFill>
+                  <a:schemeClr val="tx1"/>
+                </a:solidFill>
+                <a:latin typeface="+mn-lt"/>
+                <a:ea typeface="+mn-ea"/>
+                <a:cs typeface="+mn-cs"/>
+              </a:defRPr>
+            </a:lvl4pPr>
+            <a:lvl5pPr marL="2057400" indent="-228600" algn="l" defTabSz="457200" rtl="0" eaLnBrk="1" latinLnBrk="0" hangingPunct="1">
+              <a:spcBef>
+                <a:spcPts val="0"/>
+              </a:spcBef>
+              <a:buFont typeface="Arial"/>
+              <a:buChar char="»"/>
+              <a:defRPr sz="2000" kern="1200">
+                <a:solidFill>
+                  <a:schemeClr val="tx1"/>
+                </a:solidFill>
+                <a:latin typeface="+mn-lt"/>
+                <a:ea typeface="+mn-ea"/>
+                <a:cs typeface="+mn-cs"/>
+              </a:defRPr>
+            </a:lvl5pPr>
+            <a:lvl6pPr marL="2514600" indent="-228600" algn="l" defTabSz="457200" rtl="0" eaLnBrk="1" latinLnBrk="0" hangingPunct="1">
+              <a:spcBef>
+                <a:spcPts val="0"/>
+              </a:spcBef>
+              <a:buFont typeface="Arial"/>
+              <a:buChar char="•"/>
+              <a:defRPr sz="2000" kern="1200">
+                <a:solidFill>
+                  <a:schemeClr val="tx1"/>
+                </a:solidFill>
+                <a:latin typeface="+mn-lt"/>
+                <a:ea typeface="+mn-ea"/>
+                <a:cs typeface="+mn-cs"/>
+              </a:defRPr>
+            </a:lvl6pPr>
+            <a:lvl7pPr marL="2971800" indent="-228600" algn="l" defTabSz="457200" rtl="0" eaLnBrk="1" latinLnBrk="0" hangingPunct="1">
+              <a:spcBef>
+                <a:spcPts val="0"/>
+              </a:spcBef>
+              <a:buFont typeface="Arial"/>
+              <a:buChar char="•"/>
+              <a:defRPr sz="2000" kern="1200">
+                <a:solidFill>
+                  <a:schemeClr val="tx1"/>
+                </a:solidFill>
+                <a:latin typeface="+mn-lt"/>
+                <a:ea typeface="+mn-ea"/>
+                <a:cs typeface="+mn-cs"/>
+              </a:defRPr>
+            </a:lvl7pPr>
+            <a:lvl8pPr marL="3429000" indent="-228600" algn="l" defTabSz="457200" rtl="0" eaLnBrk="1" latinLnBrk="0" hangingPunct="1">
+              <a:spcBef>
+                <a:spcPts val="0"/>
+              </a:spcBef>
+              <a:buFont typeface="Arial"/>
+              <a:buChar char="•"/>
+              <a:defRPr sz="2000" kern="1200">
+                <a:solidFill>
+                  <a:schemeClr val="tx1"/>
+                </a:solidFill>
+                <a:latin typeface="+mn-lt"/>
+                <a:ea typeface="+mn-ea"/>
+                <a:cs typeface="+mn-cs"/>
+              </a:defRPr>
+            </a:lvl8pPr>
+            <a:lvl9pPr marL="3886200" indent="-228600" algn="l" defTabSz="457200" rtl="0" eaLnBrk="1" latinLnBrk="0" hangingPunct="1">
+              <a:spcBef>
+                <a:spcPts val="0"/>
+              </a:spcBef>
+              <a:buFont typeface="Arial"/>
+              <a:buChar char="•"/>
+              <a:defRPr sz="2000" kern="1200">
+                <a:solidFill>
+                  <a:schemeClr val="tx1"/>
+                </a:solidFill>
+                <a:latin typeface="+mn-lt"/>
+                <a:ea typeface="+mn-ea"/>
+                <a:cs typeface="+mn-cs"/>
+              </a:defRPr>
+            </a:lvl9pPr>
+          </a:lstStyle>
+          <a:p>
+            <a:pPr marL="0" indent="0">
+              <a:buNone/>
+            </a:pPr>
+            <a:r>
+              <a:rPr lang="en-US" sz="1200" dirty="0" smtClean="0">
                 <a:latin typeface="Nexa Light"/>
                 <a:cs typeface="Nexa Light"/>
               </a:rPr>
               <a:t>Thanks Peter Thatcher </a:t>
             </a:r>
             <a:r>
-              <a:rPr lang="en-US" dirty="0" smtClean="0">
+              <a:rPr lang="en-US" sz="1200" dirty="0" smtClean="0">
                 <a:latin typeface="Nexa Light"/>
                 <a:cs typeface="Nexa Light"/>
                 <a:sym typeface="Wingdings"/>
               </a:rPr>
               <a:t></a:t>
             </a:r>
-            <a:endParaRPr lang="en-US" dirty="0">
+            <a:endParaRPr lang="en-US" sz="1200" dirty="0">
               <a:latin typeface="Nexa Light"/>
               <a:cs typeface="Nexa Light"/>
             </a:endParaRPr>
@@ -7752,44 +10313,12 @@
       </p:sp>
       <p:sp>
         <p:nvSpPr>
-          <p:cNvPr id="4" name="Rectangle 3"/>
-          <p:cNvSpPr/>
-          <p:nvPr/>
-        </p:nvSpPr>
-        <p:spPr>
-          <a:xfrm>
-            <a:off x="6350484" y="89972"/>
-            <a:ext cx="2793516" cy="369332"/>
-          </a:xfrm>
-          <a:prstGeom prst="rect">
-            <a:avLst/>
-          </a:prstGeom>
-        </p:spPr>
-        <p:txBody>
-          <a:bodyPr wrap="square">
-            <a:spAutoFit/>
-          </a:bodyPr>
-          <a:lstStyle/>
-          <a:p>
-            <a:r>
-              <a:rPr lang="en-US" dirty="0" smtClean="0">
-                <a:latin typeface="Nexa Bold"/>
-                <a:cs typeface="Nexa Bold"/>
-              </a:rPr>
-              <a:t>Open Issue 1 		(2/3)</a:t>
-            </a:r>
-            <a:endParaRPr lang="en-US" dirty="0"/>
-          </a:p>
-        </p:txBody>
-      </p:sp>
-      <p:sp>
-        <p:nvSpPr>
-          <p:cNvPr id="5" name="Slide Number Placeholder 4"/>
-          <p:cNvSpPr>
-            <a:spLocks noGrp="1"/>
-          </p:cNvSpPr>
-          <p:nvPr>
-            <p:ph type="sldNum" sz="quarter" idx="12"/>
+          <p:cNvPr id="4" name="Slide Number Placeholder 3"/>
+          <p:cNvSpPr>
+            <a:spLocks noGrp="1"/>
+          </p:cNvSpPr>
+          <p:nvPr>
+            <p:ph type="sldNum" idx="12"/>
           </p:nvPr>
         </p:nvSpPr>
         <p:spPr/>
@@ -7797,24 +10326,33 @@
           <a:bodyPr/>
           <a:lstStyle/>
           <a:p>
-            <a:fld id="{9B6618E2-E5B0-2B41-B19C-D94ACC3B6B9F}" type="slidenum">
-              <a:rPr lang="en-US" smtClean="0"/>
+            <a:pPr>
+              <a:spcBef>
+                <a:spcPts val="0"/>
+              </a:spcBef>
+              <a:buNone/>
+            </a:pPr>
+            <a:fld id="{00000000-1234-1234-1234-123412341234}" type="slidenum">
+              <a:rPr lang="en" smtClean="0"/>
               <a:t>4</a:t>
             </a:fld>
-            <a:endParaRPr lang="en-US"/>
+            <a:endParaRPr lang="en"/>
           </a:p>
         </p:txBody>
       </p:sp>
     </p:spTree>
     <p:extLst>
       <p:ext uri="{BB962C8B-B14F-4D97-AF65-F5344CB8AC3E}">
-        <p14:creationId xmlns:p14="http://schemas.microsoft.com/office/powerpoint/2010/main" val="842183155"/>
+        <p14:creationId xmlns:p14="http://schemas.microsoft.com/office/powerpoint/2010/main" val="2800351170"/>
       </p:ext>
     </p:extLst>
   </p:cSld>
   <p:clrMapOvr>
     <a:masterClrMapping/>
   </p:clrMapOvr>
+  <p:transition xmlns:p14="http://schemas.microsoft.com/office/powerpoint/2010/main" spd="slow">
+    <p:cut/>
+  </p:transition>
 </p:sld>
 </file>
 
@@ -7823,7 +10361,7 @@
   <p:cSld>
     <p:spTree>
       <p:nvGrpSpPr>
-        <p:cNvPr id="1" name=""/>
+        <p:cNvPr id="1" name="Shape 53"/>
         <p:cNvGrpSpPr/>
         <p:nvPr/>
       </p:nvGrpSpPr>
@@ -7837,181 +10375,806 @@
       </p:grpSpPr>
       <p:sp>
         <p:nvSpPr>
-          <p:cNvPr id="2" name="Title 1"/>
-          <p:cNvSpPr>
+          <p:cNvPr id="54" name="Shape 54"/>
+          <p:cNvSpPr txBox="1">
             <a:spLocks noGrp="1"/>
           </p:cNvSpPr>
           <p:nvPr>
             <p:ph type="title"/>
           </p:nvPr>
         </p:nvSpPr>
-        <p:spPr/>
-        <p:txBody>
-          <a:bodyPr/>
-          <a:lstStyle/>
-          <a:p>
-            <a:r>
-              <a:rPr lang="en-US" dirty="0" smtClean="0">
-                <a:latin typeface="Nexa Bold"/>
-                <a:cs typeface="Nexa Bold"/>
-              </a:rPr>
-              <a:t>SDP</a:t>
-            </a:r>
-            <a:endParaRPr lang="en-US" dirty="0">
-              <a:latin typeface="Nexa Bold"/>
-              <a:cs typeface="Nexa Bold"/>
-            </a:endParaRPr>
-          </a:p>
-        </p:txBody>
-      </p:sp>
-      <p:sp>
-        <p:nvSpPr>
-          <p:cNvPr id="3" name="Content Placeholder 2"/>
-          <p:cNvSpPr>
-            <a:spLocks noGrp="1"/>
-          </p:cNvSpPr>
-          <p:nvPr>
-            <p:ph idx="1"/>
-          </p:nvPr>
-        </p:nvSpPr>
-        <p:spPr/>
-        <p:txBody>
-          <a:bodyPr/>
-          <a:lstStyle/>
-          <a:p>
-            <a:r>
-              <a:rPr lang="en-US" dirty="0" smtClean="0">
-                <a:latin typeface="Nexa Light"/>
-                <a:cs typeface="Nexa Light"/>
-              </a:rPr>
-              <a:t>Dynamic Association in RTP, no association in SDP</a:t>
-            </a:r>
-          </a:p>
-          <a:p>
-            <a:endParaRPr lang="en-US" dirty="0" smtClean="0">
-              <a:latin typeface="Nexa Light"/>
-              <a:cs typeface="Nexa Light"/>
-            </a:endParaRPr>
-          </a:p>
-          <a:p>
-            <a:r>
-              <a:rPr lang="en-US" dirty="0" smtClean="0">
-                <a:latin typeface="Nexa Light"/>
-                <a:cs typeface="Nexa Light"/>
-              </a:rPr>
-              <a:t>Example:</a:t>
-            </a:r>
-          </a:p>
-          <a:p>
-            <a:pPr marL="457200" lvl="1" indent="0">
-              <a:buNone/>
-            </a:pPr>
-            <a:r>
-              <a:rPr lang="en-US" sz="2400" dirty="0" smtClean="0">
-                <a:latin typeface="Courier"/>
-                <a:cs typeface="Courier"/>
-              </a:rPr>
-              <a:t>a = rtpmap:96 VP8/90000</a:t>
-            </a:r>
-          </a:p>
-          <a:p>
-            <a:pPr marL="457200" lvl="1" indent="0">
-              <a:buNone/>
-            </a:pPr>
-            <a:r>
-              <a:rPr lang="en-US" sz="2400" dirty="0" smtClean="0">
-                <a:latin typeface="Courier"/>
-                <a:cs typeface="Courier"/>
-              </a:rPr>
-              <a:t>a = rtpmap:98 FLEXFEC/90000</a:t>
-            </a:r>
-          </a:p>
-          <a:p>
-            <a:pPr marL="457200" lvl="1" indent="0">
-              <a:buNone/>
-            </a:pPr>
-            <a:r>
-              <a:rPr lang="en-US" sz="2400" dirty="0" smtClean="0">
-                <a:latin typeface="Courier"/>
-                <a:cs typeface="Courier"/>
-              </a:rPr>
-              <a:t>a = fmtp:98 code=</a:t>
-            </a:r>
-            <a:r>
-              <a:rPr lang="en-US" sz="2400" dirty="0" err="1" smtClean="0">
-                <a:latin typeface="Courier"/>
-                <a:cs typeface="Courier"/>
-              </a:rPr>
-              <a:t>xor</a:t>
-            </a:r>
-            <a:r>
-              <a:rPr lang="en-US" sz="2400" dirty="0" smtClean="0">
-                <a:latin typeface="Courier"/>
-                <a:cs typeface="Courier"/>
-              </a:rPr>
-              <a:t>; repair-window=200ms</a:t>
-            </a:r>
-          </a:p>
-          <a:p>
-            <a:pPr marL="457200" lvl="1" indent="0">
-              <a:buNone/>
-            </a:pPr>
-            <a:endParaRPr lang="en-US" dirty="0" smtClean="0">
-              <a:latin typeface="Courier"/>
-              <a:cs typeface="Courier"/>
-            </a:endParaRPr>
-          </a:p>
-          <a:p>
-            <a:pPr marL="457200" lvl="1" indent="0">
-              <a:buNone/>
-            </a:pPr>
-            <a:endParaRPr lang="en-US" dirty="0">
-              <a:latin typeface="Courier"/>
-              <a:cs typeface="Courier"/>
-            </a:endParaRPr>
-          </a:p>
-        </p:txBody>
-      </p:sp>
-      <p:sp>
-        <p:nvSpPr>
-          <p:cNvPr id="4" name="Rectangle 3"/>
-          <p:cNvSpPr/>
-          <p:nvPr/>
-        </p:nvSpPr>
         <p:spPr>
           <a:xfrm>
-            <a:off x="6350484" y="89972"/>
-            <a:ext cx="2793516" cy="369332"/>
+            <a:off x="457200" y="274634"/>
+            <a:ext cx="8229600" cy="973599"/>
           </a:xfrm>
           <a:prstGeom prst="rect">
             <a:avLst/>
           </a:prstGeom>
         </p:spPr>
         <p:txBody>
-          <a:bodyPr wrap="square">
-            <a:spAutoFit/>
+          <a:bodyPr lIns="91425" tIns="91425" rIns="91425" bIns="91425" anchor="b" anchorCtr="0">
+            <a:noAutofit/>
           </a:bodyPr>
           <a:lstStyle/>
           <a:p>
-            <a:r>
-              <a:rPr lang="en-US" dirty="0" smtClean="0">
+            <a:pPr>
+              <a:spcBef>
+                <a:spcPts val="0"/>
+              </a:spcBef>
+              <a:buNone/>
+            </a:pPr>
+            <a:r>
+              <a:rPr lang="en" sz="3600" dirty="0">
                 <a:latin typeface="Nexa Bold"/>
+                <a:ea typeface="Calibri"/>
                 <a:cs typeface="Nexa Bold"/>
-              </a:rPr>
-              <a:t>Open Issue 1 		(3/3)</a:t>
-            </a:r>
-            <a:endParaRPr lang="en-US" dirty="0"/>
-          </a:p>
-        </p:txBody>
-      </p:sp>
-      <p:sp>
-        <p:nvSpPr>
-          <p:cNvPr id="5" name="Slide Number Placeholder 4"/>
-          <p:cNvSpPr>
-            <a:spLocks noGrp="1"/>
-          </p:cNvSpPr>
-          <p:nvPr>
-            <p:ph type="sldNum" sz="quarter" idx="12"/>
+                <a:sym typeface="Calibri"/>
+              </a:rPr>
+              <a:t>Option 1: Refer by SSRC</a:t>
+            </a:r>
+          </a:p>
+        </p:txBody>
+      </p:sp>
+      <p:sp>
+        <p:nvSpPr>
+          <p:cNvPr id="55" name="Shape 55"/>
+          <p:cNvSpPr txBox="1"/>
+          <p:nvPr/>
+        </p:nvSpPr>
+        <p:spPr>
+          <a:xfrm>
+            <a:off x="1792650" y="1496533"/>
+            <a:ext cx="2184300" cy="609600"/>
+          </a:xfrm>
+          <a:prstGeom prst="rect">
+            <a:avLst/>
+          </a:prstGeom>
+          <a:noFill/>
+          <a:ln w="9525" cap="flat">
+            <a:solidFill>
+              <a:srgbClr val="000000"/>
+            </a:solidFill>
+            <a:prstDash val="solid"/>
+            <a:round/>
+            <a:headEnd type="none" w="med" len="med"/>
+            <a:tailEnd type="none" w="med" len="med"/>
+          </a:ln>
+        </p:spPr>
+        <p:txBody>
+          <a:bodyPr lIns="91425" tIns="91425" rIns="91425" bIns="91425" anchor="t" anchorCtr="0">
+            <a:noAutofit/>
+          </a:bodyPr>
+          <a:lstStyle/>
+          <a:p>
+            <a:pPr lvl="0" algn="l" rtl="0">
+              <a:spcBef>
+                <a:spcPts val="0"/>
+              </a:spcBef>
+              <a:buNone/>
+            </a:pPr>
+            <a:r>
+              <a:rPr lang="en" sz="1600">
+                <a:latin typeface="Arial"/>
+                <a:ea typeface="Calibri"/>
+                <a:cs typeface="Arial"/>
+                <a:sym typeface="Calibri"/>
+              </a:rPr>
+              <a:t>Media Source A</a:t>
+            </a:r>
+          </a:p>
+        </p:txBody>
+      </p:sp>
+      <p:sp>
+        <p:nvSpPr>
+          <p:cNvPr id="56" name="Shape 56"/>
+          <p:cNvSpPr txBox="1"/>
+          <p:nvPr/>
+        </p:nvSpPr>
+        <p:spPr>
+          <a:xfrm>
+            <a:off x="4561175" y="1496533"/>
+            <a:ext cx="2184300" cy="609600"/>
+          </a:xfrm>
+          <a:prstGeom prst="rect">
+            <a:avLst/>
+          </a:prstGeom>
+          <a:noFill/>
+          <a:ln w="9525" cap="flat">
+            <a:solidFill>
+              <a:srgbClr val="000000"/>
+            </a:solidFill>
+            <a:prstDash val="solid"/>
+            <a:round/>
+            <a:headEnd type="none" w="med" len="med"/>
+            <a:tailEnd type="none" w="med" len="med"/>
+          </a:ln>
+        </p:spPr>
+        <p:txBody>
+          <a:bodyPr lIns="91425" tIns="91425" rIns="91425" bIns="91425" anchor="t" anchorCtr="0">
+            <a:noAutofit/>
+          </a:bodyPr>
+          <a:lstStyle/>
+          <a:p>
+            <a:pPr lvl="0" algn="l" rtl="0">
+              <a:spcBef>
+                <a:spcPts val="0"/>
+              </a:spcBef>
+              <a:buNone/>
+            </a:pPr>
+            <a:r>
+              <a:rPr lang="en" sz="1600">
+                <a:latin typeface="Arial"/>
+                <a:ea typeface="Calibri"/>
+                <a:cs typeface="Arial"/>
+                <a:sym typeface="Calibri"/>
+              </a:rPr>
+              <a:t>Media Source B</a:t>
+            </a:r>
+          </a:p>
+        </p:txBody>
+      </p:sp>
+      <p:cxnSp>
+        <p:nvCxnSpPr>
+          <p:cNvPr id="57" name="Shape 57"/>
+          <p:cNvCxnSpPr>
+            <a:stCxn id="55" idx="2"/>
+            <a:endCxn id="58" idx="0"/>
+          </p:cNvCxnSpPr>
+          <p:nvPr/>
+        </p:nvCxnSpPr>
+        <p:spPr>
+          <a:xfrm flipH="1">
+            <a:off x="2219400" y="2106133"/>
+            <a:ext cx="665400" cy="758400"/>
+          </a:xfrm>
+          <a:prstGeom prst="straightConnector1">
+            <a:avLst/>
+          </a:prstGeom>
+          <a:noFill/>
+          <a:ln w="19050" cap="flat">
+            <a:solidFill>
+              <a:srgbClr val="000000"/>
+            </a:solidFill>
+            <a:prstDash val="solid"/>
+            <a:round/>
+            <a:headEnd type="none" w="lg" len="lg"/>
+            <a:tailEnd type="none" w="lg" len="lg"/>
+          </a:ln>
+        </p:spPr>
+      </p:cxnSp>
+      <p:cxnSp>
+        <p:nvCxnSpPr>
+          <p:cNvPr id="59" name="Shape 59"/>
+          <p:cNvCxnSpPr>
+            <a:endCxn id="55" idx="2"/>
+          </p:cNvCxnSpPr>
+          <p:nvPr/>
+        </p:nvCxnSpPr>
+        <p:spPr>
+          <a:xfrm rot="10800000">
+            <a:off x="2884799" y="2106133"/>
+            <a:ext cx="767100" cy="758800"/>
+          </a:xfrm>
+          <a:prstGeom prst="straightConnector1">
+            <a:avLst/>
+          </a:prstGeom>
+          <a:noFill/>
+          <a:ln w="19050" cap="flat">
+            <a:solidFill>
+              <a:srgbClr val="000000"/>
+            </a:solidFill>
+            <a:prstDash val="solid"/>
+            <a:round/>
+            <a:headEnd type="none" w="lg" len="lg"/>
+            <a:tailEnd type="none" w="lg" len="lg"/>
+          </a:ln>
+        </p:spPr>
+      </p:cxnSp>
+      <p:sp>
+        <p:nvSpPr>
+          <p:cNvPr id="58" name="Shape 58"/>
+          <p:cNvSpPr txBox="1"/>
+          <p:nvPr/>
+        </p:nvSpPr>
+        <p:spPr>
+          <a:xfrm>
+            <a:off x="1680901" y="2864734"/>
+            <a:ext cx="1076999" cy="973599"/>
+          </a:xfrm>
+          <a:prstGeom prst="rect">
+            <a:avLst/>
+          </a:prstGeom>
+          <a:noFill/>
+          <a:ln w="9525" cap="flat">
+            <a:solidFill>
+              <a:srgbClr val="000000"/>
+            </a:solidFill>
+            <a:prstDash val="solid"/>
+            <a:round/>
+            <a:headEnd type="none" w="med" len="med"/>
+            <a:tailEnd type="none" w="med" len="med"/>
+          </a:ln>
+        </p:spPr>
+        <p:txBody>
+          <a:bodyPr lIns="91425" tIns="91425" rIns="91425" bIns="91425" anchor="t" anchorCtr="0">
+            <a:noAutofit/>
+          </a:bodyPr>
+          <a:lstStyle/>
+          <a:p>
+            <a:pPr lvl="0" algn="l" rtl="0">
+              <a:spcBef>
+                <a:spcPts val="0"/>
+              </a:spcBef>
+              <a:buNone/>
+            </a:pPr>
+            <a:r>
+              <a:rPr lang="en" sz="1200">
+                <a:latin typeface="Arial"/>
+                <a:ea typeface="Calibri"/>
+                <a:cs typeface="Arial"/>
+                <a:sym typeface="Calibri"/>
+              </a:rPr>
+              <a:t>Source RTP Stream 234398737</a:t>
+            </a:r>
+          </a:p>
+        </p:txBody>
+      </p:sp>
+      <p:sp>
+        <p:nvSpPr>
+          <p:cNvPr id="60" name="Shape 60"/>
+          <p:cNvSpPr txBox="1"/>
+          <p:nvPr/>
+        </p:nvSpPr>
+        <p:spPr>
+          <a:xfrm>
+            <a:off x="3103301" y="2864734"/>
+            <a:ext cx="1076999" cy="973599"/>
+          </a:xfrm>
+          <a:prstGeom prst="rect">
+            <a:avLst/>
+          </a:prstGeom>
+          <a:noFill/>
+          <a:ln w="9525" cap="flat">
+            <a:solidFill>
+              <a:srgbClr val="000000"/>
+            </a:solidFill>
+            <a:prstDash val="solid"/>
+            <a:round/>
+            <a:headEnd type="none" w="med" len="med"/>
+            <a:tailEnd type="none" w="med" len="med"/>
+          </a:ln>
+        </p:spPr>
+        <p:txBody>
+          <a:bodyPr lIns="91425" tIns="91425" rIns="91425" bIns="91425" anchor="t" anchorCtr="0">
+            <a:noAutofit/>
+          </a:bodyPr>
+          <a:lstStyle/>
+          <a:p>
+            <a:pPr algn="l" rtl="0">
+              <a:spcBef>
+                <a:spcPts val="0"/>
+              </a:spcBef>
+              <a:buNone/>
+            </a:pPr>
+            <a:r>
+              <a:rPr lang="en" sz="1200">
+                <a:latin typeface="Arial"/>
+                <a:ea typeface="Calibri"/>
+                <a:cs typeface="Arial"/>
+                <a:sym typeface="Calibri"/>
+              </a:rPr>
+              <a:t>Source RTP Stream </a:t>
+            </a:r>
+          </a:p>
+          <a:p>
+            <a:pPr lvl="0" algn="l" rtl="0">
+              <a:spcBef>
+                <a:spcPts val="0"/>
+              </a:spcBef>
+              <a:buNone/>
+            </a:pPr>
+            <a:r>
+              <a:rPr lang="en" sz="1200">
+                <a:solidFill>
+                  <a:schemeClr val="dk1"/>
+                </a:solidFill>
+                <a:latin typeface="Arial"/>
+                <a:ea typeface="Calibri"/>
+                <a:cs typeface="Arial"/>
+                <a:sym typeface="Calibri"/>
+              </a:rPr>
+              <a:t>234398738</a:t>
+            </a:r>
+          </a:p>
+        </p:txBody>
+      </p:sp>
+      <p:cxnSp>
+        <p:nvCxnSpPr>
+          <p:cNvPr id="61" name="Shape 61"/>
+          <p:cNvCxnSpPr>
+            <a:stCxn id="56" idx="2"/>
+            <a:endCxn id="62" idx="0"/>
+          </p:cNvCxnSpPr>
+          <p:nvPr/>
+        </p:nvCxnSpPr>
+        <p:spPr>
+          <a:xfrm flipH="1">
+            <a:off x="5008325" y="2106133"/>
+            <a:ext cx="645000" cy="758800"/>
+          </a:xfrm>
+          <a:prstGeom prst="straightConnector1">
+            <a:avLst/>
+          </a:prstGeom>
+          <a:noFill/>
+          <a:ln w="19050" cap="flat">
+            <a:solidFill>
+              <a:srgbClr val="000000"/>
+            </a:solidFill>
+            <a:prstDash val="solid"/>
+            <a:round/>
+            <a:headEnd type="none" w="lg" len="lg"/>
+            <a:tailEnd type="none" w="lg" len="lg"/>
+          </a:ln>
+        </p:spPr>
+      </p:cxnSp>
+      <p:cxnSp>
+        <p:nvCxnSpPr>
+          <p:cNvPr id="63" name="Shape 63"/>
+          <p:cNvCxnSpPr>
+            <a:stCxn id="64" idx="0"/>
+            <a:endCxn id="56" idx="2"/>
+          </p:cNvCxnSpPr>
+          <p:nvPr/>
+        </p:nvCxnSpPr>
+        <p:spPr>
+          <a:xfrm rot="10800000">
+            <a:off x="5653349" y="2106133"/>
+            <a:ext cx="777300" cy="758800"/>
+          </a:xfrm>
+          <a:prstGeom prst="straightConnector1">
+            <a:avLst/>
+          </a:prstGeom>
+          <a:noFill/>
+          <a:ln w="19050" cap="flat">
+            <a:solidFill>
+              <a:srgbClr val="000000"/>
+            </a:solidFill>
+            <a:prstDash val="solid"/>
+            <a:round/>
+            <a:headEnd type="none" w="lg" len="lg"/>
+            <a:tailEnd type="none" w="lg" len="lg"/>
+          </a:ln>
+        </p:spPr>
+      </p:cxnSp>
+      <p:sp>
+        <p:nvSpPr>
+          <p:cNvPr id="62" name="Shape 62"/>
+          <p:cNvSpPr txBox="1"/>
+          <p:nvPr/>
+        </p:nvSpPr>
+        <p:spPr>
+          <a:xfrm>
+            <a:off x="4469751" y="2864934"/>
+            <a:ext cx="1076999" cy="973599"/>
+          </a:xfrm>
+          <a:prstGeom prst="rect">
+            <a:avLst/>
+          </a:prstGeom>
+          <a:noFill/>
+          <a:ln w="9525" cap="flat">
+            <a:solidFill>
+              <a:srgbClr val="000000"/>
+            </a:solidFill>
+            <a:prstDash val="solid"/>
+            <a:round/>
+            <a:headEnd type="none" w="med" len="med"/>
+            <a:tailEnd type="none" w="med" len="med"/>
+          </a:ln>
+        </p:spPr>
+        <p:txBody>
+          <a:bodyPr lIns="91425" tIns="91425" rIns="91425" bIns="91425" anchor="t" anchorCtr="0">
+            <a:noAutofit/>
+          </a:bodyPr>
+          <a:lstStyle/>
+          <a:p>
+            <a:pPr algn="l" rtl="0">
+              <a:spcBef>
+                <a:spcPts val="0"/>
+              </a:spcBef>
+              <a:buNone/>
+            </a:pPr>
+            <a:r>
+              <a:rPr lang="en" sz="1200">
+                <a:latin typeface="Arial"/>
+                <a:ea typeface="Calibri"/>
+                <a:cs typeface="Arial"/>
+                <a:sym typeface="Calibri"/>
+              </a:rPr>
+              <a:t>Source RTP Stream</a:t>
+            </a:r>
+          </a:p>
+          <a:p>
+            <a:pPr lvl="0" algn="l" rtl="0">
+              <a:spcBef>
+                <a:spcPts val="0"/>
+              </a:spcBef>
+              <a:buNone/>
+            </a:pPr>
+            <a:r>
+              <a:rPr lang="en" sz="1200">
+                <a:solidFill>
+                  <a:schemeClr val="dk1"/>
+                </a:solidFill>
+                <a:latin typeface="Arial"/>
+                <a:ea typeface="Calibri"/>
+                <a:cs typeface="Arial"/>
+                <a:sym typeface="Calibri"/>
+              </a:rPr>
+              <a:t>234398739</a:t>
+            </a:r>
+          </a:p>
+        </p:txBody>
+      </p:sp>
+      <p:sp>
+        <p:nvSpPr>
+          <p:cNvPr id="64" name="Shape 64"/>
+          <p:cNvSpPr txBox="1"/>
+          <p:nvPr/>
+        </p:nvSpPr>
+        <p:spPr>
+          <a:xfrm>
+            <a:off x="5892151" y="2864934"/>
+            <a:ext cx="1076999" cy="973599"/>
+          </a:xfrm>
+          <a:prstGeom prst="rect">
+            <a:avLst/>
+          </a:prstGeom>
+          <a:noFill/>
+          <a:ln w="9525" cap="flat">
+            <a:solidFill>
+              <a:srgbClr val="000000"/>
+            </a:solidFill>
+            <a:prstDash val="solid"/>
+            <a:round/>
+            <a:headEnd type="none" w="med" len="med"/>
+            <a:tailEnd type="none" w="med" len="med"/>
+          </a:ln>
+        </p:spPr>
+        <p:txBody>
+          <a:bodyPr lIns="91425" tIns="91425" rIns="91425" bIns="91425" anchor="t" anchorCtr="0">
+            <a:noAutofit/>
+          </a:bodyPr>
+          <a:lstStyle/>
+          <a:p>
+            <a:pPr algn="l" rtl="0">
+              <a:spcBef>
+                <a:spcPts val="0"/>
+              </a:spcBef>
+              <a:buNone/>
+            </a:pPr>
+            <a:r>
+              <a:rPr lang="en" sz="1200">
+                <a:latin typeface="Arial"/>
+                <a:ea typeface="Calibri"/>
+                <a:cs typeface="Arial"/>
+                <a:sym typeface="Calibri"/>
+              </a:rPr>
+              <a:t>Source RTP Stream</a:t>
+            </a:r>
+          </a:p>
+          <a:p>
+            <a:pPr lvl="0" algn="l" rtl="0">
+              <a:spcBef>
+                <a:spcPts val="0"/>
+              </a:spcBef>
+              <a:buNone/>
+            </a:pPr>
+            <a:r>
+              <a:rPr lang="en" sz="1200">
+                <a:solidFill>
+                  <a:schemeClr val="dk1"/>
+                </a:solidFill>
+                <a:latin typeface="Arial"/>
+                <a:ea typeface="Calibri"/>
+                <a:cs typeface="Arial"/>
+                <a:sym typeface="Calibri"/>
+              </a:rPr>
+              <a:t>234398740</a:t>
+            </a:r>
+          </a:p>
+        </p:txBody>
+      </p:sp>
+      <p:sp>
+        <p:nvSpPr>
+          <p:cNvPr id="65" name="Shape 65"/>
+          <p:cNvSpPr txBox="1"/>
+          <p:nvPr/>
+        </p:nvSpPr>
+        <p:spPr>
+          <a:xfrm>
+            <a:off x="2800901" y="4585201"/>
+            <a:ext cx="1681799" cy="812799"/>
+          </a:xfrm>
+          <a:prstGeom prst="rect">
+            <a:avLst/>
+          </a:prstGeom>
+          <a:noFill/>
+          <a:ln w="9525" cap="flat">
+            <a:solidFill>
+              <a:srgbClr val="000000"/>
+            </a:solidFill>
+            <a:prstDash val="solid"/>
+            <a:round/>
+            <a:headEnd type="none" w="med" len="med"/>
+            <a:tailEnd type="none" w="med" len="med"/>
+          </a:ln>
+        </p:spPr>
+        <p:txBody>
+          <a:bodyPr lIns="91425" tIns="91425" rIns="91425" bIns="91425" anchor="t" anchorCtr="0">
+            <a:noAutofit/>
+          </a:bodyPr>
+          <a:lstStyle/>
+          <a:p>
+            <a:pPr lvl="0" algn="l" rtl="0">
+              <a:spcBef>
+                <a:spcPts val="0"/>
+              </a:spcBef>
+              <a:buNone/>
+            </a:pPr>
+            <a:r>
+              <a:rPr lang="en" sz="1200" dirty="0">
+                <a:latin typeface="Arial"/>
+                <a:ea typeface="Calibri"/>
+                <a:cs typeface="Arial"/>
+                <a:sym typeface="Calibri"/>
+              </a:rPr>
+              <a:t>FEC RTP Stream </a:t>
+            </a:r>
+            <a:r>
+              <a:rPr lang="en" sz="1200" u="sng" dirty="0">
+                <a:solidFill>
+                  <a:srgbClr val="FF0000"/>
+                </a:solidFill>
+                <a:latin typeface="Arial"/>
+                <a:ea typeface="Calibri"/>
+                <a:cs typeface="Arial"/>
+                <a:sym typeface="Calibri"/>
+              </a:rPr>
+              <a:t>for</a:t>
+            </a:r>
+            <a:r>
+              <a:rPr lang="en" sz="1200" dirty="0">
+                <a:solidFill>
+                  <a:srgbClr val="FF0000"/>
+                </a:solidFill>
+                <a:latin typeface="Arial"/>
+                <a:ea typeface="Calibri"/>
+                <a:cs typeface="Arial"/>
+                <a:sym typeface="Calibri"/>
+              </a:rPr>
+              <a:t> </a:t>
+            </a:r>
+            <a:r>
+              <a:rPr lang="en" sz="1200" dirty="0">
+                <a:solidFill>
+                  <a:schemeClr val="dk1"/>
+                </a:solidFill>
+                <a:latin typeface="Arial"/>
+                <a:ea typeface="Calibri"/>
+                <a:cs typeface="Arial"/>
+                <a:sym typeface="Calibri"/>
+              </a:rPr>
+              <a:t>234398738</a:t>
+            </a:r>
+          </a:p>
+        </p:txBody>
+      </p:sp>
+      <p:sp>
+        <p:nvSpPr>
+          <p:cNvPr id="66" name="Shape 66"/>
+          <p:cNvSpPr txBox="1"/>
+          <p:nvPr/>
+        </p:nvSpPr>
+        <p:spPr>
+          <a:xfrm>
+            <a:off x="-33200" y="5560301"/>
+            <a:ext cx="9144000" cy="1304399"/>
+          </a:xfrm>
+          <a:prstGeom prst="rect">
+            <a:avLst/>
+          </a:prstGeom>
+          <a:noFill/>
+          <a:ln>
+            <a:noFill/>
+          </a:ln>
+        </p:spPr>
+        <p:txBody>
+          <a:bodyPr lIns="91425" tIns="91425" rIns="91425" bIns="91425" anchor="ctr" anchorCtr="0">
+            <a:noAutofit/>
+          </a:bodyPr>
+          <a:lstStyle/>
+          <a:p>
+            <a:pPr lvl="0" algn="ctr" rtl="0">
+              <a:spcBef>
+                <a:spcPts val="600"/>
+              </a:spcBef>
+              <a:buNone/>
+            </a:pPr>
+            <a:r>
+              <a:rPr lang="en" dirty="0">
+                <a:solidFill>
+                  <a:srgbClr val="FF0000"/>
+                </a:solidFill>
+                <a:latin typeface="Nexa Light"/>
+                <a:cs typeface="Nexa Light"/>
+              </a:rPr>
+              <a:t>Problem</a:t>
+            </a:r>
+            <a:r>
+              <a:rPr lang="en" dirty="0">
+                <a:solidFill>
+                  <a:schemeClr val="dk1"/>
+                </a:solidFill>
+                <a:latin typeface="Nexa Light"/>
+                <a:cs typeface="Nexa Light"/>
+              </a:rPr>
+              <a:t>: Must signal all protected SSRCs, must be unique across media sources</a:t>
+            </a:r>
+          </a:p>
+        </p:txBody>
+      </p:sp>
+      <p:cxnSp>
+        <p:nvCxnSpPr>
+          <p:cNvPr id="67" name="Shape 67"/>
+          <p:cNvCxnSpPr>
+            <a:stCxn id="65" idx="0"/>
+            <a:endCxn id="60" idx="2"/>
+          </p:cNvCxnSpPr>
+          <p:nvPr/>
+        </p:nvCxnSpPr>
+        <p:spPr>
+          <a:xfrm rot="10800000">
+            <a:off x="3641799" y="3838400"/>
+            <a:ext cx="0" cy="746800"/>
+          </a:xfrm>
+          <a:prstGeom prst="straightConnector1">
+            <a:avLst/>
+          </a:prstGeom>
+          <a:noFill/>
+          <a:ln w="19050" cap="flat">
+            <a:solidFill>
+              <a:schemeClr val="dk2"/>
+            </a:solidFill>
+            <a:prstDash val="solid"/>
+            <a:round/>
+            <a:headEnd type="none" w="lg" len="lg"/>
+            <a:tailEnd type="none" w="lg" len="lg"/>
+          </a:ln>
+        </p:spPr>
+      </p:cxnSp>
+      <p:sp>
+        <p:nvSpPr>
+          <p:cNvPr id="68" name="Shape 68"/>
+          <p:cNvSpPr txBox="1"/>
+          <p:nvPr/>
+        </p:nvSpPr>
+        <p:spPr>
+          <a:xfrm>
+            <a:off x="5589751" y="4597334"/>
+            <a:ext cx="1681799" cy="812799"/>
+          </a:xfrm>
+          <a:prstGeom prst="rect">
+            <a:avLst/>
+          </a:prstGeom>
+          <a:noFill/>
+          <a:ln w="9525" cap="flat">
+            <a:solidFill>
+              <a:srgbClr val="000000"/>
+            </a:solidFill>
+            <a:prstDash val="solid"/>
+            <a:round/>
+            <a:headEnd type="none" w="med" len="med"/>
+            <a:tailEnd type="none" w="med" len="med"/>
+          </a:ln>
+        </p:spPr>
+        <p:txBody>
+          <a:bodyPr lIns="91425" tIns="91425" rIns="91425" bIns="91425" anchor="t" anchorCtr="0">
+            <a:noAutofit/>
+          </a:bodyPr>
+          <a:lstStyle/>
+          <a:p>
+            <a:pPr lvl="0" algn="l" rtl="0">
+              <a:spcBef>
+                <a:spcPts val="0"/>
+              </a:spcBef>
+              <a:buNone/>
+            </a:pPr>
+            <a:r>
+              <a:rPr lang="en" sz="1200" dirty="0">
+                <a:latin typeface="Arial"/>
+                <a:ea typeface="Calibri"/>
+                <a:cs typeface="Arial"/>
+                <a:sym typeface="Calibri"/>
+              </a:rPr>
+              <a:t>FEC RTP Stream </a:t>
+            </a:r>
+            <a:r>
+              <a:rPr lang="en" sz="1200" u="sng" dirty="0">
+                <a:solidFill>
+                  <a:srgbClr val="FF0000"/>
+                </a:solidFill>
+                <a:latin typeface="Arial"/>
+                <a:ea typeface="Calibri"/>
+                <a:cs typeface="Arial"/>
+                <a:sym typeface="Calibri"/>
+              </a:rPr>
+              <a:t>for</a:t>
+            </a:r>
+            <a:r>
+              <a:rPr lang="en" sz="1200" dirty="0">
+                <a:solidFill>
+                  <a:srgbClr val="FF0000"/>
+                </a:solidFill>
+                <a:latin typeface="Arial"/>
+                <a:ea typeface="Calibri"/>
+                <a:cs typeface="Arial"/>
+                <a:sym typeface="Calibri"/>
+              </a:rPr>
+              <a:t> </a:t>
+            </a:r>
+            <a:r>
+              <a:rPr lang="en" sz="1200" dirty="0">
+                <a:solidFill>
+                  <a:schemeClr val="dk1"/>
+                </a:solidFill>
+                <a:latin typeface="Arial"/>
+                <a:ea typeface="Calibri"/>
+                <a:cs typeface="Arial"/>
+                <a:sym typeface="Calibri"/>
+              </a:rPr>
+              <a:t>234398740</a:t>
+            </a:r>
+          </a:p>
+        </p:txBody>
+      </p:sp>
+      <p:cxnSp>
+        <p:nvCxnSpPr>
+          <p:cNvPr id="69" name="Shape 69"/>
+          <p:cNvCxnSpPr>
+            <a:stCxn id="64" idx="2"/>
+            <a:endCxn id="68" idx="0"/>
+          </p:cNvCxnSpPr>
+          <p:nvPr/>
+        </p:nvCxnSpPr>
+        <p:spPr>
+          <a:xfrm>
+            <a:off x="6430649" y="3838532"/>
+            <a:ext cx="0" cy="758800"/>
+          </a:xfrm>
+          <a:prstGeom prst="straightConnector1">
+            <a:avLst/>
+          </a:prstGeom>
+          <a:noFill/>
+          <a:ln w="19050" cap="flat">
+            <a:solidFill>
+              <a:schemeClr val="dk2"/>
+            </a:solidFill>
+            <a:prstDash val="solid"/>
+            <a:round/>
+            <a:headEnd type="none" w="lg" len="lg"/>
+            <a:tailEnd type="none" w="lg" len="lg"/>
+          </a:ln>
+        </p:spPr>
+      </p:cxnSp>
+      <p:sp>
+        <p:nvSpPr>
+          <p:cNvPr id="2" name="Slide Number Placeholder 1"/>
+          <p:cNvSpPr>
+            <a:spLocks noGrp="1"/>
+          </p:cNvSpPr>
+          <p:nvPr>
+            <p:ph type="sldNum" idx="12"/>
           </p:nvPr>
         </p:nvSpPr>
         <p:spPr/>
@@ -8019,24 +11182,33 @@
           <a:bodyPr/>
           <a:lstStyle/>
           <a:p>
-            <a:fld id="{9B6618E2-E5B0-2B41-B19C-D94ACC3B6B9F}" type="slidenum">
-              <a:rPr lang="en-US" smtClean="0"/>
+            <a:pPr>
+              <a:spcBef>
+                <a:spcPts val="0"/>
+              </a:spcBef>
+              <a:buNone/>
+            </a:pPr>
+            <a:fld id="{00000000-1234-1234-1234-123412341234}" type="slidenum">
+              <a:rPr lang="en" smtClean="0"/>
               <a:t>5</a:t>
             </a:fld>
-            <a:endParaRPr lang="en-US"/>
+            <a:endParaRPr lang="en"/>
           </a:p>
         </p:txBody>
       </p:sp>
     </p:spTree>
     <p:extLst>
       <p:ext uri="{BB962C8B-B14F-4D97-AF65-F5344CB8AC3E}">
-        <p14:creationId xmlns:p14="http://schemas.microsoft.com/office/powerpoint/2010/main" val="842183155"/>
+        <p14:creationId xmlns:p14="http://schemas.microsoft.com/office/powerpoint/2010/main" val="3095362533"/>
       </p:ext>
     </p:extLst>
   </p:cSld>
   <p:clrMapOvr>
     <a:masterClrMapping/>
   </p:clrMapOvr>
+  <p:transition xmlns:p14="http://schemas.microsoft.com/office/powerpoint/2010/main" spd="slow">
+    <p:cut/>
+  </p:transition>
 </p:sld>
 </file>
 
@@ -8045,7 +11217,7 @@
   <p:cSld>
     <p:spTree>
       <p:nvGrpSpPr>
-        <p:cNvPr id="1" name=""/>
+        <p:cNvPr id="1" name="Shape 73"/>
         <p:cNvGrpSpPr/>
         <p:nvPr/>
       </p:nvGrpSpPr>
@@ -8059,143 +11231,834 @@
       </p:grpSpPr>
       <p:sp>
         <p:nvSpPr>
-          <p:cNvPr id="2" name="Title 1"/>
-          <p:cNvSpPr>
+          <p:cNvPr id="74" name="Shape 74"/>
+          <p:cNvSpPr txBox="1">
             <a:spLocks noGrp="1"/>
           </p:cNvSpPr>
           <p:nvPr>
             <p:ph type="title"/>
           </p:nvPr>
         </p:nvSpPr>
-        <p:spPr/>
-        <p:txBody>
-          <a:bodyPr/>
-          <a:lstStyle/>
-          <a:p>
-            <a:r>
-              <a:rPr lang="en-US" dirty="0" smtClean="0">
+        <p:spPr>
+          <a:xfrm>
+            <a:off x="457200" y="517965"/>
+            <a:ext cx="8229600" cy="758800"/>
+          </a:xfrm>
+          <a:prstGeom prst="rect">
+            <a:avLst/>
+          </a:prstGeom>
+        </p:spPr>
+        <p:txBody>
+          <a:bodyPr lIns="91425" tIns="91425" rIns="91425" bIns="91425" anchor="b" anchorCtr="0">
+            <a:noAutofit/>
+          </a:bodyPr>
+          <a:lstStyle/>
+          <a:p>
+            <a:pPr lvl="0" rtl="0">
+              <a:spcBef>
+                <a:spcPts val="0"/>
+              </a:spcBef>
+              <a:buNone/>
+            </a:pPr>
+            <a:r>
+              <a:rPr lang="en" sz="3400" dirty="0">
                 <a:latin typeface="Nexa Bold"/>
+                <a:ea typeface="Calibri"/>
                 <a:cs typeface="Nexa Bold"/>
-              </a:rPr>
-              <a:t>Open issues 2</a:t>
-            </a:r>
-            <a:endParaRPr lang="en-US" dirty="0">
-              <a:latin typeface="Nexa Bold"/>
-              <a:cs typeface="Nexa Bold"/>
-            </a:endParaRPr>
-          </a:p>
-        </p:txBody>
-      </p:sp>
-      <p:sp>
-        <p:nvSpPr>
-          <p:cNvPr id="3" name="Content Placeholder 2"/>
-          <p:cNvSpPr>
-            <a:spLocks noGrp="1"/>
-          </p:cNvSpPr>
-          <p:nvPr>
-            <p:ph idx="1"/>
-          </p:nvPr>
-        </p:nvSpPr>
-        <p:spPr/>
-        <p:txBody>
-          <a:bodyPr>
-            <a:normAutofit fontScale="92500"/>
+                <a:sym typeface="Calibri"/>
+              </a:rPr>
+              <a:t>Option 2: Use MID</a:t>
+            </a:r>
+          </a:p>
+        </p:txBody>
+      </p:sp>
+      <p:sp>
+        <p:nvSpPr>
+          <p:cNvPr id="75" name="Shape 75"/>
+          <p:cNvSpPr txBox="1"/>
+          <p:nvPr/>
+        </p:nvSpPr>
+        <p:spPr>
+          <a:xfrm>
+            <a:off x="1792650" y="1496533"/>
+            <a:ext cx="2184300" cy="609600"/>
+          </a:xfrm>
+          <a:prstGeom prst="rect">
+            <a:avLst/>
+          </a:prstGeom>
+          <a:noFill/>
+          <a:ln w="9525" cap="flat">
+            <a:solidFill>
+              <a:srgbClr val="000000"/>
+            </a:solidFill>
+            <a:prstDash val="solid"/>
+            <a:round/>
+            <a:headEnd type="none" w="med" len="med"/>
+            <a:tailEnd type="none" w="med" len="med"/>
+          </a:ln>
+        </p:spPr>
+        <p:txBody>
+          <a:bodyPr lIns="91425" tIns="91425" rIns="91425" bIns="91425" anchor="t" anchorCtr="0">
+            <a:noAutofit/>
           </a:bodyPr>
           <a:lstStyle/>
           <a:p>
-            <a:r>
-              <a:rPr lang="en-US" dirty="0" smtClean="0">
+            <a:pPr lvl="0" algn="l" rtl="0">
+              <a:spcBef>
+                <a:spcPts val="0"/>
+              </a:spcBef>
+              <a:buNone/>
+            </a:pPr>
+            <a:r>
+              <a:rPr lang="en" sz="1600">
+                <a:latin typeface="Arial"/>
+                <a:ea typeface="Calibri"/>
+                <a:cs typeface="Arial"/>
+                <a:sym typeface="Calibri"/>
+              </a:rPr>
+              <a:t>Media Source A</a:t>
+            </a:r>
+          </a:p>
+        </p:txBody>
+      </p:sp>
+      <p:sp>
+        <p:nvSpPr>
+          <p:cNvPr id="76" name="Shape 76"/>
+          <p:cNvSpPr txBox="1"/>
+          <p:nvPr/>
+        </p:nvSpPr>
+        <p:spPr>
+          <a:xfrm>
+            <a:off x="4561175" y="1496533"/>
+            <a:ext cx="2184300" cy="609600"/>
+          </a:xfrm>
+          <a:prstGeom prst="rect">
+            <a:avLst/>
+          </a:prstGeom>
+          <a:noFill/>
+          <a:ln w="9525" cap="flat">
+            <a:solidFill>
+              <a:srgbClr val="000000"/>
+            </a:solidFill>
+            <a:prstDash val="solid"/>
+            <a:round/>
+            <a:headEnd type="none" w="med" len="med"/>
+            <a:tailEnd type="none" w="med" len="med"/>
+          </a:ln>
+        </p:spPr>
+        <p:txBody>
+          <a:bodyPr lIns="91425" tIns="91425" rIns="91425" bIns="91425" anchor="t" anchorCtr="0">
+            <a:noAutofit/>
+          </a:bodyPr>
+          <a:lstStyle/>
+          <a:p>
+            <a:pPr lvl="0" algn="l" rtl="0">
+              <a:spcBef>
+                <a:spcPts val="0"/>
+              </a:spcBef>
+              <a:buNone/>
+            </a:pPr>
+            <a:r>
+              <a:rPr lang="en" sz="1600">
+                <a:latin typeface="Arial"/>
+                <a:ea typeface="Calibri"/>
+                <a:cs typeface="Arial"/>
+                <a:sym typeface="Calibri"/>
+              </a:rPr>
+              <a:t>Media Source B</a:t>
+            </a:r>
+          </a:p>
+        </p:txBody>
+      </p:sp>
+      <p:cxnSp>
+        <p:nvCxnSpPr>
+          <p:cNvPr id="77" name="Shape 77"/>
+          <p:cNvCxnSpPr>
+            <a:stCxn id="75" idx="2"/>
+            <a:endCxn id="78" idx="0"/>
+          </p:cNvCxnSpPr>
+          <p:nvPr/>
+        </p:nvCxnSpPr>
+        <p:spPr>
+          <a:xfrm flipH="1">
+            <a:off x="2219400" y="2106133"/>
+            <a:ext cx="665400" cy="758400"/>
+          </a:xfrm>
+          <a:prstGeom prst="straightConnector1">
+            <a:avLst/>
+          </a:prstGeom>
+          <a:noFill/>
+          <a:ln w="19050" cap="flat">
+            <a:solidFill>
+              <a:srgbClr val="000000"/>
+            </a:solidFill>
+            <a:prstDash val="solid"/>
+            <a:round/>
+            <a:headEnd type="none" w="lg" len="lg"/>
+            <a:tailEnd type="none" w="lg" len="lg"/>
+          </a:ln>
+        </p:spPr>
+      </p:cxnSp>
+      <p:cxnSp>
+        <p:nvCxnSpPr>
+          <p:cNvPr id="79" name="Shape 79"/>
+          <p:cNvCxnSpPr>
+            <a:endCxn id="75" idx="2"/>
+          </p:cNvCxnSpPr>
+          <p:nvPr/>
+        </p:nvCxnSpPr>
+        <p:spPr>
+          <a:xfrm rot="10800000">
+            <a:off x="2884799" y="2106133"/>
+            <a:ext cx="767100" cy="758800"/>
+          </a:xfrm>
+          <a:prstGeom prst="straightConnector1">
+            <a:avLst/>
+          </a:prstGeom>
+          <a:noFill/>
+          <a:ln w="19050" cap="flat">
+            <a:solidFill>
+              <a:srgbClr val="000000"/>
+            </a:solidFill>
+            <a:prstDash val="solid"/>
+            <a:round/>
+            <a:headEnd type="none" w="lg" len="lg"/>
+            <a:tailEnd type="none" w="lg" len="lg"/>
+          </a:ln>
+        </p:spPr>
+      </p:cxnSp>
+      <p:sp>
+        <p:nvSpPr>
+          <p:cNvPr id="78" name="Shape 78"/>
+          <p:cNvSpPr txBox="1"/>
+          <p:nvPr/>
+        </p:nvSpPr>
+        <p:spPr>
+          <a:xfrm>
+            <a:off x="1680901" y="2864733"/>
+            <a:ext cx="1076999" cy="677200"/>
+          </a:xfrm>
+          <a:prstGeom prst="rect">
+            <a:avLst/>
+          </a:prstGeom>
+          <a:noFill/>
+          <a:ln w="9525" cap="flat">
+            <a:solidFill>
+              <a:srgbClr val="000000"/>
+            </a:solidFill>
+            <a:prstDash val="solid"/>
+            <a:round/>
+            <a:headEnd type="none" w="med" len="med"/>
+            <a:tailEnd type="none" w="med" len="med"/>
+          </a:ln>
+        </p:spPr>
+        <p:txBody>
+          <a:bodyPr lIns="91425" tIns="91425" rIns="91425" bIns="91425" anchor="t" anchorCtr="0">
+            <a:noAutofit/>
+          </a:bodyPr>
+          <a:lstStyle/>
+          <a:p>
+            <a:pPr lvl="0" algn="l" rtl="0">
+              <a:spcBef>
+                <a:spcPts val="0"/>
+              </a:spcBef>
+              <a:buNone/>
+            </a:pPr>
+            <a:r>
+              <a:rPr lang="en" sz="1200">
+                <a:latin typeface="Arial"/>
+                <a:ea typeface="Calibri"/>
+                <a:cs typeface="Arial"/>
+                <a:sym typeface="Calibri"/>
+              </a:rPr>
+              <a:t>Source RTP Stream A1</a:t>
+            </a:r>
+          </a:p>
+        </p:txBody>
+      </p:sp>
+      <p:sp>
+        <p:nvSpPr>
+          <p:cNvPr id="80" name="Shape 80"/>
+          <p:cNvSpPr txBox="1"/>
+          <p:nvPr/>
+        </p:nvSpPr>
+        <p:spPr>
+          <a:xfrm>
+            <a:off x="3103301" y="2864733"/>
+            <a:ext cx="1076999" cy="677200"/>
+          </a:xfrm>
+          <a:prstGeom prst="rect">
+            <a:avLst/>
+          </a:prstGeom>
+          <a:noFill/>
+          <a:ln w="9525" cap="flat">
+            <a:solidFill>
+              <a:srgbClr val="000000"/>
+            </a:solidFill>
+            <a:prstDash val="solid"/>
+            <a:round/>
+            <a:headEnd type="none" w="med" len="med"/>
+            <a:tailEnd type="none" w="med" len="med"/>
+          </a:ln>
+        </p:spPr>
+        <p:txBody>
+          <a:bodyPr lIns="91425" tIns="91425" rIns="91425" bIns="91425" anchor="t" anchorCtr="0">
+            <a:noAutofit/>
+          </a:bodyPr>
+          <a:lstStyle/>
+          <a:p>
+            <a:pPr lvl="0" algn="l" rtl="0">
+              <a:spcBef>
+                <a:spcPts val="0"/>
+              </a:spcBef>
+              <a:buNone/>
+            </a:pPr>
+            <a:r>
+              <a:rPr lang="en" sz="1200">
+                <a:latin typeface="Arial"/>
+                <a:ea typeface="Calibri"/>
+                <a:cs typeface="Arial"/>
+                <a:sym typeface="Calibri"/>
+              </a:rPr>
+              <a:t>Source RTP Stream A2</a:t>
+            </a:r>
+          </a:p>
+        </p:txBody>
+      </p:sp>
+      <p:cxnSp>
+        <p:nvCxnSpPr>
+          <p:cNvPr id="81" name="Shape 81"/>
+          <p:cNvCxnSpPr>
+            <a:stCxn id="76" idx="2"/>
+            <a:endCxn id="82" idx="0"/>
+          </p:cNvCxnSpPr>
+          <p:nvPr/>
+        </p:nvCxnSpPr>
+        <p:spPr>
+          <a:xfrm flipH="1">
+            <a:off x="5008325" y="2106133"/>
+            <a:ext cx="645000" cy="758800"/>
+          </a:xfrm>
+          <a:prstGeom prst="straightConnector1">
+            <a:avLst/>
+          </a:prstGeom>
+          <a:noFill/>
+          <a:ln w="19050" cap="flat">
+            <a:solidFill>
+              <a:srgbClr val="000000"/>
+            </a:solidFill>
+            <a:prstDash val="solid"/>
+            <a:round/>
+            <a:headEnd type="none" w="lg" len="lg"/>
+            <a:tailEnd type="none" w="lg" len="lg"/>
+          </a:ln>
+        </p:spPr>
+      </p:cxnSp>
+      <p:cxnSp>
+        <p:nvCxnSpPr>
+          <p:cNvPr id="83" name="Shape 83"/>
+          <p:cNvCxnSpPr>
+            <a:stCxn id="84" idx="0"/>
+            <a:endCxn id="76" idx="2"/>
+          </p:cNvCxnSpPr>
+          <p:nvPr/>
+        </p:nvCxnSpPr>
+        <p:spPr>
+          <a:xfrm rot="10800000">
+            <a:off x="5653349" y="2106133"/>
+            <a:ext cx="777300" cy="758800"/>
+          </a:xfrm>
+          <a:prstGeom prst="straightConnector1">
+            <a:avLst/>
+          </a:prstGeom>
+          <a:noFill/>
+          <a:ln w="19050" cap="flat">
+            <a:solidFill>
+              <a:srgbClr val="000000"/>
+            </a:solidFill>
+            <a:prstDash val="solid"/>
+            <a:round/>
+            <a:headEnd type="none" w="lg" len="lg"/>
+            <a:tailEnd type="none" w="lg" len="lg"/>
+          </a:ln>
+        </p:spPr>
+      </p:cxnSp>
+      <p:sp>
+        <p:nvSpPr>
+          <p:cNvPr id="82" name="Shape 82"/>
+          <p:cNvSpPr txBox="1"/>
+          <p:nvPr/>
+        </p:nvSpPr>
+        <p:spPr>
+          <a:xfrm>
+            <a:off x="4469751" y="2864933"/>
+            <a:ext cx="1076999" cy="677200"/>
+          </a:xfrm>
+          <a:prstGeom prst="rect">
+            <a:avLst/>
+          </a:prstGeom>
+          <a:noFill/>
+          <a:ln w="9525" cap="flat">
+            <a:solidFill>
+              <a:srgbClr val="000000"/>
+            </a:solidFill>
+            <a:prstDash val="solid"/>
+            <a:round/>
+            <a:headEnd type="none" w="med" len="med"/>
+            <a:tailEnd type="none" w="med" len="med"/>
+          </a:ln>
+        </p:spPr>
+        <p:txBody>
+          <a:bodyPr lIns="91425" tIns="91425" rIns="91425" bIns="91425" anchor="t" anchorCtr="0">
+            <a:noAutofit/>
+          </a:bodyPr>
+          <a:lstStyle/>
+          <a:p>
+            <a:pPr lvl="0" algn="l" rtl="0">
+              <a:spcBef>
+                <a:spcPts val="0"/>
+              </a:spcBef>
+              <a:buNone/>
+            </a:pPr>
+            <a:r>
+              <a:rPr lang="en" sz="1200">
+                <a:latin typeface="Arial"/>
+                <a:ea typeface="Calibri"/>
+                <a:cs typeface="Arial"/>
+                <a:sym typeface="Calibri"/>
+              </a:rPr>
+              <a:t>Source RTP Stream B1</a:t>
+            </a:r>
+          </a:p>
+        </p:txBody>
+      </p:sp>
+      <p:sp>
+        <p:nvSpPr>
+          <p:cNvPr id="84" name="Shape 84"/>
+          <p:cNvSpPr txBox="1"/>
+          <p:nvPr/>
+        </p:nvSpPr>
+        <p:spPr>
+          <a:xfrm>
+            <a:off x="5892151" y="2864933"/>
+            <a:ext cx="1076999" cy="677200"/>
+          </a:xfrm>
+          <a:prstGeom prst="rect">
+            <a:avLst/>
+          </a:prstGeom>
+          <a:noFill/>
+          <a:ln w="9525" cap="flat">
+            <a:solidFill>
+              <a:srgbClr val="000000"/>
+            </a:solidFill>
+            <a:prstDash val="solid"/>
+            <a:round/>
+            <a:headEnd type="none" w="med" len="med"/>
+            <a:tailEnd type="none" w="med" len="med"/>
+          </a:ln>
+        </p:spPr>
+        <p:txBody>
+          <a:bodyPr lIns="91425" tIns="91425" rIns="91425" bIns="91425" anchor="t" anchorCtr="0">
+            <a:noAutofit/>
+          </a:bodyPr>
+          <a:lstStyle/>
+          <a:p>
+            <a:pPr lvl="0" algn="l" rtl="0">
+              <a:spcBef>
+                <a:spcPts val="0"/>
+              </a:spcBef>
+              <a:buNone/>
+            </a:pPr>
+            <a:r>
+              <a:rPr lang="en" sz="1200">
+                <a:latin typeface="Arial"/>
+                <a:ea typeface="Calibri"/>
+                <a:cs typeface="Arial"/>
+                <a:sym typeface="Calibri"/>
+              </a:rPr>
+              <a:t>Source RTP Stream B2</a:t>
+            </a:r>
+          </a:p>
+        </p:txBody>
+      </p:sp>
+      <p:sp>
+        <p:nvSpPr>
+          <p:cNvPr id="85" name="Shape 85"/>
+          <p:cNvSpPr txBox="1"/>
+          <p:nvPr/>
+        </p:nvSpPr>
+        <p:spPr>
+          <a:xfrm>
+            <a:off x="2130301" y="4529867"/>
+            <a:ext cx="1681799" cy="812799"/>
+          </a:xfrm>
+          <a:prstGeom prst="rect">
+            <a:avLst/>
+          </a:prstGeom>
+          <a:noFill/>
+          <a:ln w="9525" cap="flat">
+            <a:solidFill>
+              <a:srgbClr val="000000"/>
+            </a:solidFill>
+            <a:prstDash val="solid"/>
+            <a:round/>
+            <a:headEnd type="none" w="med" len="med"/>
+            <a:tailEnd type="none" w="med" len="med"/>
+          </a:ln>
+        </p:spPr>
+        <p:txBody>
+          <a:bodyPr lIns="91425" tIns="91425" rIns="91425" bIns="91425" anchor="t" anchorCtr="0">
+            <a:noAutofit/>
+          </a:bodyPr>
+          <a:lstStyle/>
+          <a:p>
+            <a:pPr lvl="0" algn="l" rtl="0">
+              <a:spcBef>
+                <a:spcPts val="0"/>
+              </a:spcBef>
+              <a:buNone/>
+            </a:pPr>
+            <a:r>
+              <a:rPr lang="en" sz="1200" dirty="0">
+                <a:latin typeface="Arial"/>
+                <a:ea typeface="Calibri"/>
+                <a:cs typeface="Arial"/>
+                <a:sym typeface="Calibri"/>
+              </a:rPr>
+              <a:t>FEC RTP Stream </a:t>
+            </a:r>
+            <a:r>
+              <a:rPr lang="en" sz="1200" dirty="0" smtClean="0">
+                <a:latin typeface="Arial"/>
+                <a:ea typeface="Calibri"/>
+                <a:cs typeface="Arial"/>
+                <a:sym typeface="Calibri"/>
+              </a:rPr>
+              <a:t>for </a:t>
+            </a:r>
+            <a:r>
+              <a:rPr lang="en-US" sz="1200" dirty="0" smtClean="0">
+                <a:latin typeface="Arial"/>
+                <a:ea typeface="Calibri"/>
+                <a:cs typeface="Arial"/>
+                <a:sym typeface="Calibri"/>
+              </a:rPr>
+              <a:t>MID</a:t>
+            </a:r>
+            <a:r>
+              <a:rPr lang="en" sz="1200" dirty="0" smtClean="0">
+                <a:latin typeface="Arial"/>
+                <a:ea typeface="Calibri"/>
+                <a:cs typeface="Arial"/>
+                <a:sym typeface="Calibri"/>
+              </a:rPr>
+              <a:t> </a:t>
+            </a:r>
+            <a:r>
+              <a:rPr lang="en" sz="1200" dirty="0">
+                <a:latin typeface="Arial"/>
+                <a:ea typeface="Calibri"/>
+                <a:cs typeface="Arial"/>
+                <a:sym typeface="Calibri"/>
+              </a:rPr>
+              <a:t>A</a:t>
+            </a:r>
+          </a:p>
+        </p:txBody>
+      </p:sp>
+      <p:sp>
+        <p:nvSpPr>
+          <p:cNvPr id="86" name="Shape 86"/>
+          <p:cNvSpPr txBox="1"/>
+          <p:nvPr/>
+        </p:nvSpPr>
+        <p:spPr>
+          <a:xfrm>
+            <a:off x="2757901" y="3656499"/>
+            <a:ext cx="426599" cy="758800"/>
+          </a:xfrm>
+          <a:prstGeom prst="rect">
+            <a:avLst/>
+          </a:prstGeom>
+          <a:noFill/>
+          <a:ln>
+            <a:noFill/>
+          </a:ln>
+        </p:spPr>
+        <p:txBody>
+          <a:bodyPr lIns="91425" tIns="91425" rIns="91425" bIns="91425" anchor="t" anchorCtr="0">
+            <a:noAutofit/>
+          </a:bodyPr>
+          <a:lstStyle/>
+          <a:p>
+            <a:pPr lvl="0" algn="l" rtl="0">
+              <a:spcBef>
+                <a:spcPts val="0"/>
+              </a:spcBef>
+              <a:buNone/>
+            </a:pPr>
+            <a:r>
+              <a:rPr lang="en" sz="2000">
+                <a:latin typeface="Arial"/>
+                <a:ea typeface="Calibri"/>
+                <a:cs typeface="Arial"/>
+                <a:sym typeface="Calibri"/>
+              </a:rPr>
+              <a:t>?</a:t>
+            </a:r>
+          </a:p>
+        </p:txBody>
+      </p:sp>
+      <p:sp>
+        <p:nvSpPr>
+          <p:cNvPr id="87" name="Shape 87"/>
+          <p:cNvSpPr txBox="1"/>
+          <p:nvPr/>
+        </p:nvSpPr>
+        <p:spPr>
+          <a:xfrm>
+            <a:off x="-33200" y="5560301"/>
+            <a:ext cx="9144000" cy="1304399"/>
+          </a:xfrm>
+          <a:prstGeom prst="rect">
+            <a:avLst/>
+          </a:prstGeom>
+          <a:noFill/>
+          <a:ln>
+            <a:noFill/>
+          </a:ln>
+        </p:spPr>
+        <p:txBody>
+          <a:bodyPr lIns="91425" tIns="91425" rIns="91425" bIns="91425" anchor="ctr" anchorCtr="0">
+            <a:noAutofit/>
+          </a:bodyPr>
+          <a:lstStyle/>
+          <a:p>
+            <a:pPr lvl="0" algn="ctr" rtl="0">
+              <a:spcBef>
+                <a:spcPts val="600"/>
+              </a:spcBef>
+              <a:buNone/>
+            </a:pPr>
+            <a:r>
+              <a:rPr lang="en" dirty="0">
+                <a:solidFill>
+                  <a:srgbClr val="FF0000"/>
+                </a:solidFill>
                 <a:latin typeface="Nexa Light"/>
                 <a:cs typeface="Nexa Light"/>
               </a:rPr>
-              <a:t>M and N occur in the RTP header for row length and column depth (non-bitmask case)</a:t>
-            </a:r>
-          </a:p>
-          <a:p>
-            <a:endParaRPr lang="en-US" dirty="0" smtClean="0">
-              <a:latin typeface="Nexa Light"/>
-              <a:cs typeface="Nexa Light"/>
-            </a:endParaRPr>
-          </a:p>
-          <a:p>
-            <a:r>
-              <a:rPr lang="en-US" dirty="0" smtClean="0">
+              <a:t>Problem</a:t>
+            </a:r>
+            <a:r>
+              <a:rPr lang="en" dirty="0">
+                <a:solidFill>
+                  <a:schemeClr val="dk1"/>
+                </a:solidFill>
                 <a:latin typeface="Nexa Light"/>
                 <a:cs typeface="Nexa Light"/>
               </a:rPr>
-              <a:t>N = 0 and N = 1  currently means row FEC</a:t>
-            </a:r>
-          </a:p>
-          <a:p>
-            <a:endParaRPr lang="en-US" dirty="0" smtClean="0">
-              <a:latin typeface="Nexa Light"/>
-              <a:cs typeface="Nexa Light"/>
-            </a:endParaRPr>
-          </a:p>
-          <a:p>
-            <a:r>
-              <a:rPr lang="en-US" dirty="0" smtClean="0">
+              <a:t>: </a:t>
+            </a:r>
+            <a:r>
+              <a:rPr lang="en" dirty="0" smtClean="0">
+                <a:solidFill>
+                  <a:schemeClr val="dk1"/>
+                </a:solidFill>
                 <a:latin typeface="Nexa Light"/>
                 <a:cs typeface="Nexa Light"/>
               </a:rPr>
-              <a:t>Proposal: </a:t>
-            </a:r>
-          </a:p>
-          <a:p>
-            <a:pPr marL="457200" lvl="1" indent="0">
-              <a:buNone/>
-            </a:pPr>
-            <a:r>
-              <a:rPr lang="en-US" sz="2200" dirty="0" smtClean="0">
+              <a:t>Does</a:t>
+            </a:r>
+            <a:r>
+              <a:rPr lang="en-US" dirty="0" smtClean="0">
+                <a:solidFill>
+                  <a:schemeClr val="dk1"/>
+                </a:solidFill>
                 <a:latin typeface="Nexa Light"/>
                 <a:cs typeface="Nexa Light"/>
               </a:rPr>
-              <a:t>N = 0 indicates row FEC </a:t>
-            </a:r>
-            <a:r>
-              <a:rPr lang="en-US" sz="2200" b="1" dirty="0" smtClean="0">
-                <a:latin typeface="Nexa Bold"/>
-                <a:cs typeface="Nexa Bold"/>
-              </a:rPr>
-              <a:t>not </a:t>
-            </a:r>
-            <a:r>
-              <a:rPr lang="en-US" sz="2200" dirty="0" smtClean="0">
+              <a:t> no</a:t>
+            </a:r>
+            <a:r>
+              <a:rPr lang="en" dirty="0" smtClean="0">
+                <a:solidFill>
+                  <a:schemeClr val="dk1"/>
+                </a:solidFill>
                 <a:latin typeface="Nexa Light"/>
                 <a:cs typeface="Nexa Light"/>
               </a:rPr>
-              <a:t>followed by column FEC.</a:t>
-            </a:r>
-          </a:p>
-          <a:p>
-            <a:pPr marL="457200" lvl="1" indent="0">
-              <a:buNone/>
-            </a:pPr>
-            <a:r>
-              <a:rPr lang="en-US" sz="2200" dirty="0" smtClean="0">
+              <a:t>t </a:t>
+            </a:r>
+            <a:r>
+              <a:rPr lang="en" dirty="0">
+                <a:solidFill>
+                  <a:schemeClr val="dk1"/>
+                </a:solidFill>
                 <a:latin typeface="Nexa Light"/>
                 <a:cs typeface="Nexa Light"/>
               </a:rPr>
-              <a:t>N = 1 indicates row FEC         followed by column FEC.</a:t>
-            </a:r>
-          </a:p>
-          <a:p>
-            <a:pPr lvl="1"/>
-            <a:endParaRPr lang="en-US" dirty="0">
-              <a:latin typeface="Nexa Light"/>
-              <a:cs typeface="Nexa Light"/>
-            </a:endParaRPr>
-          </a:p>
-        </p:txBody>
-      </p:sp>
-      <p:sp>
-        <p:nvSpPr>
-          <p:cNvPr id="4" name="Slide Number Placeholder 3"/>
-          <p:cNvSpPr>
-            <a:spLocks noGrp="1"/>
-          </p:cNvSpPr>
-          <p:nvPr>
-            <p:ph type="sldNum" sz="quarter" idx="12"/>
+              <a:t>work for </a:t>
+            </a:r>
+            <a:r>
+              <a:rPr lang="en" u="sng" dirty="0">
+                <a:solidFill>
+                  <a:schemeClr val="dk1"/>
+                </a:solidFill>
+                <a:latin typeface="Nexa Light"/>
+                <a:cs typeface="Nexa Light"/>
+              </a:rPr>
+              <a:t>multiple</a:t>
+            </a:r>
+            <a:r>
+              <a:rPr lang="en" dirty="0">
+                <a:solidFill>
+                  <a:schemeClr val="dk1"/>
+                </a:solidFill>
+                <a:latin typeface="Nexa Light"/>
+                <a:cs typeface="Nexa Light"/>
+              </a:rPr>
+              <a:t> source RTP streams per media source.</a:t>
+            </a:r>
+          </a:p>
+        </p:txBody>
+      </p:sp>
+      <p:sp>
+        <p:nvSpPr>
+          <p:cNvPr id="88" name="Shape 88"/>
+          <p:cNvSpPr txBox="1"/>
+          <p:nvPr/>
+        </p:nvSpPr>
+        <p:spPr>
+          <a:xfrm>
+            <a:off x="4887626" y="4570519"/>
+            <a:ext cx="1681799" cy="812799"/>
+          </a:xfrm>
+          <a:prstGeom prst="rect">
+            <a:avLst/>
+          </a:prstGeom>
+          <a:noFill/>
+          <a:ln w="9525" cap="flat">
+            <a:solidFill>
+              <a:srgbClr val="000000"/>
+            </a:solidFill>
+            <a:prstDash val="solid"/>
+            <a:round/>
+            <a:headEnd type="none" w="med" len="med"/>
+            <a:tailEnd type="none" w="med" len="med"/>
+          </a:ln>
+        </p:spPr>
+        <p:txBody>
+          <a:bodyPr lIns="91425" tIns="91425" rIns="91425" bIns="91425" anchor="t" anchorCtr="0">
+            <a:noAutofit/>
+          </a:bodyPr>
+          <a:lstStyle/>
+          <a:p>
+            <a:pPr lvl="0" algn="l" rtl="0">
+              <a:spcBef>
+                <a:spcPts val="0"/>
+              </a:spcBef>
+              <a:buNone/>
+            </a:pPr>
+            <a:r>
+              <a:rPr lang="en" sz="1200" dirty="0">
+                <a:latin typeface="Arial"/>
+                <a:ea typeface="Calibri"/>
+                <a:cs typeface="Arial"/>
+                <a:sym typeface="Calibri"/>
+              </a:rPr>
+              <a:t>FEC RTP Stream </a:t>
+            </a:r>
+            <a:r>
+              <a:rPr lang="en" sz="1200" dirty="0" smtClean="0">
+                <a:latin typeface="Arial"/>
+                <a:ea typeface="Calibri"/>
+                <a:cs typeface="Arial"/>
+                <a:sym typeface="Calibri"/>
+              </a:rPr>
+              <a:t>for </a:t>
+            </a:r>
+            <a:r>
+              <a:rPr lang="en-US" sz="1200" dirty="0" smtClean="0">
+                <a:latin typeface="Arial"/>
+                <a:ea typeface="Calibri"/>
+                <a:cs typeface="Arial"/>
+                <a:sym typeface="Calibri"/>
+              </a:rPr>
+              <a:t>MID</a:t>
+            </a:r>
+            <a:r>
+              <a:rPr lang="en" sz="1200" dirty="0" smtClean="0">
+                <a:latin typeface="Arial"/>
+                <a:ea typeface="Calibri"/>
+                <a:cs typeface="Arial"/>
+                <a:sym typeface="Calibri"/>
+              </a:rPr>
+              <a:t> </a:t>
+            </a:r>
+            <a:r>
+              <a:rPr lang="en" sz="1200" dirty="0">
+                <a:latin typeface="Arial"/>
+                <a:ea typeface="Calibri"/>
+                <a:cs typeface="Arial"/>
+                <a:sym typeface="Calibri"/>
+              </a:rPr>
+              <a:t>B</a:t>
+            </a:r>
+          </a:p>
+        </p:txBody>
+      </p:sp>
+      <p:sp>
+        <p:nvSpPr>
+          <p:cNvPr id="89" name="Shape 89"/>
+          <p:cNvSpPr txBox="1"/>
+          <p:nvPr/>
+        </p:nvSpPr>
+        <p:spPr>
+          <a:xfrm>
+            <a:off x="5515226" y="3697152"/>
+            <a:ext cx="426599" cy="758800"/>
+          </a:xfrm>
+          <a:prstGeom prst="rect">
+            <a:avLst/>
+          </a:prstGeom>
+          <a:noFill/>
+          <a:ln>
+            <a:noFill/>
+          </a:ln>
+        </p:spPr>
+        <p:txBody>
+          <a:bodyPr lIns="91425" tIns="91425" rIns="91425" bIns="91425" anchor="t" anchorCtr="0">
+            <a:noAutofit/>
+          </a:bodyPr>
+          <a:lstStyle/>
+          <a:p>
+            <a:pPr lvl="0" algn="l" rtl="0">
+              <a:spcBef>
+                <a:spcPts val="0"/>
+              </a:spcBef>
+              <a:buNone/>
+            </a:pPr>
+            <a:r>
+              <a:rPr lang="en" sz="2000">
+                <a:latin typeface="Arial"/>
+                <a:ea typeface="Calibri"/>
+                <a:cs typeface="Arial"/>
+                <a:sym typeface="Calibri"/>
+              </a:rPr>
+              <a:t>?</a:t>
+            </a:r>
+          </a:p>
+        </p:txBody>
+      </p:sp>
+      <p:sp>
+        <p:nvSpPr>
+          <p:cNvPr id="2" name="Slide Number Placeholder 1"/>
+          <p:cNvSpPr>
+            <a:spLocks noGrp="1"/>
+          </p:cNvSpPr>
+          <p:nvPr>
+            <p:ph type="sldNum" idx="12"/>
           </p:nvPr>
         </p:nvSpPr>
         <p:spPr/>
@@ -8203,24 +12066,33 @@
           <a:bodyPr/>
           <a:lstStyle/>
           <a:p>
-            <a:fld id="{9B6618E2-E5B0-2B41-B19C-D94ACC3B6B9F}" type="slidenum">
-              <a:rPr lang="en-US" smtClean="0"/>
+            <a:pPr>
+              <a:spcBef>
+                <a:spcPts val="0"/>
+              </a:spcBef>
+              <a:buNone/>
+            </a:pPr>
+            <a:fld id="{00000000-1234-1234-1234-123412341234}" type="slidenum">
+              <a:rPr lang="en" smtClean="0"/>
               <a:t>6</a:t>
             </a:fld>
-            <a:endParaRPr lang="en-US"/>
+            <a:endParaRPr lang="en"/>
           </a:p>
         </p:txBody>
       </p:sp>
     </p:spTree>
     <p:extLst>
       <p:ext uri="{BB962C8B-B14F-4D97-AF65-F5344CB8AC3E}">
-        <p14:creationId xmlns:p14="http://schemas.microsoft.com/office/powerpoint/2010/main" val="3626008626"/>
+        <p14:creationId xmlns:p14="http://schemas.microsoft.com/office/powerpoint/2010/main" val="1048698716"/>
       </p:ext>
     </p:extLst>
   </p:cSld>
   <p:clrMapOvr>
     <a:masterClrMapping/>
   </p:clrMapOvr>
+  <p:transition xmlns:p14="http://schemas.microsoft.com/office/powerpoint/2010/main" spd="slow">
+    <p:cut/>
+  </p:transition>
 </p:sld>
 </file>
 
@@ -8229,7 +12101,7 @@
   <p:cSld>
     <p:spTree>
       <p:nvGrpSpPr>
-        <p:cNvPr id="1" name=""/>
+        <p:cNvPr id="1" name="Shape 93"/>
         <p:cNvGrpSpPr/>
         <p:nvPr/>
       </p:nvGrpSpPr>
@@ -8243,225 +12115,863 @@
       </p:grpSpPr>
       <p:sp>
         <p:nvSpPr>
-          <p:cNvPr id="2" name="Title 1"/>
-          <p:cNvSpPr>
+          <p:cNvPr id="94" name="Shape 94"/>
+          <p:cNvSpPr txBox="1">
             <a:spLocks noGrp="1"/>
           </p:cNvSpPr>
           <p:nvPr>
             <p:ph type="title"/>
           </p:nvPr>
         </p:nvSpPr>
-        <p:spPr/>
-        <p:txBody>
-          <a:bodyPr/>
-          <a:lstStyle/>
-          <a:p>
-            <a:r>
-              <a:rPr lang="en-US" dirty="0" smtClean="0">
+        <p:spPr>
+          <a:xfrm>
+            <a:off x="457200" y="517965"/>
+            <a:ext cx="8229600" cy="758800"/>
+          </a:xfrm>
+          <a:prstGeom prst="rect">
+            <a:avLst/>
+          </a:prstGeom>
+        </p:spPr>
+        <p:txBody>
+          <a:bodyPr lIns="91425" tIns="91425" rIns="91425" bIns="91425" anchor="b" anchorCtr="0">
+            <a:noAutofit/>
+          </a:bodyPr>
+          <a:lstStyle/>
+          <a:p>
+            <a:pPr lvl="0" rtl="0">
+              <a:spcBef>
+                <a:spcPts val="0"/>
+              </a:spcBef>
+              <a:buNone/>
+            </a:pPr>
+            <a:r>
+              <a:rPr lang="en" sz="3400" dirty="0">
                 <a:latin typeface="Nexa Bold"/>
+                <a:ea typeface="Calibri"/>
                 <a:cs typeface="Nexa Bold"/>
-              </a:rPr>
-              <a:t>Open issues 3</a:t>
-            </a:r>
-            <a:endParaRPr lang="en-US" dirty="0">
-              <a:latin typeface="Nexa Bold"/>
-              <a:cs typeface="Nexa Bold"/>
+                <a:sym typeface="Calibri"/>
+              </a:rPr>
+              <a:t>Option 3: Use MID+RSID</a:t>
+            </a:r>
+          </a:p>
+        </p:txBody>
+      </p:sp>
+      <p:sp>
+        <p:nvSpPr>
+          <p:cNvPr id="95" name="Shape 95"/>
+          <p:cNvSpPr txBox="1"/>
+          <p:nvPr/>
+        </p:nvSpPr>
+        <p:spPr>
+          <a:xfrm>
+            <a:off x="1792650" y="1496533"/>
+            <a:ext cx="2184300" cy="609600"/>
+          </a:xfrm>
+          <a:prstGeom prst="rect">
+            <a:avLst/>
+          </a:prstGeom>
+          <a:noFill/>
+          <a:ln w="9525" cap="flat">
+            <a:solidFill>
+              <a:srgbClr val="000000"/>
+            </a:solidFill>
+            <a:prstDash val="solid"/>
+            <a:round/>
+            <a:headEnd type="none" w="med" len="med"/>
+            <a:tailEnd type="none" w="med" len="med"/>
+          </a:ln>
+        </p:spPr>
+        <p:txBody>
+          <a:bodyPr lIns="91425" tIns="91425" rIns="91425" bIns="91425" anchor="t" anchorCtr="0">
+            <a:noAutofit/>
+          </a:bodyPr>
+          <a:lstStyle/>
+          <a:p>
+            <a:pPr lvl="0" algn="l" rtl="0">
+              <a:spcBef>
+                <a:spcPts val="0"/>
+              </a:spcBef>
+              <a:buNone/>
+            </a:pPr>
+            <a:r>
+              <a:rPr lang="en" sz="1600">
+                <a:latin typeface="Arial"/>
+                <a:ea typeface="Calibri"/>
+                <a:cs typeface="Arial"/>
+                <a:sym typeface="Calibri"/>
+              </a:rPr>
+              <a:t>Media Source A</a:t>
+            </a:r>
+          </a:p>
+        </p:txBody>
+      </p:sp>
+      <p:sp>
+        <p:nvSpPr>
+          <p:cNvPr id="96" name="Shape 96"/>
+          <p:cNvSpPr txBox="1"/>
+          <p:nvPr/>
+        </p:nvSpPr>
+        <p:spPr>
+          <a:xfrm>
+            <a:off x="4561175" y="1496533"/>
+            <a:ext cx="2184300" cy="609600"/>
+          </a:xfrm>
+          <a:prstGeom prst="rect">
+            <a:avLst/>
+          </a:prstGeom>
+          <a:noFill/>
+          <a:ln w="9525" cap="flat">
+            <a:solidFill>
+              <a:srgbClr val="000000"/>
+            </a:solidFill>
+            <a:prstDash val="solid"/>
+            <a:round/>
+            <a:headEnd type="none" w="med" len="med"/>
+            <a:tailEnd type="none" w="med" len="med"/>
+          </a:ln>
+        </p:spPr>
+        <p:txBody>
+          <a:bodyPr lIns="91425" tIns="91425" rIns="91425" bIns="91425" anchor="t" anchorCtr="0">
+            <a:noAutofit/>
+          </a:bodyPr>
+          <a:lstStyle/>
+          <a:p>
+            <a:pPr lvl="0" algn="l" rtl="0">
+              <a:spcBef>
+                <a:spcPts val="0"/>
+              </a:spcBef>
+              <a:buNone/>
+            </a:pPr>
+            <a:r>
+              <a:rPr lang="en" sz="1600">
+                <a:latin typeface="Arial"/>
+                <a:ea typeface="Calibri"/>
+                <a:cs typeface="Arial"/>
+                <a:sym typeface="Calibri"/>
+              </a:rPr>
+              <a:t>Media Source B</a:t>
+            </a:r>
+          </a:p>
+        </p:txBody>
+      </p:sp>
+      <p:cxnSp>
+        <p:nvCxnSpPr>
+          <p:cNvPr id="97" name="Shape 97"/>
+          <p:cNvCxnSpPr>
+            <a:stCxn id="95" idx="2"/>
+            <a:endCxn id="98" idx="0"/>
+          </p:cNvCxnSpPr>
+          <p:nvPr/>
+        </p:nvCxnSpPr>
+        <p:spPr>
+          <a:xfrm flipH="1">
+            <a:off x="2219400" y="2106133"/>
+            <a:ext cx="665400" cy="758400"/>
+          </a:xfrm>
+          <a:prstGeom prst="straightConnector1">
+            <a:avLst/>
+          </a:prstGeom>
+          <a:noFill/>
+          <a:ln w="19050" cap="flat">
+            <a:solidFill>
+              <a:srgbClr val="000000"/>
+            </a:solidFill>
+            <a:prstDash val="solid"/>
+            <a:round/>
+            <a:headEnd type="none" w="lg" len="lg"/>
+            <a:tailEnd type="none" w="lg" len="lg"/>
+          </a:ln>
+        </p:spPr>
+      </p:cxnSp>
+      <p:cxnSp>
+        <p:nvCxnSpPr>
+          <p:cNvPr id="99" name="Shape 99"/>
+          <p:cNvCxnSpPr>
+            <a:endCxn id="95" idx="2"/>
+          </p:cNvCxnSpPr>
+          <p:nvPr/>
+        </p:nvCxnSpPr>
+        <p:spPr>
+          <a:xfrm rot="10800000">
+            <a:off x="2884799" y="2106133"/>
+            <a:ext cx="767100" cy="758800"/>
+          </a:xfrm>
+          <a:prstGeom prst="straightConnector1">
+            <a:avLst/>
+          </a:prstGeom>
+          <a:noFill/>
+          <a:ln w="19050" cap="flat">
+            <a:solidFill>
+              <a:srgbClr val="000000"/>
+            </a:solidFill>
+            <a:prstDash val="solid"/>
+            <a:round/>
+            <a:headEnd type="none" w="lg" len="lg"/>
+            <a:tailEnd type="none" w="lg" len="lg"/>
+          </a:ln>
+        </p:spPr>
+      </p:cxnSp>
+      <p:sp>
+        <p:nvSpPr>
+          <p:cNvPr id="98" name="Shape 98"/>
+          <p:cNvSpPr txBox="1"/>
+          <p:nvPr/>
+        </p:nvSpPr>
+        <p:spPr>
+          <a:xfrm>
+            <a:off x="1680901" y="2864733"/>
+            <a:ext cx="1076999" cy="677200"/>
+          </a:xfrm>
+          <a:prstGeom prst="rect">
+            <a:avLst/>
+          </a:prstGeom>
+          <a:noFill/>
+          <a:ln w="9525" cap="flat">
+            <a:solidFill>
+              <a:srgbClr val="000000"/>
+            </a:solidFill>
+            <a:prstDash val="solid"/>
+            <a:round/>
+            <a:headEnd type="none" w="med" len="med"/>
+            <a:tailEnd type="none" w="med" len="med"/>
+          </a:ln>
+        </p:spPr>
+        <p:txBody>
+          <a:bodyPr lIns="91425" tIns="91425" rIns="91425" bIns="91425" anchor="t" anchorCtr="0">
+            <a:noAutofit/>
+          </a:bodyPr>
+          <a:lstStyle/>
+          <a:p>
+            <a:pPr lvl="0" algn="l" rtl="0">
+              <a:spcBef>
+                <a:spcPts val="0"/>
+              </a:spcBef>
+              <a:buNone/>
+            </a:pPr>
+            <a:r>
+              <a:rPr lang="en" sz="1200">
+                <a:latin typeface="Arial"/>
+                <a:ea typeface="Calibri"/>
+                <a:cs typeface="Arial"/>
+                <a:sym typeface="Calibri"/>
+              </a:rPr>
+              <a:t>Source RTP Stream A1</a:t>
+            </a:r>
+          </a:p>
+        </p:txBody>
+      </p:sp>
+      <p:sp>
+        <p:nvSpPr>
+          <p:cNvPr id="100" name="Shape 100"/>
+          <p:cNvSpPr txBox="1"/>
+          <p:nvPr/>
+        </p:nvSpPr>
+        <p:spPr>
+          <a:xfrm>
+            <a:off x="3103301" y="2864733"/>
+            <a:ext cx="1076999" cy="677200"/>
+          </a:xfrm>
+          <a:prstGeom prst="rect">
+            <a:avLst/>
+          </a:prstGeom>
+          <a:noFill/>
+          <a:ln w="9525" cap="flat">
+            <a:solidFill>
+              <a:srgbClr val="000000"/>
+            </a:solidFill>
+            <a:prstDash val="solid"/>
+            <a:round/>
+            <a:headEnd type="none" w="med" len="med"/>
+            <a:tailEnd type="none" w="med" len="med"/>
+          </a:ln>
+        </p:spPr>
+        <p:txBody>
+          <a:bodyPr lIns="91425" tIns="91425" rIns="91425" bIns="91425" anchor="t" anchorCtr="0">
+            <a:noAutofit/>
+          </a:bodyPr>
+          <a:lstStyle/>
+          <a:p>
+            <a:pPr lvl="0" algn="l" rtl="0">
+              <a:spcBef>
+                <a:spcPts val="0"/>
+              </a:spcBef>
+              <a:buNone/>
+            </a:pPr>
+            <a:r>
+              <a:rPr lang="en" sz="1200" dirty="0">
+                <a:latin typeface="Arial"/>
+                <a:ea typeface="Calibri"/>
+                <a:cs typeface="Arial"/>
+                <a:sym typeface="Calibri"/>
+              </a:rPr>
+              <a:t>Source RTP </a:t>
+            </a:r>
+            <a:r>
+              <a:rPr lang="en" sz="1200" dirty="0">
+                <a:solidFill>
+                  <a:srgbClr val="FF0000"/>
+                </a:solidFill>
+                <a:latin typeface="Arial"/>
+                <a:ea typeface="Calibri"/>
+                <a:cs typeface="Arial"/>
+                <a:sym typeface="Calibri"/>
+              </a:rPr>
+              <a:t>Stream</a:t>
+            </a:r>
+            <a:r>
+              <a:rPr lang="en" sz="1200" dirty="0">
+                <a:latin typeface="Arial"/>
+                <a:ea typeface="Calibri"/>
+                <a:cs typeface="Arial"/>
+                <a:sym typeface="Calibri"/>
+              </a:rPr>
+              <a:t> </a:t>
+            </a:r>
+            <a:r>
+              <a:rPr lang="en" sz="1200" dirty="0">
+                <a:solidFill>
+                  <a:srgbClr val="FF0000"/>
+                </a:solidFill>
+                <a:latin typeface="Arial"/>
+                <a:ea typeface="Calibri"/>
+                <a:cs typeface="Arial"/>
+                <a:sym typeface="Calibri"/>
+              </a:rPr>
+              <a:t>A2</a:t>
+            </a:r>
+          </a:p>
+        </p:txBody>
+      </p:sp>
+      <p:cxnSp>
+        <p:nvCxnSpPr>
+          <p:cNvPr id="101" name="Shape 101"/>
+          <p:cNvCxnSpPr>
+            <a:stCxn id="96" idx="2"/>
+            <a:endCxn id="102" idx="0"/>
+          </p:cNvCxnSpPr>
+          <p:nvPr/>
+        </p:nvCxnSpPr>
+        <p:spPr>
+          <a:xfrm flipH="1">
+            <a:off x="5008325" y="2106133"/>
+            <a:ext cx="645000" cy="758800"/>
+          </a:xfrm>
+          <a:prstGeom prst="straightConnector1">
+            <a:avLst/>
+          </a:prstGeom>
+          <a:noFill/>
+          <a:ln w="19050" cap="flat">
+            <a:solidFill>
+              <a:srgbClr val="000000"/>
+            </a:solidFill>
+            <a:prstDash val="solid"/>
+            <a:round/>
+            <a:headEnd type="none" w="lg" len="lg"/>
+            <a:tailEnd type="none" w="lg" len="lg"/>
+          </a:ln>
+        </p:spPr>
+      </p:cxnSp>
+      <p:cxnSp>
+        <p:nvCxnSpPr>
+          <p:cNvPr id="103" name="Shape 103"/>
+          <p:cNvCxnSpPr>
+            <a:stCxn id="104" idx="0"/>
+            <a:endCxn id="96" idx="2"/>
+          </p:cNvCxnSpPr>
+          <p:nvPr/>
+        </p:nvCxnSpPr>
+        <p:spPr>
+          <a:xfrm rot="10800000">
+            <a:off x="5653349" y="2106133"/>
+            <a:ext cx="777300" cy="758800"/>
+          </a:xfrm>
+          <a:prstGeom prst="straightConnector1">
+            <a:avLst/>
+          </a:prstGeom>
+          <a:noFill/>
+          <a:ln w="19050" cap="flat">
+            <a:solidFill>
+              <a:srgbClr val="000000"/>
+            </a:solidFill>
+            <a:prstDash val="solid"/>
+            <a:round/>
+            <a:headEnd type="none" w="lg" len="lg"/>
+            <a:tailEnd type="none" w="lg" len="lg"/>
+          </a:ln>
+        </p:spPr>
+      </p:cxnSp>
+      <p:sp>
+        <p:nvSpPr>
+          <p:cNvPr id="102" name="Shape 102"/>
+          <p:cNvSpPr txBox="1"/>
+          <p:nvPr/>
+        </p:nvSpPr>
+        <p:spPr>
+          <a:xfrm>
+            <a:off x="4469751" y="2864933"/>
+            <a:ext cx="1076999" cy="677200"/>
+          </a:xfrm>
+          <a:prstGeom prst="rect">
+            <a:avLst/>
+          </a:prstGeom>
+          <a:noFill/>
+          <a:ln w="9525" cap="flat">
+            <a:solidFill>
+              <a:srgbClr val="000000"/>
+            </a:solidFill>
+            <a:prstDash val="solid"/>
+            <a:round/>
+            <a:headEnd type="none" w="med" len="med"/>
+            <a:tailEnd type="none" w="med" len="med"/>
+          </a:ln>
+        </p:spPr>
+        <p:txBody>
+          <a:bodyPr lIns="91425" tIns="91425" rIns="91425" bIns="91425" anchor="t" anchorCtr="0">
+            <a:noAutofit/>
+          </a:bodyPr>
+          <a:lstStyle/>
+          <a:p>
+            <a:pPr lvl="0" algn="l" rtl="0">
+              <a:spcBef>
+                <a:spcPts val="0"/>
+              </a:spcBef>
+              <a:buNone/>
+            </a:pPr>
+            <a:r>
+              <a:rPr lang="en" sz="1200">
+                <a:latin typeface="Arial"/>
+                <a:ea typeface="Calibri"/>
+                <a:cs typeface="Arial"/>
+                <a:sym typeface="Calibri"/>
+              </a:rPr>
+              <a:t>Source RTP Stream B1</a:t>
+            </a:r>
+          </a:p>
+        </p:txBody>
+      </p:sp>
+      <p:sp>
+        <p:nvSpPr>
+          <p:cNvPr id="104" name="Shape 104"/>
+          <p:cNvSpPr txBox="1"/>
+          <p:nvPr/>
+        </p:nvSpPr>
+        <p:spPr>
+          <a:xfrm>
+            <a:off x="5892151" y="2864933"/>
+            <a:ext cx="1076999" cy="677200"/>
+          </a:xfrm>
+          <a:prstGeom prst="rect">
+            <a:avLst/>
+          </a:prstGeom>
+          <a:noFill/>
+          <a:ln w="9525" cap="flat">
+            <a:solidFill>
+              <a:srgbClr val="000000"/>
+            </a:solidFill>
+            <a:prstDash val="solid"/>
+            <a:round/>
+            <a:headEnd type="none" w="med" len="med"/>
+            <a:tailEnd type="none" w="med" len="med"/>
+          </a:ln>
+        </p:spPr>
+        <p:txBody>
+          <a:bodyPr lIns="91425" tIns="91425" rIns="91425" bIns="91425" anchor="t" anchorCtr="0">
+            <a:noAutofit/>
+          </a:bodyPr>
+          <a:lstStyle/>
+          <a:p>
+            <a:pPr lvl="0" algn="l" rtl="0">
+              <a:spcBef>
+                <a:spcPts val="0"/>
+              </a:spcBef>
+              <a:buNone/>
+            </a:pPr>
+            <a:r>
+              <a:rPr lang="en" sz="1200" dirty="0">
+                <a:latin typeface="Arial"/>
+                <a:ea typeface="Calibri"/>
+                <a:cs typeface="Arial"/>
+                <a:sym typeface="Calibri"/>
+              </a:rPr>
+              <a:t>Source RTP </a:t>
+            </a:r>
+            <a:r>
+              <a:rPr lang="en" sz="1200" dirty="0">
+                <a:solidFill>
+                  <a:srgbClr val="FF0000"/>
+                </a:solidFill>
+                <a:latin typeface="Arial"/>
+                <a:ea typeface="Calibri"/>
+                <a:cs typeface="Arial"/>
+                <a:sym typeface="Calibri"/>
+              </a:rPr>
+              <a:t>Stream</a:t>
+            </a:r>
+            <a:r>
+              <a:rPr lang="en" sz="1200" dirty="0">
+                <a:latin typeface="Arial"/>
+                <a:ea typeface="Calibri"/>
+                <a:cs typeface="Arial"/>
+                <a:sym typeface="Calibri"/>
+              </a:rPr>
+              <a:t> </a:t>
+            </a:r>
+            <a:r>
+              <a:rPr lang="en" sz="1200" dirty="0">
+                <a:solidFill>
+                  <a:srgbClr val="FF0000"/>
+                </a:solidFill>
+                <a:latin typeface="Arial"/>
+                <a:ea typeface="Calibri"/>
+                <a:cs typeface="Arial"/>
+                <a:sym typeface="Calibri"/>
+              </a:rPr>
+              <a:t>B2</a:t>
+            </a:r>
+          </a:p>
+        </p:txBody>
+      </p:sp>
+      <p:sp>
+        <p:nvSpPr>
+          <p:cNvPr id="105" name="Shape 105"/>
+          <p:cNvSpPr txBox="1"/>
+          <p:nvPr/>
+        </p:nvSpPr>
+        <p:spPr>
+          <a:xfrm>
+            <a:off x="2800901" y="4529933"/>
+            <a:ext cx="1681799" cy="758800"/>
+          </a:xfrm>
+          <a:prstGeom prst="rect">
+            <a:avLst/>
+          </a:prstGeom>
+          <a:noFill/>
+          <a:ln w="9525" cap="flat">
+            <a:solidFill>
+              <a:srgbClr val="000000"/>
+            </a:solidFill>
+            <a:prstDash val="solid"/>
+            <a:round/>
+            <a:headEnd type="none" w="med" len="med"/>
+            <a:tailEnd type="none" w="med" len="med"/>
+          </a:ln>
+        </p:spPr>
+        <p:txBody>
+          <a:bodyPr lIns="91425" tIns="91425" rIns="91425" bIns="91425" anchor="t" anchorCtr="0">
+            <a:noAutofit/>
+          </a:bodyPr>
+          <a:lstStyle/>
+          <a:p>
+            <a:pPr lvl="0" algn="l" rtl="0">
+              <a:spcBef>
+                <a:spcPts val="0"/>
+              </a:spcBef>
+              <a:buNone/>
+            </a:pPr>
+            <a:r>
+              <a:rPr lang="en" sz="1200" dirty="0">
+                <a:latin typeface="Arial"/>
+                <a:ea typeface="Calibri"/>
+                <a:cs typeface="Arial"/>
+                <a:sym typeface="Calibri"/>
+              </a:rPr>
+              <a:t>FEC RTP Stream for MID A, </a:t>
+            </a:r>
+            <a:r>
+              <a:rPr lang="en" sz="1200" dirty="0">
+                <a:solidFill>
+                  <a:srgbClr val="FF0000"/>
+                </a:solidFill>
+                <a:latin typeface="Arial"/>
+                <a:ea typeface="Calibri"/>
+                <a:cs typeface="Arial"/>
+                <a:sym typeface="Calibri"/>
+              </a:rPr>
+              <a:t>RSID </a:t>
+            </a:r>
+            <a:r>
+              <a:rPr lang="en-US" sz="1200" dirty="0" smtClean="0">
+                <a:solidFill>
+                  <a:srgbClr val="FF0000"/>
+                </a:solidFill>
+                <a:latin typeface="Arial"/>
+                <a:ea typeface="Calibri"/>
+                <a:cs typeface="Arial"/>
+                <a:sym typeface="Calibri"/>
+              </a:rPr>
+              <a:t>A</a:t>
+            </a:r>
+            <a:r>
+              <a:rPr lang="en" sz="1200" dirty="0" smtClean="0">
+                <a:solidFill>
+                  <a:srgbClr val="FF0000"/>
+                </a:solidFill>
+                <a:latin typeface="Arial"/>
+                <a:ea typeface="Calibri"/>
+                <a:cs typeface="Arial"/>
+                <a:sym typeface="Calibri"/>
+              </a:rPr>
+              <a:t>2</a:t>
+            </a:r>
+            <a:endParaRPr lang="en" sz="1200" dirty="0">
+              <a:solidFill>
+                <a:srgbClr val="FF0000"/>
+              </a:solidFill>
+              <a:latin typeface="Arial"/>
+              <a:ea typeface="Calibri"/>
+              <a:cs typeface="Arial"/>
+              <a:sym typeface="Calibri"/>
             </a:endParaRPr>
           </a:p>
         </p:txBody>
       </p:sp>
-      <p:sp>
-        <p:nvSpPr>
-          <p:cNvPr id="3" name="Content Placeholder 2"/>
-          <p:cNvSpPr>
-            <a:spLocks noGrp="1"/>
-          </p:cNvSpPr>
-          <p:nvPr>
-            <p:ph idx="1"/>
-          </p:nvPr>
-        </p:nvSpPr>
-        <p:spPr/>
-        <p:txBody>
-          <a:bodyPr>
-            <a:normAutofit fontScale="92500" lnSpcReduction="20000"/>
+      <p:cxnSp>
+        <p:nvCxnSpPr>
+          <p:cNvPr id="106" name="Shape 106"/>
+          <p:cNvCxnSpPr>
+            <a:stCxn id="100" idx="2"/>
+            <a:endCxn id="105" idx="0"/>
+          </p:cNvCxnSpPr>
+          <p:nvPr/>
+        </p:nvCxnSpPr>
+        <p:spPr>
+          <a:xfrm>
+            <a:off x="3641799" y="3541933"/>
+            <a:ext cx="0" cy="988000"/>
+          </a:xfrm>
+          <a:prstGeom prst="straightConnector1">
+            <a:avLst/>
+          </a:prstGeom>
+          <a:noFill/>
+          <a:ln w="19050" cap="flat">
+            <a:solidFill>
+              <a:schemeClr val="dk2"/>
+            </a:solidFill>
+            <a:prstDash val="solid"/>
+            <a:round/>
+            <a:headEnd type="none" w="lg" len="lg"/>
+            <a:tailEnd type="none" w="lg" len="lg"/>
+          </a:ln>
+        </p:spPr>
+      </p:cxnSp>
+      <p:sp>
+        <p:nvSpPr>
+          <p:cNvPr id="107" name="Shape 107"/>
+          <p:cNvSpPr txBox="1"/>
+          <p:nvPr/>
+        </p:nvSpPr>
+        <p:spPr>
+          <a:xfrm>
+            <a:off x="-33200" y="5560301"/>
+            <a:ext cx="9144000" cy="1304399"/>
+          </a:xfrm>
+          <a:prstGeom prst="rect">
+            <a:avLst/>
+          </a:prstGeom>
+          <a:noFill/>
+          <a:ln>
+            <a:noFill/>
+          </a:ln>
+        </p:spPr>
+        <p:txBody>
+          <a:bodyPr lIns="91425" tIns="91425" rIns="91425" bIns="91425" anchor="ctr" anchorCtr="0">
+            <a:noAutofit/>
           </a:bodyPr>
           <a:lstStyle/>
           <a:p>
-            <a:r>
-              <a:rPr lang="en-US" dirty="0" smtClean="0">
+            <a:pPr lvl="0" algn="ctr" rtl="0">
+              <a:spcBef>
+                <a:spcPts val="600"/>
+              </a:spcBef>
+              <a:buNone/>
+            </a:pPr>
+            <a:r>
+              <a:rPr lang="en" sz="2400" dirty="0">
+                <a:solidFill>
+                  <a:srgbClr val="FF0000"/>
+                </a:solidFill>
                 <a:latin typeface="Nexa Light"/>
                 <a:cs typeface="Nexa Light"/>
               </a:rPr>
-              <a:t>Type of protection (</a:t>
-            </a:r>
-            <a:r>
-              <a:rPr lang="en-US" dirty="0" err="1" smtClean="0">
+              <a:t>Solution</a:t>
+            </a:r>
+            <a:r>
+              <a:rPr lang="en" sz="2400" dirty="0">
+                <a:solidFill>
+                  <a:schemeClr val="dk1"/>
+                </a:solidFill>
                 <a:latin typeface="Nexa Light"/>
                 <a:cs typeface="Nexa Light"/>
               </a:rPr>
-              <a:t>ToP</a:t>
-            </a:r>
-            <a:r>
-              <a:rPr lang="en-US" dirty="0" smtClean="0">
-                <a:latin typeface="Nexa Light"/>
-                <a:cs typeface="Nexa Light"/>
-              </a:rPr>
-              <a:t>) in SDP</a:t>
-            </a:r>
-          </a:p>
-          <a:p>
-            <a:pPr marL="457200" lvl="1" indent="0">
+              <a:t>: RSID identifies the Source RTP Stream</a:t>
+            </a:r>
+          </a:p>
+        </p:txBody>
+      </p:sp>
+      <p:sp>
+        <p:nvSpPr>
+          <p:cNvPr id="108" name="Shape 108"/>
+          <p:cNvSpPr txBox="1"/>
+          <p:nvPr/>
+        </p:nvSpPr>
+        <p:spPr>
+          <a:xfrm>
+            <a:off x="5589751" y="4518821"/>
+            <a:ext cx="1681799" cy="758800"/>
+          </a:xfrm>
+          <a:prstGeom prst="rect">
+            <a:avLst/>
+          </a:prstGeom>
+          <a:noFill/>
+          <a:ln w="9525" cap="flat">
+            <a:solidFill>
+              <a:srgbClr val="000000"/>
+            </a:solidFill>
+            <a:prstDash val="solid"/>
+            <a:round/>
+            <a:headEnd type="none" w="med" len="med"/>
+            <a:tailEnd type="none" w="med" len="med"/>
+          </a:ln>
+        </p:spPr>
+        <p:txBody>
+          <a:bodyPr lIns="91425" tIns="91425" rIns="91425" bIns="91425" anchor="t" anchorCtr="0">
+            <a:noAutofit/>
+          </a:bodyPr>
+          <a:lstStyle/>
+          <a:p>
+            <a:pPr lvl="0" algn="l" rtl="0">
+              <a:spcBef>
+                <a:spcPts val="0"/>
+              </a:spcBef>
               <a:buNone/>
             </a:pPr>
             <a:r>
-              <a:rPr lang="en-US" sz="2200" dirty="0" smtClean="0">
-                <a:latin typeface="Nexa Light"/>
-                <a:cs typeface="Nexa Light"/>
-              </a:rPr>
-              <a:t>		0=interleaved, </a:t>
-            </a:r>
-          </a:p>
-          <a:p>
-            <a:pPr marL="457200" lvl="1" indent="0">
+              <a:rPr lang="en" sz="1200" dirty="0">
+                <a:latin typeface="Arial"/>
+                <a:ea typeface="Calibri"/>
+                <a:cs typeface="Arial"/>
+                <a:sym typeface="Calibri"/>
+              </a:rPr>
+              <a:t>FEC RTP Stream for MID B, </a:t>
+            </a:r>
+            <a:r>
+              <a:rPr lang="en" sz="1200" dirty="0">
+                <a:solidFill>
+                  <a:srgbClr val="FF0000"/>
+                </a:solidFill>
+                <a:latin typeface="Arial"/>
+                <a:ea typeface="Calibri"/>
+                <a:cs typeface="Arial"/>
+                <a:sym typeface="Calibri"/>
+              </a:rPr>
+              <a:t>RSID </a:t>
+            </a:r>
+            <a:r>
+              <a:rPr lang="en-US" sz="1200" dirty="0" smtClean="0">
+                <a:solidFill>
+                  <a:srgbClr val="FF0000"/>
+                </a:solidFill>
+                <a:latin typeface="Arial"/>
+                <a:ea typeface="Calibri"/>
+                <a:cs typeface="Arial"/>
+                <a:sym typeface="Calibri"/>
+              </a:rPr>
+              <a:t>B</a:t>
+            </a:r>
+            <a:r>
+              <a:rPr lang="en" sz="1200" dirty="0" smtClean="0">
+                <a:solidFill>
+                  <a:srgbClr val="FF0000"/>
+                </a:solidFill>
+                <a:latin typeface="Arial"/>
+                <a:ea typeface="Calibri"/>
+                <a:cs typeface="Arial"/>
+                <a:sym typeface="Calibri"/>
+              </a:rPr>
+              <a:t>2</a:t>
+            </a:r>
+            <a:endParaRPr lang="en" sz="1200" dirty="0">
+              <a:solidFill>
+                <a:srgbClr val="FF0000"/>
+              </a:solidFill>
+              <a:latin typeface="Arial"/>
+              <a:ea typeface="Calibri"/>
+              <a:cs typeface="Arial"/>
+              <a:sym typeface="Calibri"/>
+            </a:endParaRPr>
+          </a:p>
+        </p:txBody>
+      </p:sp>
+      <p:cxnSp>
+        <p:nvCxnSpPr>
+          <p:cNvPr id="109" name="Shape 109"/>
+          <p:cNvCxnSpPr>
+            <a:endCxn id="108" idx="0"/>
+          </p:cNvCxnSpPr>
+          <p:nvPr/>
+        </p:nvCxnSpPr>
+        <p:spPr>
+          <a:xfrm>
+            <a:off x="6430649" y="3530821"/>
+            <a:ext cx="0" cy="988000"/>
+          </a:xfrm>
+          <a:prstGeom prst="straightConnector1">
+            <a:avLst/>
+          </a:prstGeom>
+          <a:noFill/>
+          <a:ln w="19050" cap="flat">
+            <a:solidFill>
+              <a:schemeClr val="dk2"/>
+            </a:solidFill>
+            <a:prstDash val="solid"/>
+            <a:round/>
+            <a:headEnd type="none" w="lg" len="lg"/>
+            <a:tailEnd type="none" w="lg" len="lg"/>
+          </a:ln>
+        </p:spPr>
+      </p:cxnSp>
+      <p:sp>
+        <p:nvSpPr>
+          <p:cNvPr id="2" name="Slide Number Placeholder 1"/>
+          <p:cNvSpPr>
+            <a:spLocks noGrp="1"/>
+          </p:cNvSpPr>
+          <p:nvPr>
+            <p:ph type="sldNum" idx="12"/>
+          </p:nvPr>
+        </p:nvSpPr>
+        <p:spPr/>
+        <p:txBody>
+          <a:bodyPr/>
+          <a:lstStyle/>
+          <a:p>
+            <a:pPr>
+              <a:spcBef>
+                <a:spcPts val="0"/>
+              </a:spcBef>
               <a:buNone/>
             </a:pPr>
-            <a:r>
-              <a:rPr lang="en-US" sz="2200" dirty="0" smtClean="0">
-                <a:latin typeface="Nexa Light"/>
-                <a:cs typeface="Nexa Light"/>
-              </a:rPr>
-              <a:t>		1=non-interleaved,</a:t>
-            </a:r>
-          </a:p>
-          <a:p>
-            <a:pPr marL="457200" lvl="1" indent="0">
-              <a:buNone/>
-            </a:pPr>
-            <a:r>
-              <a:rPr lang="en-US" sz="2200" dirty="0" smtClean="0">
-                <a:latin typeface="Nexa Light"/>
-                <a:cs typeface="Nexa Light"/>
-              </a:rPr>
-              <a:t>		2= both</a:t>
-            </a:r>
-          </a:p>
-          <a:p>
-            <a:pPr lvl="1"/>
-            <a:r>
-              <a:rPr lang="en-US" dirty="0" smtClean="0">
-                <a:latin typeface="Nexa Light"/>
-                <a:cs typeface="Nexa Light"/>
-              </a:rPr>
-              <a:t>We can do these dynamically in RTP</a:t>
-            </a:r>
-          </a:p>
-          <a:p>
-            <a:pPr lvl="1"/>
-            <a:r>
-              <a:rPr lang="en-US" dirty="0" smtClean="0">
-                <a:latin typeface="Nexa Light"/>
-                <a:cs typeface="Nexa Light"/>
-              </a:rPr>
-              <a:t>keep it or remove it from SDP?</a:t>
-            </a:r>
-          </a:p>
-          <a:p>
-            <a:endParaRPr lang="en-US" dirty="0">
-              <a:latin typeface="Nexa Light"/>
-              <a:cs typeface="Nexa Light"/>
-            </a:endParaRPr>
-          </a:p>
-          <a:p>
-            <a:r>
-              <a:rPr lang="en-US" dirty="0" smtClean="0">
-                <a:latin typeface="Nexa Light"/>
-                <a:cs typeface="Nexa Light"/>
-              </a:rPr>
-              <a:t>L and D in SDP</a:t>
-            </a:r>
-          </a:p>
-          <a:p>
-            <a:pPr lvl="1"/>
-            <a:r>
-              <a:rPr lang="en-US" dirty="0" smtClean="0">
-                <a:latin typeface="Nexa Light"/>
-                <a:cs typeface="Nexa Light"/>
-              </a:rPr>
-              <a:t>Length and depth for fixed 2-D protection</a:t>
-            </a:r>
-          </a:p>
-          <a:p>
-            <a:pPr lvl="1"/>
-            <a:r>
-              <a:rPr lang="en-US" dirty="0" smtClean="0">
-                <a:latin typeface="Nexa Light"/>
-                <a:cs typeface="Nexa Light"/>
-              </a:rPr>
-              <a:t>Only necessary for &gt; 256 x 256.</a:t>
-            </a:r>
-          </a:p>
-          <a:p>
-            <a:pPr lvl="1"/>
-            <a:r>
-              <a:rPr lang="en-US" dirty="0" smtClean="0">
-                <a:latin typeface="Nexa Light"/>
-                <a:cs typeface="Nexa Light"/>
-              </a:rPr>
-              <a:t>keep it or remove it from SDP?</a:t>
-            </a:r>
-            <a:endParaRPr lang="en-US" dirty="0" smtClean="0">
-              <a:latin typeface="Nexa Light"/>
-              <a:cs typeface="Nexa Light"/>
-            </a:endParaRPr>
-          </a:p>
-          <a:p>
-            <a:pPr lvl="1"/>
-            <a:endParaRPr lang="en-US" dirty="0" smtClean="0">
-              <a:latin typeface="Nexa Light"/>
-              <a:cs typeface="Nexa Light"/>
-            </a:endParaRPr>
-          </a:p>
-          <a:p>
-            <a:endParaRPr lang="en-US" dirty="0">
-              <a:latin typeface="Nexa Light"/>
-              <a:cs typeface="Nexa Light"/>
-            </a:endParaRPr>
-          </a:p>
-        </p:txBody>
-      </p:sp>
-      <p:sp>
-        <p:nvSpPr>
-          <p:cNvPr id="4" name="Slide Number Placeholder 3"/>
-          <p:cNvSpPr>
-            <a:spLocks noGrp="1"/>
-          </p:cNvSpPr>
-          <p:nvPr>
-            <p:ph type="sldNum" sz="quarter" idx="12"/>
-          </p:nvPr>
-        </p:nvSpPr>
-        <p:spPr/>
-        <p:txBody>
-          <a:bodyPr/>
-          <a:lstStyle/>
-          <a:p>
-            <a:fld id="{9B6618E2-E5B0-2B41-B19C-D94ACC3B6B9F}" type="slidenum">
-              <a:rPr lang="en-US" smtClean="0"/>
+            <a:fld id="{00000000-1234-1234-1234-123412341234}" type="slidenum">
+              <a:rPr lang="en" smtClean="0"/>
               <a:t>7</a:t>
             </a:fld>
-            <a:endParaRPr lang="en-US"/>
+            <a:endParaRPr lang="en"/>
           </a:p>
         </p:txBody>
       </p:sp>
     </p:spTree>
     <p:extLst>
       <p:ext uri="{BB962C8B-B14F-4D97-AF65-F5344CB8AC3E}">
-        <p14:creationId xmlns:p14="http://schemas.microsoft.com/office/powerpoint/2010/main" val="842183155"/>
+        <p14:creationId xmlns:p14="http://schemas.microsoft.com/office/powerpoint/2010/main" val="3289081121"/>
       </p:ext>
     </p:extLst>
   </p:cSld>
   <p:clrMapOvr>
     <a:masterClrMapping/>
   </p:clrMapOvr>
+  <p:transition xmlns:p14="http://schemas.microsoft.com/office/powerpoint/2010/main" spd="slow">
+    <p:cut/>
+  </p:transition>
 </p:sld>
 </file>
 
@@ -8470,7 +12980,7 @@
   <p:cSld>
     <p:spTree>
       <p:nvGrpSpPr>
-        <p:cNvPr id="1" name=""/>
+        <p:cNvPr id="1" name="Shape 114"/>
         <p:cNvGrpSpPr/>
         <p:nvPr/>
       </p:nvGrpSpPr>
@@ -8484,118 +12994,923 @@
       </p:grpSpPr>
       <p:sp>
         <p:nvSpPr>
-          <p:cNvPr id="2" name="Title 1"/>
-          <p:cNvSpPr>
+          <p:cNvPr id="115" name="Shape 115"/>
+          <p:cNvSpPr txBox="1">
             <a:spLocks noGrp="1"/>
           </p:cNvSpPr>
           <p:nvPr>
             <p:ph type="title"/>
           </p:nvPr>
         </p:nvSpPr>
-        <p:spPr/>
-        <p:txBody>
-          <a:bodyPr/>
-          <a:lstStyle/>
-          <a:p>
-            <a:r>
-              <a:rPr lang="en-US" dirty="0" smtClean="0">
+        <p:spPr>
+          <a:xfrm>
+            <a:off x="457200" y="517965"/>
+            <a:ext cx="8229600" cy="758800"/>
+          </a:xfrm>
+          <a:prstGeom prst="rect">
+            <a:avLst/>
+          </a:prstGeom>
+        </p:spPr>
+        <p:txBody>
+          <a:bodyPr lIns="91425" tIns="91425" rIns="91425" bIns="91425" anchor="b" anchorCtr="0">
+            <a:noAutofit/>
+          </a:bodyPr>
+          <a:lstStyle/>
+          <a:p>
+            <a:pPr lvl="0" rtl="0">
+              <a:spcBef>
+                <a:spcPts val="0"/>
+              </a:spcBef>
+              <a:buNone/>
+            </a:pPr>
+            <a:r>
+              <a:rPr lang="en" sz="3400">
                 <a:latin typeface="Nexa Bold"/>
+                <a:ea typeface="Calibri"/>
                 <a:cs typeface="Nexa Bold"/>
-              </a:rPr>
-              <a:t>Next Steps</a:t>
-            </a:r>
-            <a:endParaRPr lang="en-US" dirty="0">
-              <a:latin typeface="Nexa Bold"/>
-              <a:cs typeface="Nexa Bold"/>
+                <a:sym typeface="Calibri"/>
+              </a:rPr>
+              <a:t>Option 3b: Use RSID alone</a:t>
+            </a:r>
+          </a:p>
+        </p:txBody>
+      </p:sp>
+      <p:sp>
+        <p:nvSpPr>
+          <p:cNvPr id="116" name="Shape 116"/>
+          <p:cNvSpPr txBox="1"/>
+          <p:nvPr/>
+        </p:nvSpPr>
+        <p:spPr>
+          <a:xfrm>
+            <a:off x="1792650" y="1496533"/>
+            <a:ext cx="2184300" cy="609600"/>
+          </a:xfrm>
+          <a:prstGeom prst="rect">
+            <a:avLst/>
+          </a:prstGeom>
+          <a:noFill/>
+          <a:ln w="9525" cap="flat">
+            <a:solidFill>
+              <a:srgbClr val="000000"/>
+            </a:solidFill>
+            <a:prstDash val="solid"/>
+            <a:round/>
+            <a:headEnd type="none" w="med" len="med"/>
+            <a:tailEnd type="none" w="med" len="med"/>
+          </a:ln>
+        </p:spPr>
+        <p:txBody>
+          <a:bodyPr lIns="91425" tIns="91425" rIns="91425" bIns="91425" anchor="t" anchorCtr="0">
+            <a:noAutofit/>
+          </a:bodyPr>
+          <a:lstStyle/>
+          <a:p>
+            <a:pPr lvl="0" algn="l" rtl="0">
+              <a:spcBef>
+                <a:spcPts val="0"/>
+              </a:spcBef>
+              <a:buNone/>
+            </a:pPr>
+            <a:r>
+              <a:rPr lang="en" sz="1600">
+                <a:latin typeface="Arial"/>
+                <a:ea typeface="Calibri"/>
+                <a:cs typeface="Arial"/>
+                <a:sym typeface="Calibri"/>
+              </a:rPr>
+              <a:t>Media Source A</a:t>
+            </a:r>
+          </a:p>
+        </p:txBody>
+      </p:sp>
+      <p:sp>
+        <p:nvSpPr>
+          <p:cNvPr id="117" name="Shape 117"/>
+          <p:cNvSpPr txBox="1"/>
+          <p:nvPr/>
+        </p:nvSpPr>
+        <p:spPr>
+          <a:xfrm>
+            <a:off x="4561175" y="1496533"/>
+            <a:ext cx="2184300" cy="609600"/>
+          </a:xfrm>
+          <a:prstGeom prst="rect">
+            <a:avLst/>
+          </a:prstGeom>
+          <a:noFill/>
+          <a:ln w="9525" cap="flat">
+            <a:solidFill>
+              <a:srgbClr val="000000"/>
+            </a:solidFill>
+            <a:prstDash val="solid"/>
+            <a:round/>
+            <a:headEnd type="none" w="med" len="med"/>
+            <a:tailEnd type="none" w="med" len="med"/>
+          </a:ln>
+        </p:spPr>
+        <p:txBody>
+          <a:bodyPr lIns="91425" tIns="91425" rIns="91425" bIns="91425" anchor="t" anchorCtr="0">
+            <a:noAutofit/>
+          </a:bodyPr>
+          <a:lstStyle/>
+          <a:p>
+            <a:pPr lvl="0" algn="l" rtl="0">
+              <a:spcBef>
+                <a:spcPts val="0"/>
+              </a:spcBef>
+              <a:buNone/>
+            </a:pPr>
+            <a:r>
+              <a:rPr lang="en" sz="1600">
+                <a:latin typeface="Arial"/>
+                <a:ea typeface="Calibri"/>
+                <a:cs typeface="Arial"/>
+                <a:sym typeface="Calibri"/>
+              </a:rPr>
+              <a:t>Media Source B</a:t>
+            </a:r>
+          </a:p>
+        </p:txBody>
+      </p:sp>
+      <p:cxnSp>
+        <p:nvCxnSpPr>
+          <p:cNvPr id="118" name="Shape 118"/>
+          <p:cNvCxnSpPr>
+            <a:stCxn id="116" idx="2"/>
+            <a:endCxn id="119" idx="0"/>
+          </p:cNvCxnSpPr>
+          <p:nvPr/>
+        </p:nvCxnSpPr>
+        <p:spPr>
+          <a:xfrm flipH="1">
+            <a:off x="2219400" y="2106133"/>
+            <a:ext cx="665400" cy="758400"/>
+          </a:xfrm>
+          <a:prstGeom prst="straightConnector1">
+            <a:avLst/>
+          </a:prstGeom>
+          <a:noFill/>
+          <a:ln w="19050" cap="flat">
+            <a:solidFill>
+              <a:srgbClr val="000000"/>
+            </a:solidFill>
+            <a:prstDash val="solid"/>
+            <a:round/>
+            <a:headEnd type="none" w="lg" len="lg"/>
+            <a:tailEnd type="none" w="lg" len="lg"/>
+          </a:ln>
+        </p:spPr>
+      </p:cxnSp>
+      <p:cxnSp>
+        <p:nvCxnSpPr>
+          <p:cNvPr id="120" name="Shape 120"/>
+          <p:cNvCxnSpPr>
+            <a:endCxn id="116" idx="2"/>
+          </p:cNvCxnSpPr>
+          <p:nvPr/>
+        </p:nvCxnSpPr>
+        <p:spPr>
+          <a:xfrm rot="10800000">
+            <a:off x="2884799" y="2106133"/>
+            <a:ext cx="767100" cy="758800"/>
+          </a:xfrm>
+          <a:prstGeom prst="straightConnector1">
+            <a:avLst/>
+          </a:prstGeom>
+          <a:noFill/>
+          <a:ln w="19050" cap="flat">
+            <a:solidFill>
+              <a:srgbClr val="000000"/>
+            </a:solidFill>
+            <a:prstDash val="solid"/>
+            <a:round/>
+            <a:headEnd type="none" w="lg" len="lg"/>
+            <a:tailEnd type="none" w="lg" len="lg"/>
+          </a:ln>
+        </p:spPr>
+      </p:cxnSp>
+      <p:sp>
+        <p:nvSpPr>
+          <p:cNvPr id="119" name="Shape 119"/>
+          <p:cNvSpPr txBox="1"/>
+          <p:nvPr/>
+        </p:nvSpPr>
+        <p:spPr>
+          <a:xfrm>
+            <a:off x="1680901" y="2864733"/>
+            <a:ext cx="1076999" cy="677200"/>
+          </a:xfrm>
+          <a:prstGeom prst="rect">
+            <a:avLst/>
+          </a:prstGeom>
+          <a:noFill/>
+          <a:ln w="9525" cap="flat">
+            <a:solidFill>
+              <a:srgbClr val="000000"/>
+            </a:solidFill>
+            <a:prstDash val="solid"/>
+            <a:round/>
+            <a:headEnd type="none" w="med" len="med"/>
+            <a:tailEnd type="none" w="med" len="med"/>
+          </a:ln>
+        </p:spPr>
+        <p:txBody>
+          <a:bodyPr lIns="91425" tIns="91425" rIns="91425" bIns="91425" anchor="t" anchorCtr="0">
+            <a:noAutofit/>
+          </a:bodyPr>
+          <a:lstStyle/>
+          <a:p>
+            <a:pPr lvl="0" algn="l" rtl="0">
+              <a:spcBef>
+                <a:spcPts val="0"/>
+              </a:spcBef>
+              <a:buNone/>
+            </a:pPr>
+            <a:r>
+              <a:rPr lang="en" sz="1200" dirty="0">
+                <a:latin typeface="Arial"/>
+                <a:ea typeface="Calibri"/>
+                <a:cs typeface="Arial"/>
+                <a:sym typeface="Calibri"/>
+              </a:rPr>
+              <a:t>Source RTP Stream </a:t>
+            </a:r>
+            <a:r>
+              <a:rPr lang="en-US" sz="1200" dirty="0" smtClean="0">
+                <a:latin typeface="Arial"/>
+                <a:ea typeface="Calibri"/>
+                <a:cs typeface="Arial"/>
+                <a:sym typeface="Calibri"/>
+              </a:rPr>
+              <a:t>A</a:t>
+            </a:r>
+            <a:r>
+              <a:rPr lang="en" sz="1200" dirty="0" smtClean="0">
+                <a:latin typeface="Arial"/>
+                <a:ea typeface="Calibri"/>
+                <a:cs typeface="Arial"/>
+                <a:sym typeface="Calibri"/>
+              </a:rPr>
+              <a:t>1</a:t>
+            </a:r>
+            <a:endParaRPr lang="en" sz="1200" dirty="0">
+              <a:latin typeface="Arial"/>
+              <a:ea typeface="Calibri"/>
+              <a:cs typeface="Arial"/>
+              <a:sym typeface="Calibri"/>
             </a:endParaRPr>
           </a:p>
         </p:txBody>
       </p:sp>
       <p:sp>
         <p:nvSpPr>
-          <p:cNvPr id="3" name="Content Placeholder 2"/>
-          <p:cNvSpPr>
-            <a:spLocks noGrp="1"/>
-          </p:cNvSpPr>
-          <p:nvPr>
-            <p:ph idx="1"/>
-          </p:nvPr>
-        </p:nvSpPr>
-        <p:spPr/>
-        <p:txBody>
-          <a:bodyPr/>
-          <a:lstStyle/>
-          <a:p>
-            <a:r>
-              <a:rPr lang="en-US" dirty="0" smtClean="0">
+          <p:cNvPr id="121" name="Shape 121"/>
+          <p:cNvSpPr txBox="1"/>
+          <p:nvPr/>
+        </p:nvSpPr>
+        <p:spPr>
+          <a:xfrm>
+            <a:off x="3103301" y="2864733"/>
+            <a:ext cx="1076999" cy="677200"/>
+          </a:xfrm>
+          <a:prstGeom prst="rect">
+            <a:avLst/>
+          </a:prstGeom>
+          <a:noFill/>
+          <a:ln w="9525" cap="flat">
+            <a:solidFill>
+              <a:srgbClr val="000000"/>
+            </a:solidFill>
+            <a:prstDash val="solid"/>
+            <a:round/>
+            <a:headEnd type="none" w="med" len="med"/>
+            <a:tailEnd type="none" w="med" len="med"/>
+          </a:ln>
+        </p:spPr>
+        <p:txBody>
+          <a:bodyPr lIns="91425" tIns="91425" rIns="91425" bIns="91425" anchor="t" anchorCtr="0">
+            <a:noAutofit/>
+          </a:bodyPr>
+          <a:lstStyle/>
+          <a:p>
+            <a:pPr lvl="0" algn="l" rtl="0">
+              <a:spcBef>
+                <a:spcPts val="0"/>
+              </a:spcBef>
+              <a:buNone/>
+            </a:pPr>
+            <a:r>
+              <a:rPr lang="en" sz="1200" dirty="0">
+                <a:latin typeface="Arial"/>
+                <a:ea typeface="Calibri"/>
+                <a:cs typeface="Arial"/>
+                <a:sym typeface="Calibri"/>
+              </a:rPr>
+              <a:t>Source RTP </a:t>
+            </a:r>
+            <a:r>
+              <a:rPr lang="en" sz="1200" dirty="0">
+                <a:solidFill>
+                  <a:srgbClr val="FF0000"/>
+                </a:solidFill>
+                <a:latin typeface="Arial"/>
+                <a:ea typeface="Calibri"/>
+                <a:cs typeface="Arial"/>
+                <a:sym typeface="Calibri"/>
+              </a:rPr>
+              <a:t>Stream </a:t>
+            </a:r>
+            <a:r>
+              <a:rPr lang="en-US" sz="1200" dirty="0" smtClean="0">
+                <a:solidFill>
+                  <a:srgbClr val="FF0000"/>
+                </a:solidFill>
+                <a:latin typeface="Arial"/>
+                <a:ea typeface="Calibri"/>
+                <a:cs typeface="Arial"/>
+                <a:sym typeface="Calibri"/>
+              </a:rPr>
+              <a:t>A</a:t>
+            </a:r>
+            <a:r>
+              <a:rPr lang="en" sz="1200" dirty="0" smtClean="0">
+                <a:solidFill>
+                  <a:srgbClr val="FF0000"/>
+                </a:solidFill>
+                <a:latin typeface="Arial"/>
+                <a:ea typeface="Calibri"/>
+                <a:cs typeface="Arial"/>
+                <a:sym typeface="Calibri"/>
+              </a:rPr>
+              <a:t>2</a:t>
+            </a:r>
+            <a:endParaRPr lang="en" sz="1200" dirty="0">
+              <a:solidFill>
+                <a:srgbClr val="FF0000"/>
+              </a:solidFill>
+              <a:latin typeface="Arial"/>
+              <a:ea typeface="Calibri"/>
+              <a:cs typeface="Arial"/>
+              <a:sym typeface="Calibri"/>
+            </a:endParaRPr>
+          </a:p>
+        </p:txBody>
+      </p:sp>
+      <p:cxnSp>
+        <p:nvCxnSpPr>
+          <p:cNvPr id="122" name="Shape 122"/>
+          <p:cNvCxnSpPr>
+            <a:stCxn id="117" idx="2"/>
+            <a:endCxn id="123" idx="0"/>
+          </p:cNvCxnSpPr>
+          <p:nvPr/>
+        </p:nvCxnSpPr>
+        <p:spPr>
+          <a:xfrm flipH="1">
+            <a:off x="5008325" y="2106133"/>
+            <a:ext cx="645000" cy="758800"/>
+          </a:xfrm>
+          <a:prstGeom prst="straightConnector1">
+            <a:avLst/>
+          </a:prstGeom>
+          <a:noFill/>
+          <a:ln w="19050" cap="flat">
+            <a:solidFill>
+              <a:srgbClr val="000000"/>
+            </a:solidFill>
+            <a:prstDash val="solid"/>
+            <a:round/>
+            <a:headEnd type="none" w="lg" len="lg"/>
+            <a:tailEnd type="none" w="lg" len="lg"/>
+          </a:ln>
+        </p:spPr>
+      </p:cxnSp>
+      <p:cxnSp>
+        <p:nvCxnSpPr>
+          <p:cNvPr id="124" name="Shape 124"/>
+          <p:cNvCxnSpPr>
+            <a:stCxn id="125" idx="0"/>
+            <a:endCxn id="117" idx="2"/>
+          </p:cNvCxnSpPr>
+          <p:nvPr/>
+        </p:nvCxnSpPr>
+        <p:spPr>
+          <a:xfrm rot="10800000">
+            <a:off x="5653349" y="2106133"/>
+            <a:ext cx="777300" cy="758800"/>
+          </a:xfrm>
+          <a:prstGeom prst="straightConnector1">
+            <a:avLst/>
+          </a:prstGeom>
+          <a:noFill/>
+          <a:ln w="19050" cap="flat">
+            <a:solidFill>
+              <a:srgbClr val="000000"/>
+            </a:solidFill>
+            <a:prstDash val="solid"/>
+            <a:round/>
+            <a:headEnd type="none" w="lg" len="lg"/>
+            <a:tailEnd type="none" w="lg" len="lg"/>
+          </a:ln>
+        </p:spPr>
+      </p:cxnSp>
+      <p:sp>
+        <p:nvSpPr>
+          <p:cNvPr id="123" name="Shape 123"/>
+          <p:cNvSpPr txBox="1"/>
+          <p:nvPr/>
+        </p:nvSpPr>
+        <p:spPr>
+          <a:xfrm>
+            <a:off x="4469751" y="2864933"/>
+            <a:ext cx="1076999" cy="677200"/>
+          </a:xfrm>
+          <a:prstGeom prst="rect">
+            <a:avLst/>
+          </a:prstGeom>
+          <a:noFill/>
+          <a:ln w="9525" cap="flat">
+            <a:solidFill>
+              <a:srgbClr val="000000"/>
+            </a:solidFill>
+            <a:prstDash val="solid"/>
+            <a:round/>
+            <a:headEnd type="none" w="med" len="med"/>
+            <a:tailEnd type="none" w="med" len="med"/>
+          </a:ln>
+        </p:spPr>
+        <p:txBody>
+          <a:bodyPr lIns="91425" tIns="91425" rIns="91425" bIns="91425" anchor="t" anchorCtr="0">
+            <a:noAutofit/>
+          </a:bodyPr>
+          <a:lstStyle/>
+          <a:p>
+            <a:pPr lvl="0" algn="l" rtl="0">
+              <a:spcBef>
+                <a:spcPts val="0"/>
+              </a:spcBef>
+              <a:buNone/>
+            </a:pPr>
+            <a:r>
+              <a:rPr lang="en" sz="1200" dirty="0">
+                <a:latin typeface="Arial"/>
+                <a:ea typeface="Calibri"/>
+                <a:cs typeface="Arial"/>
+                <a:sym typeface="Calibri"/>
+              </a:rPr>
+              <a:t>Source RTP Stream </a:t>
+            </a:r>
+            <a:r>
+              <a:rPr lang="en-US" sz="1200" dirty="0" smtClean="0">
+                <a:latin typeface="Arial"/>
+                <a:ea typeface="Calibri"/>
+                <a:cs typeface="Arial"/>
+                <a:sym typeface="Calibri"/>
+              </a:rPr>
+              <a:t>B</a:t>
+            </a:r>
+            <a:r>
+              <a:rPr lang="en" sz="1200" dirty="0" smtClean="0">
+                <a:latin typeface="Arial"/>
+                <a:ea typeface="Calibri"/>
+                <a:cs typeface="Arial"/>
+                <a:sym typeface="Calibri"/>
+              </a:rPr>
+              <a:t>3</a:t>
+            </a:r>
+            <a:endParaRPr lang="en" sz="1200" dirty="0">
+              <a:latin typeface="Arial"/>
+              <a:ea typeface="Calibri"/>
+              <a:cs typeface="Arial"/>
+              <a:sym typeface="Calibri"/>
+            </a:endParaRPr>
+          </a:p>
+        </p:txBody>
+      </p:sp>
+      <p:sp>
+        <p:nvSpPr>
+          <p:cNvPr id="125" name="Shape 125"/>
+          <p:cNvSpPr txBox="1"/>
+          <p:nvPr/>
+        </p:nvSpPr>
+        <p:spPr>
+          <a:xfrm>
+            <a:off x="5892151" y="2864933"/>
+            <a:ext cx="1076999" cy="677200"/>
+          </a:xfrm>
+          <a:prstGeom prst="rect">
+            <a:avLst/>
+          </a:prstGeom>
+          <a:noFill/>
+          <a:ln w="9525" cap="flat">
+            <a:solidFill>
+              <a:srgbClr val="000000"/>
+            </a:solidFill>
+            <a:prstDash val="solid"/>
+            <a:round/>
+            <a:headEnd type="none" w="med" len="med"/>
+            <a:tailEnd type="none" w="med" len="med"/>
+          </a:ln>
+        </p:spPr>
+        <p:txBody>
+          <a:bodyPr lIns="91425" tIns="91425" rIns="91425" bIns="91425" anchor="t" anchorCtr="0">
+            <a:noAutofit/>
+          </a:bodyPr>
+          <a:lstStyle/>
+          <a:p>
+            <a:pPr lvl="0" algn="l" rtl="0">
+              <a:spcBef>
+                <a:spcPts val="0"/>
+              </a:spcBef>
+              <a:buNone/>
+            </a:pPr>
+            <a:r>
+              <a:rPr lang="en" sz="1200" dirty="0">
+                <a:latin typeface="Arial"/>
+                <a:ea typeface="Calibri"/>
+                <a:cs typeface="Arial"/>
+                <a:sym typeface="Calibri"/>
+              </a:rPr>
+              <a:t>Source RTP </a:t>
+            </a:r>
+            <a:r>
+              <a:rPr lang="en" sz="1200" dirty="0">
+                <a:solidFill>
+                  <a:srgbClr val="FF0000"/>
+                </a:solidFill>
+                <a:latin typeface="Arial"/>
+                <a:ea typeface="Calibri"/>
+                <a:cs typeface="Arial"/>
+                <a:sym typeface="Calibri"/>
+              </a:rPr>
+              <a:t>Stream </a:t>
+            </a:r>
+            <a:r>
+              <a:rPr lang="en-US" sz="1200" dirty="0" smtClean="0">
+                <a:solidFill>
+                  <a:srgbClr val="FF0000"/>
+                </a:solidFill>
+                <a:latin typeface="Arial"/>
+                <a:ea typeface="Calibri"/>
+                <a:cs typeface="Arial"/>
+                <a:sym typeface="Calibri"/>
+              </a:rPr>
+              <a:t>B</a:t>
+            </a:r>
+            <a:r>
+              <a:rPr lang="en" sz="1200" dirty="0" smtClean="0">
+                <a:solidFill>
+                  <a:srgbClr val="FF0000"/>
+                </a:solidFill>
+                <a:latin typeface="Arial"/>
+                <a:ea typeface="Calibri"/>
+                <a:cs typeface="Arial"/>
+                <a:sym typeface="Calibri"/>
+              </a:rPr>
+              <a:t>4</a:t>
+            </a:r>
+            <a:endParaRPr lang="en" sz="1200" dirty="0">
+              <a:solidFill>
+                <a:srgbClr val="FF0000"/>
+              </a:solidFill>
+              <a:latin typeface="Arial"/>
+              <a:ea typeface="Calibri"/>
+              <a:cs typeface="Arial"/>
+              <a:sym typeface="Calibri"/>
+            </a:endParaRPr>
+          </a:p>
+        </p:txBody>
+      </p:sp>
+      <p:sp>
+        <p:nvSpPr>
+          <p:cNvPr id="126" name="Shape 126"/>
+          <p:cNvSpPr txBox="1"/>
+          <p:nvPr/>
+        </p:nvSpPr>
+        <p:spPr>
+          <a:xfrm>
+            <a:off x="2800901" y="4529933"/>
+            <a:ext cx="1681799" cy="758800"/>
+          </a:xfrm>
+          <a:prstGeom prst="rect">
+            <a:avLst/>
+          </a:prstGeom>
+          <a:noFill/>
+          <a:ln w="9525" cap="flat">
+            <a:solidFill>
+              <a:srgbClr val="000000"/>
+            </a:solidFill>
+            <a:prstDash val="solid"/>
+            <a:round/>
+            <a:headEnd type="none" w="med" len="med"/>
+            <a:tailEnd type="none" w="med" len="med"/>
+          </a:ln>
+        </p:spPr>
+        <p:txBody>
+          <a:bodyPr lIns="91425" tIns="91425" rIns="91425" bIns="91425" anchor="t" anchorCtr="0">
+            <a:noAutofit/>
+          </a:bodyPr>
+          <a:lstStyle/>
+          <a:p>
+            <a:pPr lvl="0" algn="l" rtl="0">
+              <a:spcBef>
+                <a:spcPts val="0"/>
+              </a:spcBef>
+              <a:buNone/>
+            </a:pPr>
+            <a:r>
+              <a:rPr lang="en" sz="1200" dirty="0">
+                <a:latin typeface="Arial"/>
+                <a:ea typeface="Calibri"/>
+                <a:cs typeface="Arial"/>
+                <a:sym typeface="Calibri"/>
+              </a:rPr>
+              <a:t>FEC RTP Stream for </a:t>
+            </a:r>
+            <a:r>
+              <a:rPr lang="en" sz="1200" dirty="0">
+                <a:solidFill>
+                  <a:srgbClr val="FF0000"/>
+                </a:solidFill>
+                <a:latin typeface="Arial"/>
+                <a:ea typeface="Calibri"/>
+                <a:cs typeface="Arial"/>
+                <a:sym typeface="Calibri"/>
+              </a:rPr>
+              <a:t>RSID </a:t>
+            </a:r>
+            <a:r>
+              <a:rPr lang="en-US" sz="1200" dirty="0" smtClean="0">
+                <a:solidFill>
+                  <a:srgbClr val="FF0000"/>
+                </a:solidFill>
+                <a:latin typeface="Arial"/>
+                <a:ea typeface="Calibri"/>
+                <a:cs typeface="Arial"/>
+                <a:sym typeface="Calibri"/>
+              </a:rPr>
+              <a:t>A</a:t>
+            </a:r>
+            <a:r>
+              <a:rPr lang="en" sz="1200" dirty="0" smtClean="0">
+                <a:solidFill>
+                  <a:srgbClr val="FF0000"/>
+                </a:solidFill>
+                <a:latin typeface="Arial"/>
+                <a:ea typeface="Calibri"/>
+                <a:cs typeface="Arial"/>
+                <a:sym typeface="Calibri"/>
+              </a:rPr>
+              <a:t>2</a:t>
+            </a:r>
+            <a:endParaRPr lang="en" sz="1200" dirty="0">
+              <a:solidFill>
+                <a:srgbClr val="FF0000"/>
+              </a:solidFill>
+              <a:latin typeface="Arial"/>
+              <a:ea typeface="Calibri"/>
+              <a:cs typeface="Arial"/>
+              <a:sym typeface="Calibri"/>
+            </a:endParaRPr>
+          </a:p>
+        </p:txBody>
+      </p:sp>
+      <p:cxnSp>
+        <p:nvCxnSpPr>
+          <p:cNvPr id="127" name="Shape 127"/>
+          <p:cNvCxnSpPr>
+            <a:stCxn id="121" idx="2"/>
+            <a:endCxn id="126" idx="0"/>
+          </p:cNvCxnSpPr>
+          <p:nvPr/>
+        </p:nvCxnSpPr>
+        <p:spPr>
+          <a:xfrm>
+            <a:off x="3641799" y="3541933"/>
+            <a:ext cx="0" cy="988000"/>
+          </a:xfrm>
+          <a:prstGeom prst="straightConnector1">
+            <a:avLst/>
+          </a:prstGeom>
+          <a:noFill/>
+          <a:ln w="19050" cap="flat">
+            <a:solidFill>
+              <a:schemeClr val="dk2"/>
+            </a:solidFill>
+            <a:prstDash val="solid"/>
+            <a:round/>
+            <a:headEnd type="none" w="lg" len="lg"/>
+            <a:tailEnd type="none" w="lg" len="lg"/>
+          </a:ln>
+        </p:spPr>
+      </p:cxnSp>
+      <p:sp>
+        <p:nvSpPr>
+          <p:cNvPr id="128" name="Shape 128"/>
+          <p:cNvSpPr txBox="1"/>
+          <p:nvPr/>
+        </p:nvSpPr>
+        <p:spPr>
+          <a:xfrm>
+            <a:off x="-33200" y="5560301"/>
+            <a:ext cx="9144000" cy="1304399"/>
+          </a:xfrm>
+          <a:prstGeom prst="rect">
+            <a:avLst/>
+          </a:prstGeom>
+          <a:noFill/>
+          <a:ln>
+            <a:noFill/>
+          </a:ln>
+        </p:spPr>
+        <p:txBody>
+          <a:bodyPr lIns="91425" tIns="91425" rIns="91425" bIns="91425" anchor="ctr" anchorCtr="0">
+            <a:noAutofit/>
+          </a:bodyPr>
+          <a:lstStyle/>
+          <a:p>
+            <a:pPr lvl="0" algn="ctr" rtl="0">
+              <a:spcBef>
+                <a:spcPts val="600"/>
+              </a:spcBef>
+              <a:buNone/>
+            </a:pPr>
+            <a:r>
+              <a:rPr lang="en" sz="2400" dirty="0">
+                <a:solidFill>
+                  <a:srgbClr val="FF0000"/>
+                </a:solidFill>
                 <a:latin typeface="Nexa Light"/>
                 <a:cs typeface="Nexa Light"/>
               </a:rPr>
-              <a:t>More reviews appreciated</a:t>
-            </a:r>
-          </a:p>
-          <a:p>
-            <a:endParaRPr lang="en-US" dirty="0">
-              <a:latin typeface="Nexa Light"/>
-              <a:cs typeface="Nexa Light"/>
+              <a:t>Solution</a:t>
+            </a:r>
+            <a:r>
+              <a:rPr lang="en" sz="2400" dirty="0">
+                <a:solidFill>
+                  <a:schemeClr val="dk1"/>
+                </a:solidFill>
+                <a:latin typeface="Nexa Light"/>
+                <a:cs typeface="Nexa Light"/>
+              </a:rPr>
+              <a:t>: RSID identifies the Source RTP Stream</a:t>
+            </a:r>
+          </a:p>
+        </p:txBody>
+      </p:sp>
+      <p:sp>
+        <p:nvSpPr>
+          <p:cNvPr id="129" name="Shape 129"/>
+          <p:cNvSpPr txBox="1"/>
+          <p:nvPr/>
+        </p:nvSpPr>
+        <p:spPr>
+          <a:xfrm>
+            <a:off x="5589751" y="4547116"/>
+            <a:ext cx="1681799" cy="758800"/>
+          </a:xfrm>
+          <a:prstGeom prst="rect">
+            <a:avLst/>
+          </a:prstGeom>
+          <a:noFill/>
+          <a:ln w="9525" cap="flat">
+            <a:solidFill>
+              <a:srgbClr val="000000"/>
+            </a:solidFill>
+            <a:prstDash val="solid"/>
+            <a:round/>
+            <a:headEnd type="none" w="med" len="med"/>
+            <a:tailEnd type="none" w="med" len="med"/>
+          </a:ln>
+        </p:spPr>
+        <p:txBody>
+          <a:bodyPr lIns="91425" tIns="91425" rIns="91425" bIns="91425" anchor="t" anchorCtr="0">
+            <a:noAutofit/>
+          </a:bodyPr>
+          <a:lstStyle/>
+          <a:p>
+            <a:pPr lvl="0" algn="l" rtl="0">
+              <a:spcBef>
+                <a:spcPts val="0"/>
+              </a:spcBef>
+              <a:buNone/>
+            </a:pPr>
+            <a:r>
+              <a:rPr lang="en" sz="1200" dirty="0">
+                <a:latin typeface="Arial"/>
+                <a:ea typeface="Calibri"/>
+                <a:cs typeface="Arial"/>
+                <a:sym typeface="Calibri"/>
+              </a:rPr>
+              <a:t>FEC RTP Stream for </a:t>
+            </a:r>
+            <a:r>
+              <a:rPr lang="en" sz="1200" dirty="0">
+                <a:solidFill>
+                  <a:srgbClr val="FF0000"/>
+                </a:solidFill>
+                <a:latin typeface="Arial"/>
+                <a:ea typeface="Calibri"/>
+                <a:cs typeface="Arial"/>
+                <a:sym typeface="Calibri"/>
+              </a:rPr>
+              <a:t>RSID </a:t>
+            </a:r>
+            <a:r>
+              <a:rPr lang="en-US" sz="1200" dirty="0" smtClean="0">
+                <a:solidFill>
+                  <a:srgbClr val="FF0000"/>
+                </a:solidFill>
+                <a:latin typeface="Arial"/>
+                <a:ea typeface="Calibri"/>
+                <a:cs typeface="Arial"/>
+                <a:sym typeface="Calibri"/>
+              </a:rPr>
+              <a:t>B4</a:t>
+            </a:r>
+            <a:endParaRPr lang="en" sz="1200" dirty="0">
+              <a:solidFill>
+                <a:srgbClr val="FF0000"/>
+              </a:solidFill>
+              <a:latin typeface="Arial"/>
+              <a:ea typeface="Calibri"/>
+              <a:cs typeface="Arial"/>
+              <a:sym typeface="Calibri"/>
             </a:endParaRPr>
           </a:p>
-          <a:p>
-            <a:endParaRPr lang="en-US" dirty="0" smtClean="0">
-              <a:latin typeface="Courier"/>
-              <a:cs typeface="Courier"/>
-            </a:endParaRPr>
-          </a:p>
-          <a:p>
-            <a:pPr marL="457200" lvl="1" indent="0">
+        </p:txBody>
+      </p:sp>
+      <p:cxnSp>
+        <p:nvCxnSpPr>
+          <p:cNvPr id="130" name="Shape 130"/>
+          <p:cNvCxnSpPr>
+            <a:endCxn id="129" idx="0"/>
+          </p:cNvCxnSpPr>
+          <p:nvPr/>
+        </p:nvCxnSpPr>
+        <p:spPr>
+          <a:xfrm>
+            <a:off x="6430649" y="3559116"/>
+            <a:ext cx="0" cy="988000"/>
+          </a:xfrm>
+          <a:prstGeom prst="straightConnector1">
+            <a:avLst/>
+          </a:prstGeom>
+          <a:noFill/>
+          <a:ln w="19050" cap="flat">
+            <a:solidFill>
+              <a:schemeClr val="dk2"/>
+            </a:solidFill>
+            <a:prstDash val="solid"/>
+            <a:round/>
+            <a:headEnd type="none" w="lg" len="lg"/>
+            <a:tailEnd type="none" w="lg" len="lg"/>
+          </a:ln>
+        </p:spPr>
+      </p:cxnSp>
+      <p:sp>
+        <p:nvSpPr>
+          <p:cNvPr id="2" name="Slide Number Placeholder 1"/>
+          <p:cNvSpPr>
+            <a:spLocks noGrp="1"/>
+          </p:cNvSpPr>
+          <p:nvPr>
+            <p:ph type="sldNum" idx="12"/>
+          </p:nvPr>
+        </p:nvSpPr>
+        <p:spPr/>
+        <p:txBody>
+          <a:bodyPr/>
+          <a:lstStyle/>
+          <a:p>
+            <a:pPr>
+              <a:spcBef>
+                <a:spcPts val="0"/>
+              </a:spcBef>
               <a:buNone/>
             </a:pPr>
-            <a:endParaRPr lang="en-US" dirty="0" smtClean="0">
-              <a:latin typeface="Nexa Light"/>
-              <a:cs typeface="Nexa Light"/>
-            </a:endParaRPr>
-          </a:p>
-          <a:p>
-            <a:endParaRPr lang="en-US" dirty="0">
-              <a:latin typeface="Nexa Light"/>
-              <a:cs typeface="Nexa Light"/>
-            </a:endParaRPr>
-          </a:p>
-        </p:txBody>
-      </p:sp>
-      <p:sp>
-        <p:nvSpPr>
-          <p:cNvPr id="4" name="Slide Number Placeholder 3"/>
-          <p:cNvSpPr>
-            <a:spLocks noGrp="1"/>
-          </p:cNvSpPr>
-          <p:nvPr>
-            <p:ph type="sldNum" sz="quarter" idx="12"/>
-          </p:nvPr>
-        </p:nvSpPr>
-        <p:spPr/>
-        <p:txBody>
-          <a:bodyPr/>
-          <a:lstStyle/>
-          <a:p>
-            <a:fld id="{9B6618E2-E5B0-2B41-B19C-D94ACC3B6B9F}" type="slidenum">
-              <a:rPr lang="en-US" smtClean="0"/>
+            <a:fld id="{00000000-1234-1234-1234-123412341234}" type="slidenum">
+              <a:rPr lang="en" smtClean="0"/>
               <a:t>8</a:t>
             </a:fld>
-            <a:endParaRPr lang="en-US"/>
+            <a:endParaRPr lang="en"/>
           </a:p>
         </p:txBody>
       </p:sp>
     </p:spTree>
     <p:extLst>
       <p:ext uri="{BB962C8B-B14F-4D97-AF65-F5344CB8AC3E}">
-        <p14:creationId xmlns:p14="http://schemas.microsoft.com/office/powerpoint/2010/main" val="2823572203"/>
+        <p14:creationId xmlns:p14="http://schemas.microsoft.com/office/powerpoint/2010/main" val="674105146"/>
       </p:ext>
     </p:extLst>
   </p:cSld>
   <p:clrMapOvr>
     <a:masterClrMapping/>
   </p:clrMapOvr>
+  <p:transition xmlns:p14="http://schemas.microsoft.com/office/powerpoint/2010/main" spd="slow">
+    <p:cut/>
+  </p:transition>
 </p:sld>
 </file>
 
@@ -8604,7 +13919,7 @@
   <p:cSld>
     <p:spTree>
       <p:nvGrpSpPr>
-        <p:cNvPr id="1" name=""/>
+        <p:cNvPr id="1" name="Shape 135"/>
         <p:cNvGrpSpPr/>
         <p:nvPr/>
       </p:nvGrpSpPr>
@@ -8618,261 +13933,623 @@
       </p:grpSpPr>
       <p:sp>
         <p:nvSpPr>
-          <p:cNvPr id="2" name="Title 1"/>
-          <p:cNvSpPr>
+          <p:cNvPr id="136" name="Shape 136"/>
+          <p:cNvSpPr txBox="1">
             <a:spLocks noGrp="1"/>
           </p:cNvSpPr>
           <p:nvPr>
             <p:ph type="title"/>
           </p:nvPr>
         </p:nvSpPr>
-        <p:spPr/>
-        <p:txBody>
-          <a:bodyPr>
-            <a:normAutofit fontScale="90000"/>
+        <p:spPr>
+          <a:xfrm>
+            <a:off x="457200" y="274637"/>
+            <a:ext cx="8229600" cy="1143200"/>
+          </a:xfrm>
+          <a:prstGeom prst="rect">
+            <a:avLst/>
+          </a:prstGeom>
+        </p:spPr>
+        <p:txBody>
+          <a:bodyPr lIns="91425" tIns="91425" rIns="91425" bIns="91425" anchor="b" anchorCtr="0">
+            <a:noAutofit/>
           </a:bodyPr>
           <a:lstStyle/>
           <a:p>
-            <a:r>
-              <a:rPr lang="en-US" dirty="0" smtClean="0"/>
-              <a:t>Extra Slide: </a:t>
-            </a:r>
-            <a:br>
-              <a:rPr lang="en-US" dirty="0" smtClean="0"/>
-            </a:br>
-            <a:r>
-              <a:rPr lang="en-US" dirty="0" smtClean="0"/>
-              <a:t>M and N values </a:t>
-            </a:r>
-            <a:endParaRPr lang="en-US" dirty="0"/>
-          </a:p>
-        </p:txBody>
-      </p:sp>
-      <p:sp>
-        <p:nvSpPr>
-          <p:cNvPr id="3" name="Content Placeholder 2"/>
-          <p:cNvSpPr>
-            <a:spLocks noGrp="1"/>
-          </p:cNvSpPr>
-          <p:nvPr>
-            <p:ph idx="1"/>
-          </p:nvPr>
-        </p:nvSpPr>
-        <p:spPr/>
-        <p:txBody>
-          <a:bodyPr>
-            <a:normAutofit/>
+            <a:pPr>
+              <a:spcBef>
+                <a:spcPts val="0"/>
+              </a:spcBef>
+              <a:buNone/>
+            </a:pPr>
+            <a:r>
+              <a:rPr lang="en-US" dirty="0" smtClean="0">
+                <a:latin typeface="Nexa Bold"/>
+                <a:cs typeface="Nexa Bold"/>
+              </a:rPr>
+              <a:t>Use of </a:t>
+            </a:r>
+            <a:r>
+              <a:rPr lang="en" dirty="0" smtClean="0">
+                <a:latin typeface="Nexa Bold"/>
+                <a:cs typeface="Nexa Bold"/>
+              </a:rPr>
+              <a:t>Header </a:t>
+            </a:r>
+            <a:r>
+              <a:rPr lang="en" dirty="0">
+                <a:latin typeface="Nexa Bold"/>
+                <a:cs typeface="Nexa Bold"/>
+              </a:rPr>
+              <a:t>Extension</a:t>
+            </a:r>
+          </a:p>
+        </p:txBody>
+      </p:sp>
+      <p:sp>
+        <p:nvSpPr>
+          <p:cNvPr id="137" name="Shape 137"/>
+          <p:cNvSpPr txBox="1"/>
+          <p:nvPr/>
+        </p:nvSpPr>
+        <p:spPr>
+          <a:xfrm>
+            <a:off x="816873" y="2773649"/>
+            <a:ext cx="1542899" cy="486799"/>
+          </a:xfrm>
+          <a:prstGeom prst="rect">
+            <a:avLst/>
+          </a:prstGeom>
+          <a:noFill/>
+          <a:ln>
+            <a:noFill/>
+          </a:ln>
+        </p:spPr>
+        <p:txBody>
+          <a:bodyPr lIns="91425" tIns="91425" rIns="91425" bIns="91425" anchor="t" anchorCtr="0">
+            <a:noAutofit/>
           </a:bodyPr>
           <a:lstStyle/>
           <a:p>
-            <a:r>
-              <a:rPr lang="en-US" dirty="0" smtClean="0"/>
-              <a:t>M</a:t>
-            </a:r>
-            <a:r>
-              <a:rPr lang="en-US" dirty="0" smtClean="0"/>
-              <a:t>&gt;0, N=0 </a:t>
-            </a:r>
-            <a:r>
-              <a:rPr lang="en-US" dirty="0" smtClean="0">
-                <a:sym typeface="Wingdings"/>
-              </a:rPr>
-              <a:t> row of M non-interleaved packets starting from </a:t>
-            </a:r>
-            <a:r>
-              <a:rPr lang="en-US" dirty="0" err="1" smtClean="0">
-                <a:sym typeface="Wingdings"/>
-              </a:rPr>
-              <a:t>SN_base</a:t>
-            </a:r>
-            <a:r>
-              <a:rPr lang="en-US" dirty="0" smtClean="0">
-                <a:sym typeface="Wingdings"/>
-              </a:rPr>
-              <a:t>:</a:t>
-            </a:r>
-          </a:p>
-          <a:p>
-            <a:pPr marL="457200" lvl="1" indent="0">
+            <a:pPr>
+              <a:spcBef>
+                <a:spcPts val="0"/>
+              </a:spcBef>
               <a:buNone/>
             </a:pPr>
             <a:r>
-              <a:rPr lang="en-US" dirty="0" smtClean="0">
-                <a:latin typeface="Consolas"/>
-                <a:cs typeface="Consolas"/>
-                <a:sym typeface="Wingdings"/>
-              </a:rPr>
-              <a:t>	SN</a:t>
-            </a:r>
-            <a:r>
-              <a:rPr lang="en-US" dirty="0">
-                <a:latin typeface="Consolas"/>
-                <a:cs typeface="Consolas"/>
-                <a:sym typeface="Wingdings"/>
-              </a:rPr>
-              <a:t>, SN+1, SN+2</a:t>
-            </a:r>
-            <a:r>
-              <a:rPr lang="en-US" dirty="0" smtClean="0">
-                <a:latin typeface="Consolas"/>
-                <a:cs typeface="Consolas"/>
-                <a:sym typeface="Wingdings"/>
-              </a:rPr>
-              <a:t>,…, </a:t>
-            </a:r>
-            <a:r>
-              <a:rPr lang="en-US" dirty="0">
-                <a:latin typeface="Consolas"/>
-                <a:cs typeface="Consolas"/>
-                <a:sym typeface="Wingdings"/>
-              </a:rPr>
-              <a:t>SN+(M-1</a:t>
-            </a:r>
-            <a:r>
-              <a:rPr lang="en-US" dirty="0" smtClean="0">
-                <a:latin typeface="Consolas"/>
-                <a:cs typeface="Consolas"/>
-                <a:sym typeface="Wingdings"/>
-              </a:rPr>
-              <a:t>)</a:t>
-            </a:r>
-          </a:p>
-          <a:p>
-            <a:pPr lvl="1"/>
-            <a:endParaRPr lang="en-US" dirty="0" smtClean="0">
-              <a:sym typeface="Wingdings"/>
+              <a:rPr lang="en" sz="1400">
+                <a:latin typeface="Arial"/>
+                <a:cs typeface="Arial"/>
+              </a:rPr>
+              <a:t>Source Stream 1</a:t>
+            </a:r>
+          </a:p>
+        </p:txBody>
+      </p:sp>
+      <p:sp>
+        <p:nvSpPr>
+          <p:cNvPr id="138" name="Shape 138"/>
+          <p:cNvSpPr txBox="1"/>
+          <p:nvPr/>
+        </p:nvSpPr>
+        <p:spPr>
+          <a:xfrm>
+            <a:off x="816873" y="3260450"/>
+            <a:ext cx="1684199" cy="486799"/>
+          </a:xfrm>
+          <a:prstGeom prst="rect">
+            <a:avLst/>
+          </a:prstGeom>
+          <a:noFill/>
+          <a:ln>
+            <a:noFill/>
+          </a:ln>
+        </p:spPr>
+        <p:txBody>
+          <a:bodyPr lIns="91425" tIns="91425" rIns="91425" bIns="91425" anchor="t" anchorCtr="0">
+            <a:noAutofit/>
+          </a:bodyPr>
+          <a:lstStyle/>
+          <a:p>
+            <a:pPr lvl="0" rtl="0">
+              <a:spcBef>
+                <a:spcPts val="0"/>
+              </a:spcBef>
+              <a:buNone/>
+            </a:pPr>
+            <a:r>
+              <a:rPr lang="en" sz="1400">
+                <a:latin typeface="Arial"/>
+                <a:cs typeface="Arial"/>
+              </a:rPr>
+              <a:t>FEC Stream for 1</a:t>
+            </a:r>
+          </a:p>
+        </p:txBody>
+      </p:sp>
+      <p:sp>
+        <p:nvSpPr>
+          <p:cNvPr id="139" name="Shape 139"/>
+          <p:cNvSpPr txBox="1"/>
+          <p:nvPr/>
+        </p:nvSpPr>
+        <p:spPr>
+          <a:xfrm>
+            <a:off x="816873" y="4654905"/>
+            <a:ext cx="1542899" cy="486799"/>
+          </a:xfrm>
+          <a:prstGeom prst="rect">
+            <a:avLst/>
+          </a:prstGeom>
+          <a:noFill/>
+          <a:ln>
+            <a:noFill/>
+          </a:ln>
+        </p:spPr>
+        <p:txBody>
+          <a:bodyPr lIns="91425" tIns="91425" rIns="91425" bIns="91425" anchor="t" anchorCtr="0">
+            <a:noAutofit/>
+          </a:bodyPr>
+          <a:lstStyle/>
+          <a:p>
+            <a:pPr lvl="0" rtl="0">
+              <a:spcBef>
+                <a:spcPts val="0"/>
+              </a:spcBef>
+              <a:buNone/>
+            </a:pPr>
+            <a:r>
+              <a:rPr lang="en" sz="1400">
+                <a:latin typeface="Arial"/>
+                <a:cs typeface="Arial"/>
+              </a:rPr>
+              <a:t>Source Stream 2</a:t>
+            </a:r>
+          </a:p>
+        </p:txBody>
+      </p:sp>
+      <p:sp>
+        <p:nvSpPr>
+          <p:cNvPr id="140" name="Shape 140"/>
+          <p:cNvSpPr txBox="1"/>
+          <p:nvPr/>
+        </p:nvSpPr>
+        <p:spPr>
+          <a:xfrm>
+            <a:off x="816873" y="5189972"/>
+            <a:ext cx="1684199" cy="486799"/>
+          </a:xfrm>
+          <a:prstGeom prst="rect">
+            <a:avLst/>
+          </a:prstGeom>
+          <a:noFill/>
+          <a:ln>
+            <a:noFill/>
+          </a:ln>
+        </p:spPr>
+        <p:txBody>
+          <a:bodyPr lIns="91425" tIns="91425" rIns="91425" bIns="91425" anchor="t" anchorCtr="0">
+            <a:noAutofit/>
+          </a:bodyPr>
+          <a:lstStyle/>
+          <a:p>
+            <a:pPr lvl="0" rtl="0">
+              <a:spcBef>
+                <a:spcPts val="0"/>
+              </a:spcBef>
+              <a:buNone/>
+            </a:pPr>
+            <a:r>
+              <a:rPr lang="en" sz="1400" dirty="0">
+                <a:latin typeface="Arial"/>
+                <a:cs typeface="Arial"/>
+              </a:rPr>
+              <a:t>FEC Stream for </a:t>
+            </a:r>
+            <a:r>
+              <a:rPr lang="en-US" sz="1400" dirty="0" smtClean="0">
+                <a:latin typeface="Arial"/>
+                <a:cs typeface="Arial"/>
+              </a:rPr>
+              <a:t>2</a:t>
+            </a:r>
+            <a:endParaRPr lang="en" sz="1400" dirty="0">
+              <a:latin typeface="Arial"/>
+              <a:cs typeface="Arial"/>
             </a:endParaRPr>
           </a:p>
-          <a:p>
-            <a:r>
-              <a:rPr lang="en-US" dirty="0"/>
-              <a:t>M&gt;0, </a:t>
-            </a:r>
-            <a:r>
-              <a:rPr lang="en-US" dirty="0" smtClean="0"/>
-              <a:t>N&gt;0 </a:t>
-            </a:r>
-            <a:r>
-              <a:rPr lang="en-US" dirty="0">
-                <a:sym typeface="Wingdings"/>
-              </a:rPr>
-              <a:t> </a:t>
-            </a:r>
-            <a:r>
-              <a:rPr lang="en-US" dirty="0" smtClean="0">
-                <a:sym typeface="Wingdings"/>
-              </a:rPr>
-              <a:t>column of N </a:t>
-            </a:r>
-            <a:r>
-              <a:rPr lang="en-US" dirty="0">
-                <a:sym typeface="Wingdings"/>
-              </a:rPr>
-              <a:t>packets interleaved by </a:t>
-            </a:r>
-            <a:r>
-              <a:rPr lang="en-US" dirty="0" smtClean="0">
-                <a:sym typeface="Wingdings"/>
-              </a:rPr>
-              <a:t>every M packets starting </a:t>
-            </a:r>
-            <a:r>
-              <a:rPr lang="en-US" dirty="0">
-                <a:sym typeface="Wingdings"/>
-              </a:rPr>
-              <a:t>from </a:t>
-            </a:r>
-            <a:r>
-              <a:rPr lang="en-US" dirty="0" err="1" smtClean="0">
-                <a:sym typeface="Wingdings"/>
-              </a:rPr>
-              <a:t>SN_base</a:t>
-            </a:r>
-            <a:r>
-              <a:rPr lang="en-US" dirty="0" smtClean="0">
-                <a:sym typeface="Wingdings"/>
-              </a:rPr>
-              <a:t>:</a:t>
-            </a:r>
-          </a:p>
-          <a:p>
-            <a:pPr marL="457200" lvl="1" indent="0">
+        </p:txBody>
+      </p:sp>
+      <p:sp>
+        <p:nvSpPr>
+          <p:cNvPr id="141" name="Shape 141"/>
+          <p:cNvSpPr txBox="1"/>
+          <p:nvPr/>
+        </p:nvSpPr>
+        <p:spPr>
+          <a:xfrm>
+            <a:off x="2553822" y="2812449"/>
+            <a:ext cx="862800" cy="409200"/>
+          </a:xfrm>
+          <a:prstGeom prst="rect">
+            <a:avLst/>
+          </a:prstGeom>
+          <a:noFill/>
+          <a:ln w="9525" cap="flat">
+            <a:solidFill>
+              <a:srgbClr val="000000"/>
+            </a:solidFill>
+            <a:prstDash val="solid"/>
+            <a:round/>
+            <a:headEnd type="none" w="med" len="med"/>
+            <a:tailEnd type="none" w="med" len="med"/>
+          </a:ln>
+        </p:spPr>
+        <p:txBody>
+          <a:bodyPr lIns="91425" tIns="91425" rIns="91425" bIns="91425" anchor="t" anchorCtr="0">
+            <a:noAutofit/>
+          </a:bodyPr>
+          <a:lstStyle/>
+          <a:p>
+            <a:pPr>
+              <a:spcBef>
+                <a:spcPts val="0"/>
+              </a:spcBef>
               <a:buNone/>
             </a:pPr>
             <a:r>
-              <a:rPr lang="en-US" dirty="0">
-                <a:latin typeface="Consolas"/>
-                <a:cs typeface="Consolas"/>
-                <a:sym typeface="Wingdings"/>
-              </a:rPr>
-              <a:t>	</a:t>
-            </a:r>
-            <a:r>
-              <a:rPr lang="en-US" dirty="0" smtClean="0">
-                <a:latin typeface="Consolas"/>
-                <a:cs typeface="Consolas"/>
-                <a:sym typeface="Wingdings"/>
-              </a:rPr>
-              <a:t>SN, </a:t>
-            </a:r>
-            <a:r>
-              <a:rPr lang="en-US" dirty="0">
-                <a:latin typeface="Consolas"/>
-                <a:cs typeface="Consolas"/>
-                <a:sym typeface="Wingdings"/>
-              </a:rPr>
-              <a:t>SN</a:t>
-            </a:r>
-            <a:r>
-              <a:rPr lang="en-US" dirty="0" smtClean="0">
-                <a:latin typeface="Consolas"/>
-                <a:cs typeface="Consolas"/>
-                <a:sym typeface="Wingdings"/>
-              </a:rPr>
-              <a:t>+(1xM), SN+(2xM),…, </a:t>
-            </a:r>
-            <a:r>
-              <a:rPr lang="en-US" dirty="0">
-                <a:latin typeface="Consolas"/>
-                <a:cs typeface="Consolas"/>
-                <a:sym typeface="Wingdings"/>
-              </a:rPr>
-              <a:t>SN</a:t>
-            </a:r>
-            <a:r>
-              <a:rPr lang="en-US" dirty="0" smtClean="0">
-                <a:latin typeface="Consolas"/>
-                <a:cs typeface="Consolas"/>
-                <a:sym typeface="Wingdings"/>
-              </a:rPr>
-              <a:t>+(N-1)</a:t>
-            </a:r>
-            <a:r>
-              <a:rPr lang="en-US" dirty="0" err="1" smtClean="0">
-                <a:latin typeface="Consolas"/>
-                <a:cs typeface="Consolas"/>
-                <a:sym typeface="Wingdings"/>
-              </a:rPr>
-              <a:t>xM</a:t>
-            </a:r>
-            <a:endParaRPr lang="en-US" dirty="0">
-              <a:latin typeface="Consolas"/>
-              <a:cs typeface="Consolas"/>
-              <a:sym typeface="Wingdings"/>
-            </a:endParaRPr>
+              <a:rPr lang="en" sz="1400">
+                <a:latin typeface="Arial"/>
+                <a:cs typeface="Arial"/>
+              </a:rPr>
+              <a:t>RSID=1</a:t>
+            </a:r>
+          </a:p>
+        </p:txBody>
+      </p:sp>
+      <p:sp>
+        <p:nvSpPr>
+          <p:cNvPr id="142" name="Shape 142"/>
+          <p:cNvSpPr txBox="1"/>
+          <p:nvPr/>
+        </p:nvSpPr>
+        <p:spPr>
+          <a:xfrm>
+            <a:off x="3544122" y="2812449"/>
+            <a:ext cx="862800" cy="409200"/>
+          </a:xfrm>
+          <a:prstGeom prst="rect">
+            <a:avLst/>
+          </a:prstGeom>
+          <a:noFill/>
+          <a:ln w="9525" cap="flat">
+            <a:solidFill>
+              <a:srgbClr val="000000"/>
+            </a:solidFill>
+            <a:prstDash val="solid"/>
+            <a:round/>
+            <a:headEnd type="none" w="med" len="med"/>
+            <a:tailEnd type="none" w="med" len="med"/>
+          </a:ln>
+        </p:spPr>
+        <p:txBody>
+          <a:bodyPr lIns="91425" tIns="91425" rIns="91425" bIns="91425" anchor="t" anchorCtr="0">
+            <a:noAutofit/>
+          </a:bodyPr>
+          <a:lstStyle/>
+          <a:p>
+            <a:pPr lvl="0" rtl="0">
+              <a:spcBef>
+                <a:spcPts val="0"/>
+              </a:spcBef>
+              <a:buNone/>
+            </a:pPr>
+            <a:r>
+              <a:rPr lang="en" sz="1400">
+                <a:latin typeface="Arial"/>
+                <a:cs typeface="Arial"/>
+              </a:rPr>
+              <a:t>RSID=1</a:t>
+            </a:r>
+          </a:p>
+        </p:txBody>
+      </p:sp>
+      <p:sp>
+        <p:nvSpPr>
+          <p:cNvPr id="143" name="Shape 143"/>
+          <p:cNvSpPr txBox="1"/>
+          <p:nvPr/>
+        </p:nvSpPr>
+        <p:spPr>
+          <a:xfrm>
+            <a:off x="4534422" y="2812449"/>
+            <a:ext cx="862800" cy="409200"/>
+          </a:xfrm>
+          <a:prstGeom prst="rect">
+            <a:avLst/>
+          </a:prstGeom>
+          <a:noFill/>
+          <a:ln w="9525" cap="flat">
+            <a:solidFill>
+              <a:srgbClr val="000000"/>
+            </a:solidFill>
+            <a:prstDash val="solid"/>
+            <a:round/>
+            <a:headEnd type="none" w="med" len="med"/>
+            <a:tailEnd type="none" w="med" len="med"/>
+          </a:ln>
+        </p:spPr>
+        <p:txBody>
+          <a:bodyPr lIns="91425" tIns="91425" rIns="91425" bIns="91425" anchor="t" anchorCtr="0">
+            <a:noAutofit/>
+          </a:bodyPr>
+          <a:lstStyle/>
+          <a:p>
+            <a:pPr lvl="0" rtl="0">
+              <a:spcBef>
+                <a:spcPts val="0"/>
+              </a:spcBef>
+              <a:buNone/>
+            </a:pPr>
+            <a:r>
+              <a:rPr lang="en" sz="1400">
+                <a:latin typeface="Arial"/>
+                <a:cs typeface="Arial"/>
+              </a:rPr>
+              <a:t>RSID=1</a:t>
+            </a:r>
+          </a:p>
+        </p:txBody>
+      </p:sp>
+      <p:sp>
+        <p:nvSpPr>
+          <p:cNvPr id="144" name="Shape 144"/>
+          <p:cNvSpPr txBox="1"/>
+          <p:nvPr/>
+        </p:nvSpPr>
+        <p:spPr>
+          <a:xfrm>
+            <a:off x="5524722" y="2812449"/>
+            <a:ext cx="862800" cy="409200"/>
+          </a:xfrm>
+          <a:prstGeom prst="rect">
+            <a:avLst/>
+          </a:prstGeom>
+          <a:noFill/>
+          <a:ln w="9525" cap="flat">
+            <a:solidFill>
+              <a:srgbClr val="000000"/>
+            </a:solidFill>
+            <a:prstDash val="solid"/>
+            <a:round/>
+            <a:headEnd type="none" w="med" len="med"/>
+            <a:tailEnd type="none" w="med" len="med"/>
+          </a:ln>
+        </p:spPr>
+        <p:txBody>
+          <a:bodyPr lIns="91425" tIns="91425" rIns="91425" bIns="91425" anchor="t" anchorCtr="0">
+            <a:noAutofit/>
+          </a:bodyPr>
+          <a:lstStyle/>
+          <a:p>
+            <a:pPr lvl="0" rtl="0">
+              <a:spcBef>
+                <a:spcPts val="0"/>
+              </a:spcBef>
+              <a:buNone/>
+            </a:pPr>
+            <a:r>
+              <a:rPr lang="en" sz="1400">
+                <a:latin typeface="Arial"/>
+                <a:cs typeface="Arial"/>
+              </a:rPr>
+              <a:t>RSID=1</a:t>
+            </a:r>
+          </a:p>
+        </p:txBody>
+      </p:sp>
+      <p:sp>
+        <p:nvSpPr>
+          <p:cNvPr id="145" name="Shape 145"/>
+          <p:cNvSpPr txBox="1"/>
+          <p:nvPr/>
+        </p:nvSpPr>
+        <p:spPr>
+          <a:xfrm>
+            <a:off x="6473522" y="3299249"/>
+            <a:ext cx="862800" cy="409200"/>
+          </a:xfrm>
+          <a:prstGeom prst="rect">
+            <a:avLst/>
+          </a:prstGeom>
+          <a:noFill/>
+          <a:ln w="9525" cap="flat">
+            <a:solidFill>
+              <a:srgbClr val="000000"/>
+            </a:solidFill>
+            <a:prstDash val="solid"/>
+            <a:round/>
+            <a:headEnd type="none" w="med" len="med"/>
+            <a:tailEnd type="none" w="med" len="med"/>
+          </a:ln>
+        </p:spPr>
+        <p:txBody>
+          <a:bodyPr lIns="91425" tIns="91425" rIns="91425" bIns="91425" anchor="t" anchorCtr="0">
+            <a:noAutofit/>
+          </a:bodyPr>
+          <a:lstStyle/>
+          <a:p>
+            <a:pPr lvl="0" rtl="0">
+              <a:spcBef>
+                <a:spcPts val="0"/>
+              </a:spcBef>
+              <a:buNone/>
+            </a:pPr>
+            <a:r>
+              <a:rPr lang="en" sz="1400">
+                <a:latin typeface="Arial"/>
+                <a:cs typeface="Arial"/>
+              </a:rPr>
+              <a:t>RSID=1</a:t>
+            </a:r>
+          </a:p>
+        </p:txBody>
+      </p:sp>
+      <p:sp>
+        <p:nvSpPr>
+          <p:cNvPr id="146" name="Shape 146"/>
+          <p:cNvSpPr txBox="1"/>
+          <p:nvPr/>
+        </p:nvSpPr>
+        <p:spPr>
+          <a:xfrm>
+            <a:off x="2574572" y="4780771"/>
+            <a:ext cx="862800" cy="409200"/>
+          </a:xfrm>
+          <a:prstGeom prst="rect">
+            <a:avLst/>
+          </a:prstGeom>
+          <a:noFill/>
+          <a:ln w="9525" cap="flat">
+            <a:solidFill>
+              <a:srgbClr val="000000"/>
+            </a:solidFill>
+            <a:prstDash val="solid"/>
+            <a:round/>
+            <a:headEnd type="none" w="med" len="med"/>
+            <a:tailEnd type="none" w="med" len="med"/>
+          </a:ln>
+        </p:spPr>
+        <p:txBody>
+          <a:bodyPr lIns="91425" tIns="91425" rIns="91425" bIns="91425" anchor="t" anchorCtr="0">
+            <a:noAutofit/>
+          </a:bodyPr>
+          <a:lstStyle/>
+          <a:p>
+            <a:pPr lvl="0" rtl="0">
+              <a:spcBef>
+                <a:spcPts val="0"/>
+              </a:spcBef>
+              <a:buNone/>
+            </a:pPr>
+            <a:r>
+              <a:rPr lang="en" sz="1400">
+                <a:latin typeface="Arial"/>
+                <a:cs typeface="Arial"/>
+              </a:rPr>
+              <a:t>RSID=2</a:t>
+            </a:r>
+          </a:p>
+        </p:txBody>
+      </p:sp>
+      <p:sp>
+        <p:nvSpPr>
+          <p:cNvPr id="147" name="Shape 147"/>
+          <p:cNvSpPr txBox="1"/>
+          <p:nvPr/>
+        </p:nvSpPr>
+        <p:spPr>
+          <a:xfrm>
+            <a:off x="4555172" y="4780771"/>
+            <a:ext cx="862800" cy="409200"/>
+          </a:xfrm>
+          <a:prstGeom prst="rect">
+            <a:avLst/>
+          </a:prstGeom>
+          <a:noFill/>
+          <a:ln w="9525" cap="flat">
+            <a:solidFill>
+              <a:srgbClr val="000000"/>
+            </a:solidFill>
+            <a:prstDash val="solid"/>
+            <a:round/>
+            <a:headEnd type="none" w="med" len="med"/>
+            <a:tailEnd type="none" w="med" len="med"/>
+          </a:ln>
+        </p:spPr>
+        <p:txBody>
+          <a:bodyPr lIns="91425" tIns="91425" rIns="91425" bIns="91425" anchor="t" anchorCtr="0">
+            <a:noAutofit/>
+          </a:bodyPr>
+          <a:lstStyle/>
+          <a:p>
+            <a:pPr lvl="0" rtl="0">
+              <a:spcBef>
+                <a:spcPts val="0"/>
+              </a:spcBef>
+              <a:buNone/>
+            </a:pPr>
+            <a:r>
+              <a:rPr lang="en" sz="1400">
+                <a:latin typeface="Arial"/>
+                <a:cs typeface="Arial"/>
+              </a:rPr>
+              <a:t>RSID=2</a:t>
+            </a:r>
+          </a:p>
+        </p:txBody>
+      </p:sp>
+      <p:sp>
+        <p:nvSpPr>
+          <p:cNvPr id="148" name="Shape 148"/>
+          <p:cNvSpPr txBox="1"/>
+          <p:nvPr/>
+        </p:nvSpPr>
+        <p:spPr>
+          <a:xfrm>
+            <a:off x="5524722" y="5253538"/>
+            <a:ext cx="862800" cy="409200"/>
+          </a:xfrm>
+          <a:prstGeom prst="rect">
+            <a:avLst/>
+          </a:prstGeom>
+          <a:noFill/>
+          <a:ln w="9525" cap="flat">
+            <a:solidFill>
+              <a:srgbClr val="000000"/>
+            </a:solidFill>
+            <a:prstDash val="solid"/>
+            <a:round/>
+            <a:headEnd type="none" w="med" len="med"/>
+            <a:tailEnd type="none" w="med" len="med"/>
+          </a:ln>
+        </p:spPr>
+        <p:txBody>
+          <a:bodyPr lIns="91425" tIns="91425" rIns="91425" bIns="91425" anchor="t" anchorCtr="0">
+            <a:noAutofit/>
+          </a:bodyPr>
+          <a:lstStyle/>
+          <a:p>
+            <a:pPr lvl="0" rtl="0">
+              <a:spcBef>
+                <a:spcPts val="0"/>
+              </a:spcBef>
+              <a:buNone/>
+            </a:pPr>
+            <a:r>
+              <a:rPr lang="en" sz="1400">
+                <a:latin typeface="Arial"/>
+                <a:cs typeface="Arial"/>
+              </a:rPr>
+              <a:t>RSID=2</a:t>
+            </a:r>
           </a:p>
         </p:txBody>
       </p:sp>
     </p:spTree>
     <p:extLst>
       <p:ext uri="{BB962C8B-B14F-4D97-AF65-F5344CB8AC3E}">
-        <p14:creationId xmlns:p14="http://schemas.microsoft.com/office/powerpoint/2010/main" val="2175800037"/>
+        <p14:creationId xmlns:p14="http://schemas.microsoft.com/office/powerpoint/2010/main" val="3011437612"/>
       </p:ext>
     </p:extLst>
   </p:cSld>
   <p:clrMapOvr>
     <a:masterClrMapping/>
   </p:clrMapOvr>
+  <p:transition xmlns:p14="http://schemas.microsoft.com/office/powerpoint/2010/main" spd="slow">
+    <p:cut/>
+  </p:transition>
 </p:sld>
 </file>
 

--- a/1d2d/presentations/92-payload-flexible-fec.pptx
+++ b/1d2d/presentations/92-payload-flexible-fec.pptx
@@ -6,26 +6,25 @@
     <p:sldMasterId id="2147483660" r:id="rId2"/>
   </p:sldMasterIdLst>
   <p:notesMasterIdLst>
-    <p:notesMasterId r:id="rId17"/>
+    <p:notesMasterId r:id="rId16"/>
   </p:notesMasterIdLst>
   <p:handoutMasterIdLst>
-    <p:handoutMasterId r:id="rId18"/>
+    <p:handoutMasterId r:id="rId17"/>
   </p:handoutMasterIdLst>
   <p:sldIdLst>
     <p:sldId id="256" r:id="rId3"/>
     <p:sldId id="264" r:id="rId4"/>
-    <p:sldId id="257" r:id="rId5"/>
+    <p:sldId id="273" r:id="rId5"/>
     <p:sldId id="267" r:id="rId6"/>
     <p:sldId id="268" r:id="rId7"/>
     <p:sldId id="269" r:id="rId8"/>
     <p:sldId id="270" r:id="rId9"/>
     <p:sldId id="271" r:id="rId10"/>
     <p:sldId id="272" r:id="rId11"/>
-    <p:sldId id="259" r:id="rId12"/>
-    <p:sldId id="265" r:id="rId13"/>
-    <p:sldId id="260" r:id="rId14"/>
-    <p:sldId id="263" r:id="rId15"/>
-    <p:sldId id="266" r:id="rId16"/>
+    <p:sldId id="265" r:id="rId12"/>
+    <p:sldId id="260" r:id="rId13"/>
+    <p:sldId id="263" r:id="rId14"/>
+    <p:sldId id="266" r:id="rId15"/>
   </p:sldIdLst>
   <p:sldSz cx="9144000" cy="6858000" type="screen4x3"/>
   <p:notesSz cx="6858000" cy="9144000"/>
@@ -1375,7 +1374,7 @@
           <a:p>
             <a:fld id="{96D875B3-1BCA-4A44-8E29-3C93BBB29A59}" type="slidenum">
               <a:rPr lang="en-US" smtClean="0"/>
-              <a:t>11</a:t>
+              <a:t>10</a:t>
             </a:fld>
             <a:endParaRPr lang="en-US"/>
           </a:p>
@@ -8077,7 +8076,7 @@
                 <a:latin typeface="Nexa Bold"/>
                 <a:cs typeface="Nexa Bold"/>
               </a:rPr>
-              <a:t>SDP</a:t>
+              <a:t>Open issues 2</a:t>
             </a:r>
             <a:endParaRPr lang="en-US" dirty="0">
               <a:latin typeface="Nexa Bold"/>
@@ -8098,7 +8097,9 @@
         </p:nvSpPr>
         <p:spPr/>
         <p:txBody>
-          <a:bodyPr/>
+          <a:bodyPr>
+            <a:normAutofit fontScale="92500"/>
+          </a:bodyPr>
           <a:lstStyle/>
           <a:p>
             <a:r>
@@ -8106,7 +8107,7 @@
                 <a:latin typeface="Nexa Light"/>
                 <a:cs typeface="Nexa Light"/>
               </a:rPr>
-              <a:t>Dynamic Association in RTP, no association in SDP</a:t>
+              <a:t>M and N occur in the RTP header for row length and column depth (non-bitmask case)</a:t>
             </a:r>
           </a:p>
           <a:p>
@@ -8121,7 +8122,22 @@
                 <a:latin typeface="Nexa Light"/>
                 <a:cs typeface="Nexa Light"/>
               </a:rPr>
-              <a:t>Example:</a:t>
+              <a:t>N = 0 and N = 1  currently means row FEC</a:t>
+            </a:r>
+          </a:p>
+          <a:p>
+            <a:endParaRPr lang="en-US" dirty="0" smtClean="0">
+              <a:latin typeface="Nexa Light"/>
+              <a:cs typeface="Nexa Light"/>
+            </a:endParaRPr>
+          </a:p>
+          <a:p>
+            <a:r>
+              <a:rPr lang="en-US" dirty="0" smtClean="0">
+                <a:latin typeface="Nexa Light"/>
+                <a:cs typeface="Nexa Light"/>
+              </a:rPr>
+              <a:t>Proposal: </a:t>
             </a:r>
           </a:p>
           <a:p>
@@ -8129,106 +8145,51 @@
               <a:buNone/>
             </a:pPr>
             <a:r>
-              <a:rPr lang="en-US" sz="2400" dirty="0" smtClean="0">
-                <a:latin typeface="Courier"/>
-                <a:cs typeface="Courier"/>
-              </a:rPr>
-              <a:t>a = rtpmap:96 VP8/90000</a:t>
-            </a:r>
-          </a:p>
-          <a:p>
-            <a:pPr marL="457200" lvl="1" indent="0">
-              <a:buNone/>
-            </a:pPr>
-            <a:r>
-              <a:rPr lang="en-US" sz="2400" dirty="0" smtClean="0">
-                <a:latin typeface="Courier"/>
-                <a:cs typeface="Courier"/>
-              </a:rPr>
-              <a:t>a = rtpmap:98 FLEXFEC/90000</a:t>
-            </a:r>
-          </a:p>
-          <a:p>
-            <a:pPr marL="457200" lvl="1" indent="0">
-              <a:buNone/>
-            </a:pPr>
-            <a:r>
-              <a:rPr lang="en-US" sz="2400" dirty="0" smtClean="0">
-                <a:latin typeface="Courier"/>
-                <a:cs typeface="Courier"/>
-              </a:rPr>
-              <a:t>a = fmtp:98 code=</a:t>
-            </a:r>
-            <a:r>
-              <a:rPr lang="en-US" sz="2400" dirty="0" err="1" smtClean="0">
-                <a:latin typeface="Courier"/>
-                <a:cs typeface="Courier"/>
-              </a:rPr>
-              <a:t>xor</a:t>
-            </a:r>
-            <a:r>
-              <a:rPr lang="en-US" sz="2400" dirty="0" smtClean="0">
-                <a:latin typeface="Courier"/>
-                <a:cs typeface="Courier"/>
-              </a:rPr>
-              <a:t>; repair-window=200ms</a:t>
-            </a:r>
-          </a:p>
-          <a:p>
-            <a:pPr marL="457200" lvl="1" indent="0">
-              <a:buNone/>
-            </a:pPr>
-            <a:endParaRPr lang="en-US" dirty="0" smtClean="0">
-              <a:latin typeface="Courier"/>
-              <a:cs typeface="Courier"/>
-            </a:endParaRPr>
-          </a:p>
-          <a:p>
-            <a:pPr marL="457200" lvl="1" indent="0">
-              <a:buNone/>
-            </a:pPr>
-            <a:endParaRPr lang="en-US" dirty="0">
-              <a:latin typeface="Courier"/>
-              <a:cs typeface="Courier"/>
-            </a:endParaRPr>
-          </a:p>
-        </p:txBody>
-      </p:sp>
-      <p:sp>
-        <p:nvSpPr>
-          <p:cNvPr id="4" name="Rectangle 3"/>
-          <p:cNvSpPr/>
-          <p:nvPr/>
-        </p:nvSpPr>
-        <p:spPr>
-          <a:xfrm>
-            <a:off x="6350484" y="89972"/>
-            <a:ext cx="2793516" cy="369332"/>
-          </a:xfrm>
-          <a:prstGeom prst="rect">
-            <a:avLst/>
-          </a:prstGeom>
-        </p:spPr>
-        <p:txBody>
-          <a:bodyPr wrap="square">
-            <a:spAutoFit/>
-          </a:bodyPr>
-          <a:lstStyle/>
-          <a:p>
-            <a:r>
-              <a:rPr lang="en-US" dirty="0" smtClean="0">
+              <a:rPr lang="en-US" sz="2200" dirty="0" smtClean="0">
+                <a:latin typeface="Nexa Light"/>
+                <a:cs typeface="Nexa Light"/>
+              </a:rPr>
+              <a:t>N = 0 indicates row FEC </a:t>
+            </a:r>
+            <a:r>
+              <a:rPr lang="en-US" sz="2200" b="1" dirty="0" smtClean="0">
                 <a:latin typeface="Nexa Bold"/>
                 <a:cs typeface="Nexa Bold"/>
               </a:rPr>
-              <a:t>Open Issue 1 		(3/3)</a:t>
-            </a:r>
-            <a:endParaRPr lang="en-US" dirty="0"/>
-          </a:p>
-        </p:txBody>
-      </p:sp>
-      <p:sp>
-        <p:nvSpPr>
-          <p:cNvPr id="5" name="Slide Number Placeholder 4"/>
+              <a:t>not </a:t>
+            </a:r>
+            <a:r>
+              <a:rPr lang="en-US" sz="2200" dirty="0" smtClean="0">
+                <a:latin typeface="Nexa Light"/>
+                <a:cs typeface="Nexa Light"/>
+              </a:rPr>
+              <a:t>followed by column FEC.</a:t>
+            </a:r>
+          </a:p>
+          <a:p>
+            <a:pPr marL="457200" lvl="1" indent="0">
+              <a:buNone/>
+            </a:pPr>
+            <a:r>
+              <a:rPr lang="en-US" sz="2200" dirty="0" smtClean="0">
+                <a:latin typeface="Nexa Light"/>
+                <a:cs typeface="Nexa Light"/>
+              </a:rPr>
+              <a:t>N = 1 indicates row FEC         followed by column FEC.</a:t>
+            </a:r>
+          </a:p>
+          <a:p>
+            <a:pPr lvl="1"/>
+            <a:endParaRPr lang="en-US" dirty="0">
+              <a:latin typeface="Nexa Light"/>
+              <a:cs typeface="Nexa Light"/>
+            </a:endParaRPr>
+          </a:p>
+        </p:txBody>
+      </p:sp>
+      <p:sp>
+        <p:nvSpPr>
+          <p:cNvPr id="4" name="Slide Number Placeholder 3"/>
           <p:cNvSpPr>
             <a:spLocks noGrp="1"/>
           </p:cNvSpPr>
@@ -8252,7 +8213,7 @@
     </p:spTree>
     <p:extLst>
       <p:ext uri="{BB962C8B-B14F-4D97-AF65-F5344CB8AC3E}">
-        <p14:creationId xmlns:p14="http://schemas.microsoft.com/office/powerpoint/2010/main" val="842183155"/>
+        <p14:creationId xmlns:p14="http://schemas.microsoft.com/office/powerpoint/2010/main" val="3626008626"/>
       </p:ext>
     </p:extLst>
   </p:cSld>
@@ -8299,7 +8260,7 @@
                 <a:latin typeface="Nexa Bold"/>
                 <a:cs typeface="Nexa Bold"/>
               </a:rPr>
-              <a:t>Open issues 2</a:t>
+              <a:t>Open issues 3</a:t>
             </a:r>
             <a:endParaRPr lang="en-US" dirty="0">
               <a:latin typeface="Nexa Bold"/>
@@ -8321,7 +8282,7 @@
         <p:spPr/>
         <p:txBody>
           <a:bodyPr>
-            <a:normAutofit fontScale="92500"/>
+            <a:normAutofit fontScale="92500" lnSpcReduction="20000"/>
           </a:bodyPr>
           <a:lstStyle/>
           <a:p>
@@ -8330,79 +8291,132 @@
                 <a:latin typeface="Nexa Light"/>
                 <a:cs typeface="Nexa Light"/>
               </a:rPr>
-              <a:t>M and N occur in the RTP header for row length and column depth (non-bitmask case)</a:t>
-            </a:r>
-          </a:p>
-          <a:p>
+              <a:t>Type of protection (</a:t>
+            </a:r>
+            <a:r>
+              <a:rPr lang="en-US" dirty="0" err="1" smtClean="0">
+                <a:latin typeface="Nexa Light"/>
+                <a:cs typeface="Nexa Light"/>
+              </a:rPr>
+              <a:t>ToP</a:t>
+            </a:r>
+            <a:r>
+              <a:rPr lang="en-US" dirty="0" smtClean="0">
+                <a:latin typeface="Nexa Light"/>
+                <a:cs typeface="Nexa Light"/>
+              </a:rPr>
+              <a:t>) in SDP</a:t>
+            </a:r>
+          </a:p>
+          <a:p>
+            <a:pPr marL="457200" lvl="1" indent="0">
+              <a:buNone/>
+            </a:pPr>
+            <a:r>
+              <a:rPr lang="en-US" sz="2200" dirty="0" smtClean="0">
+                <a:latin typeface="Nexa Light"/>
+                <a:cs typeface="Nexa Light"/>
+              </a:rPr>
+              <a:t>		0=interleaved, </a:t>
+            </a:r>
+          </a:p>
+          <a:p>
+            <a:pPr marL="457200" lvl="1" indent="0">
+              <a:buNone/>
+            </a:pPr>
+            <a:r>
+              <a:rPr lang="en-US" sz="2200" dirty="0" smtClean="0">
+                <a:latin typeface="Nexa Light"/>
+                <a:cs typeface="Nexa Light"/>
+              </a:rPr>
+              <a:t>		1=non-interleaved,</a:t>
+            </a:r>
+          </a:p>
+          <a:p>
+            <a:pPr marL="457200" lvl="1" indent="0">
+              <a:buNone/>
+            </a:pPr>
+            <a:r>
+              <a:rPr lang="en-US" sz="2200" dirty="0" smtClean="0">
+                <a:latin typeface="Nexa Light"/>
+                <a:cs typeface="Nexa Light"/>
+              </a:rPr>
+              <a:t>		2= both</a:t>
+            </a:r>
+          </a:p>
+          <a:p>
+            <a:pPr lvl="1"/>
+            <a:r>
+              <a:rPr lang="en-US" dirty="0" smtClean="0">
+                <a:latin typeface="Nexa Light"/>
+                <a:cs typeface="Nexa Light"/>
+              </a:rPr>
+              <a:t>We can do these dynamically in RTP</a:t>
+            </a:r>
+          </a:p>
+          <a:p>
+            <a:pPr lvl="1"/>
+            <a:r>
+              <a:rPr lang="en-US" dirty="0" smtClean="0">
+                <a:latin typeface="Nexa Light"/>
+                <a:cs typeface="Nexa Light"/>
+              </a:rPr>
+              <a:t>keep it or remove it from SDP?</a:t>
+            </a:r>
+          </a:p>
+          <a:p>
+            <a:endParaRPr lang="en-US" dirty="0">
+              <a:latin typeface="Nexa Light"/>
+              <a:cs typeface="Nexa Light"/>
+            </a:endParaRPr>
+          </a:p>
+          <a:p>
+            <a:r>
+              <a:rPr lang="en-US" dirty="0" smtClean="0">
+                <a:latin typeface="Nexa Light"/>
+                <a:cs typeface="Nexa Light"/>
+              </a:rPr>
+              <a:t>L and D in SDP</a:t>
+            </a:r>
+          </a:p>
+          <a:p>
+            <a:pPr lvl="1"/>
+            <a:r>
+              <a:rPr lang="en-US" dirty="0" smtClean="0">
+                <a:latin typeface="Nexa Light"/>
+                <a:cs typeface="Nexa Light"/>
+              </a:rPr>
+              <a:t>Length and depth for fixed 2-D protection</a:t>
+            </a:r>
+          </a:p>
+          <a:p>
+            <a:pPr lvl="1"/>
+            <a:r>
+              <a:rPr lang="en-US" dirty="0" smtClean="0">
+                <a:latin typeface="Nexa Light"/>
+                <a:cs typeface="Nexa Light"/>
+              </a:rPr>
+              <a:t>Only necessary for &gt; 256 x 256.</a:t>
+            </a:r>
+          </a:p>
+          <a:p>
+            <a:pPr lvl="1"/>
+            <a:r>
+              <a:rPr lang="en-US" dirty="0" smtClean="0">
+                <a:latin typeface="Nexa Light"/>
+                <a:cs typeface="Nexa Light"/>
+              </a:rPr>
+              <a:t>keep it or remove it from SDP?</a:t>
+            </a:r>
+          </a:p>
+          <a:p>
+            <a:pPr lvl="1"/>
             <a:endParaRPr lang="en-US" dirty="0" smtClean="0">
               <a:latin typeface="Nexa Light"/>
               <a:cs typeface="Nexa Light"/>
             </a:endParaRPr>
           </a:p>
           <a:p>
-            <a:r>
-              <a:rPr lang="en-US" dirty="0" smtClean="0">
-                <a:latin typeface="Nexa Light"/>
-                <a:cs typeface="Nexa Light"/>
-              </a:rPr>
-              <a:t>N = 0 and N = 1  currently means row FEC</a:t>
-            </a:r>
-          </a:p>
-          <a:p>
-            <a:endParaRPr lang="en-US" dirty="0" smtClean="0">
-              <a:latin typeface="Nexa Light"/>
-              <a:cs typeface="Nexa Light"/>
-            </a:endParaRPr>
-          </a:p>
-          <a:p>
-            <a:r>
-              <a:rPr lang="en-US" dirty="0" smtClean="0">
-                <a:latin typeface="Nexa Light"/>
-                <a:cs typeface="Nexa Light"/>
-              </a:rPr>
-              <a:t>Proposal: </a:t>
-            </a:r>
-          </a:p>
-          <a:p>
-            <a:pPr marL="457200" lvl="1" indent="0">
-              <a:buNone/>
-            </a:pPr>
-            <a:r>
-              <a:rPr lang="en-US" sz="2200" dirty="0" smtClean="0">
-                <a:latin typeface="Nexa Light"/>
-                <a:cs typeface="Nexa Light"/>
-              </a:rPr>
-              <a:t>N = 0 indicates row FEC </a:t>
-            </a:r>
-            <a:r>
-              <a:rPr lang="en-US" sz="2200" b="1" dirty="0" smtClean="0">
-                <a:latin typeface="Nexa Bold"/>
-                <a:cs typeface="Nexa Bold"/>
-              </a:rPr>
-              <a:t>not </a:t>
-            </a:r>
-            <a:r>
-              <a:rPr lang="en-US" sz="2200" dirty="0" smtClean="0">
-                <a:latin typeface="Nexa Light"/>
-                <a:cs typeface="Nexa Light"/>
-              </a:rPr>
-              <a:t>followed by column FEC.</a:t>
-            </a:r>
-          </a:p>
-          <a:p>
-            <a:pPr marL="457200" lvl="1" indent="0">
-              <a:buNone/>
-            </a:pPr>
-            <a:r>
-              <a:rPr lang="en-US" sz="2200" dirty="0" smtClean="0">
-                <a:latin typeface="Nexa Light"/>
-                <a:cs typeface="Nexa Light"/>
-              </a:rPr>
-              <a:t>N = 1 indicates row FEC         followed by column FEC.</a:t>
-            </a:r>
-          </a:p>
-          <a:p>
-            <a:pPr lvl="1"/>
             <a:endParaRPr lang="en-US" dirty="0">
               <a:latin typeface="Nexa Light"/>
               <a:cs typeface="Nexa Light"/>
@@ -8436,7 +8450,7 @@
     </p:spTree>
     <p:extLst>
       <p:ext uri="{BB962C8B-B14F-4D97-AF65-F5344CB8AC3E}">
-        <p14:creationId xmlns:p14="http://schemas.microsoft.com/office/powerpoint/2010/main" val="3626008626"/>
+        <p14:creationId xmlns:p14="http://schemas.microsoft.com/office/powerpoint/2010/main" val="842183155"/>
       </p:ext>
     </p:extLst>
   </p:cSld>
@@ -8483,7 +8497,7 @@
                 <a:latin typeface="Nexa Bold"/>
                 <a:cs typeface="Nexa Bold"/>
               </a:rPr>
-              <a:t>Open issues 3</a:t>
+              <a:t>Next Steps</a:t>
             </a:r>
             <a:endParaRPr lang="en-US" dirty="0">
               <a:latin typeface="Nexa Bold"/>
@@ -8504,9 +8518,7 @@
         </p:nvSpPr>
         <p:spPr/>
         <p:txBody>
-          <a:bodyPr>
-            <a:normAutofit fontScale="92500" lnSpcReduction="20000"/>
-          </a:bodyPr>
+          <a:bodyPr/>
           <a:lstStyle/>
           <a:p>
             <a:r>
@@ -8514,77 +8526,7 @@
                 <a:latin typeface="Nexa Light"/>
                 <a:cs typeface="Nexa Light"/>
               </a:rPr>
-              <a:t>Type of protection (</a:t>
-            </a:r>
-            <a:r>
-              <a:rPr lang="en-US" dirty="0" err="1" smtClean="0">
-                <a:latin typeface="Nexa Light"/>
-                <a:cs typeface="Nexa Light"/>
-              </a:rPr>
-              <a:t>ToP</a:t>
-            </a:r>
-            <a:r>
-              <a:rPr lang="en-US" dirty="0" smtClean="0">
-                <a:latin typeface="Nexa Light"/>
-                <a:cs typeface="Nexa Light"/>
-              </a:rPr>
-              <a:t>) in SDP</a:t>
-            </a:r>
-          </a:p>
-          <a:p>
-            <a:pPr marL="457200" lvl="1" indent="0">
-              <a:buNone/>
-            </a:pPr>
-            <a:r>
-              <a:rPr lang="en-US" sz="2200" dirty="0" smtClean="0">
-                <a:latin typeface="Nexa Light"/>
-                <a:cs typeface="Nexa Light"/>
-              </a:rPr>
-              <a:t>		0=interleaved, </a:t>
-            </a:r>
-          </a:p>
-          <a:p>
-            <a:pPr marL="457200" lvl="1" indent="0">
-              <a:buNone/>
-            </a:pPr>
-            <a:r>
-              <a:rPr lang="en-US" sz="2200" dirty="0" smtClean="0">
-                <a:latin typeface="Nexa Light"/>
-                <a:cs typeface="Nexa Light"/>
-              </a:rPr>
-              <a:t>		1=non-interleaved,</a:t>
-            </a:r>
-          </a:p>
-          <a:p>
-            <a:pPr marL="457200" lvl="1" indent="0">
-              <a:buNone/>
-            </a:pPr>
-            <a:r>
-              <a:rPr lang="en-US" sz="2200" dirty="0" smtClean="0">
-                <a:latin typeface="Nexa Light"/>
-                <a:cs typeface="Nexa Light"/>
-              </a:rPr>
-              <a:t>		2= both</a:t>
-            </a:r>
-          </a:p>
-          <a:p>
-            <a:pPr lvl="1"/>
-            <a:r>
-              <a:rPr lang="en-US" dirty="0" smtClean="0">
-                <a:latin typeface="Nexa Light"/>
-                <a:cs typeface="Nexa Light"/>
-              </a:rPr>
-              <a:t>We can do these dynamically in RTP</a:t>
-            </a:r>
-          </a:p>
-          <a:p>
-            <a:pPr lvl="1"/>
-            <a:r>
-              <a:rPr lang="en-US" dirty="0" smtClean="0">
-                <a:latin typeface="Nexa Light"/>
-                <a:cs typeface="Nexa Light"/>
-              </a:rPr>
-              <a:t>keep it or remove it from SDP?</a:t>
+              <a:t>More reviews appreciated</a:t>
             </a:r>
           </a:p>
           <a:p>
@@ -8594,46 +8536,15 @@
             </a:endParaRPr>
           </a:p>
           <a:p>
-            <a:r>
-              <a:rPr lang="en-US" dirty="0" smtClean="0">
-                <a:latin typeface="Nexa Light"/>
-                <a:cs typeface="Nexa Light"/>
-              </a:rPr>
-              <a:t>L and D in SDP</a:t>
-            </a:r>
-          </a:p>
-          <a:p>
-            <a:pPr lvl="1"/>
-            <a:r>
-              <a:rPr lang="en-US" dirty="0" smtClean="0">
-                <a:latin typeface="Nexa Light"/>
-                <a:cs typeface="Nexa Light"/>
-              </a:rPr>
-              <a:t>Length and depth for fixed 2-D protection</a:t>
-            </a:r>
-          </a:p>
-          <a:p>
-            <a:pPr lvl="1"/>
-            <a:r>
-              <a:rPr lang="en-US" dirty="0" smtClean="0">
-                <a:latin typeface="Nexa Light"/>
-                <a:cs typeface="Nexa Light"/>
-              </a:rPr>
-              <a:t>Only necessary for &gt; 256 x 256.</a:t>
-            </a:r>
-          </a:p>
-          <a:p>
-            <a:pPr lvl="1"/>
-            <a:r>
-              <a:rPr lang="en-US" dirty="0" smtClean="0">
-                <a:latin typeface="Nexa Light"/>
-                <a:cs typeface="Nexa Light"/>
-              </a:rPr>
-              <a:t>keep it or remove it from SDP?</a:t>
-            </a:r>
-          </a:p>
-          <a:p>
-            <a:pPr lvl="1"/>
+            <a:endParaRPr lang="en-US" dirty="0" smtClean="0">
+              <a:latin typeface="Courier"/>
+              <a:cs typeface="Courier"/>
+            </a:endParaRPr>
+          </a:p>
+          <a:p>
+            <a:pPr marL="457200" lvl="1" indent="0">
+              <a:buNone/>
+            </a:pPr>
             <a:endParaRPr lang="en-US" dirty="0" smtClean="0">
               <a:latin typeface="Nexa Light"/>
               <a:cs typeface="Nexa Light"/>
@@ -8673,7 +8584,7 @@
     </p:spTree>
     <p:extLst>
       <p:ext uri="{BB962C8B-B14F-4D97-AF65-F5344CB8AC3E}">
-        <p14:creationId xmlns:p14="http://schemas.microsoft.com/office/powerpoint/2010/main" val="842183155"/>
+        <p14:creationId xmlns:p14="http://schemas.microsoft.com/office/powerpoint/2010/main" val="2823572203"/>
       </p:ext>
     </p:extLst>
   </p:cSld>
@@ -8712,140 +8623,6 @@
         </p:nvSpPr>
         <p:spPr/>
         <p:txBody>
-          <a:bodyPr/>
-          <a:lstStyle/>
-          <a:p>
-            <a:r>
-              <a:rPr lang="en-US" dirty="0" smtClean="0">
-                <a:latin typeface="Nexa Bold"/>
-                <a:cs typeface="Nexa Bold"/>
-              </a:rPr>
-              <a:t>Next Steps</a:t>
-            </a:r>
-            <a:endParaRPr lang="en-US" dirty="0">
-              <a:latin typeface="Nexa Bold"/>
-              <a:cs typeface="Nexa Bold"/>
-            </a:endParaRPr>
-          </a:p>
-        </p:txBody>
-      </p:sp>
-      <p:sp>
-        <p:nvSpPr>
-          <p:cNvPr id="3" name="Content Placeholder 2"/>
-          <p:cNvSpPr>
-            <a:spLocks noGrp="1"/>
-          </p:cNvSpPr>
-          <p:nvPr>
-            <p:ph idx="1"/>
-          </p:nvPr>
-        </p:nvSpPr>
-        <p:spPr/>
-        <p:txBody>
-          <a:bodyPr/>
-          <a:lstStyle/>
-          <a:p>
-            <a:r>
-              <a:rPr lang="en-US" dirty="0" smtClean="0">
-                <a:latin typeface="Nexa Light"/>
-                <a:cs typeface="Nexa Light"/>
-              </a:rPr>
-              <a:t>More reviews appreciated</a:t>
-            </a:r>
-          </a:p>
-          <a:p>
-            <a:endParaRPr lang="en-US" dirty="0">
-              <a:latin typeface="Nexa Light"/>
-              <a:cs typeface="Nexa Light"/>
-            </a:endParaRPr>
-          </a:p>
-          <a:p>
-            <a:endParaRPr lang="en-US" dirty="0" smtClean="0">
-              <a:latin typeface="Courier"/>
-              <a:cs typeface="Courier"/>
-            </a:endParaRPr>
-          </a:p>
-          <a:p>
-            <a:pPr marL="457200" lvl="1" indent="0">
-              <a:buNone/>
-            </a:pPr>
-            <a:endParaRPr lang="en-US" dirty="0" smtClean="0">
-              <a:latin typeface="Nexa Light"/>
-              <a:cs typeface="Nexa Light"/>
-            </a:endParaRPr>
-          </a:p>
-          <a:p>
-            <a:endParaRPr lang="en-US" dirty="0">
-              <a:latin typeface="Nexa Light"/>
-              <a:cs typeface="Nexa Light"/>
-            </a:endParaRPr>
-          </a:p>
-        </p:txBody>
-      </p:sp>
-      <p:sp>
-        <p:nvSpPr>
-          <p:cNvPr id="4" name="Slide Number Placeholder 3"/>
-          <p:cNvSpPr>
-            <a:spLocks noGrp="1"/>
-          </p:cNvSpPr>
-          <p:nvPr>
-            <p:ph type="sldNum" sz="quarter" idx="12"/>
-          </p:nvPr>
-        </p:nvSpPr>
-        <p:spPr/>
-        <p:txBody>
-          <a:bodyPr/>
-          <a:lstStyle/>
-          <a:p>
-            <a:fld id="{9B6618E2-E5B0-2B41-B19C-D94ACC3B6B9F}" type="slidenum">
-              <a:rPr lang="en-US" smtClean="0"/>
-              <a:t>13</a:t>
-            </a:fld>
-            <a:endParaRPr lang="en-US"/>
-          </a:p>
-        </p:txBody>
-      </p:sp>
-    </p:spTree>
-    <p:extLst>
-      <p:ext uri="{BB962C8B-B14F-4D97-AF65-F5344CB8AC3E}">
-        <p14:creationId xmlns:p14="http://schemas.microsoft.com/office/powerpoint/2010/main" val="2823572203"/>
-      </p:ext>
-    </p:extLst>
-  </p:cSld>
-  <p:clrMapOvr>
-    <a:masterClrMapping/>
-  </p:clrMapOvr>
-</p:sld>
-</file>
-
-<file path=ppt/slides/slide14.xml><?xml version="1.0" encoding="utf-8"?>
-<p:sld xmlns:a="http://schemas.openxmlformats.org/drawingml/2006/main" xmlns:r="http://schemas.openxmlformats.org/officeDocument/2006/relationships" xmlns:p="http://schemas.openxmlformats.org/presentationml/2006/main">
-  <p:cSld>
-    <p:spTree>
-      <p:nvGrpSpPr>
-        <p:cNvPr id="1" name=""/>
-        <p:cNvGrpSpPr/>
-        <p:nvPr/>
-      </p:nvGrpSpPr>
-      <p:grpSpPr>
-        <a:xfrm>
-          <a:off x="0" y="0"/>
-          <a:ext cx="0" cy="0"/>
-          <a:chOff x="0" y="0"/>
-          <a:chExt cx="0" cy="0"/>
-        </a:xfrm>
-      </p:grpSpPr>
-      <p:sp>
-        <p:nvSpPr>
-          <p:cNvPr id="2" name="Title 1"/>
-          <p:cNvSpPr>
-            <a:spLocks noGrp="1"/>
-          </p:cNvSpPr>
-          <p:nvPr>
-            <p:ph type="title"/>
-          </p:nvPr>
-        </p:nvSpPr>
-        <p:spPr/>
-        <p:txBody>
           <a:bodyPr>
             <a:normAutofit fontScale="90000"/>
           </a:bodyPr>
@@ -9102,7 +8879,7 @@
                 <a:latin typeface="Nexa Light"/>
               </a:rPr>
               <a:pPr/>
-              <a:t>14</a:t>
+              <a:t>13</a:t>
             </a:fld>
             <a:endParaRPr lang="en-US">
               <a:solidFill>
@@ -9345,11 +9122,13 @@
         </p:nvSpPr>
         <p:spPr/>
         <p:txBody>
-          <a:bodyPr/>
-          <a:lstStyle/>
-          <a:p>
-            <a:r>
-              <a:rPr lang="en-US" dirty="0" smtClean="0">
+          <a:bodyPr>
+            <a:normAutofit fontScale="85000" lnSpcReduction="20000"/>
+          </a:bodyPr>
+          <a:lstStyle/>
+          <a:p>
+            <a:r>
+              <a:rPr lang="en-US" dirty="0">
                 <a:latin typeface="Nexa Light"/>
                 <a:cs typeface="Nexa Light"/>
               </a:rPr>
@@ -9357,101 +9136,159 @@
             </a:r>
           </a:p>
           <a:p>
-            <a:pPr lvl="1"/>
-            <a:r>
-              <a:rPr lang="en-US" dirty="0" smtClean="0">
-                <a:latin typeface="Nexa Light"/>
-                <a:cs typeface="Nexa Light"/>
-              </a:rPr>
-              <a:t>In RTP</a:t>
-            </a:r>
-          </a:p>
-          <a:p>
-            <a:pPr lvl="2"/>
-            <a:r>
-              <a:rPr lang="en-US" dirty="0" smtClean="0">
-                <a:latin typeface="Nexa Light"/>
-                <a:cs typeface="Nexa Light"/>
-              </a:rPr>
-              <a:t>See proposal on slide 3</a:t>
-            </a:r>
-          </a:p>
-          <a:p>
-            <a:pPr lvl="2"/>
             <a:endParaRPr lang="en-US" dirty="0" smtClean="0">
               <a:latin typeface="Nexa Light"/>
               <a:cs typeface="Nexa Light"/>
             </a:endParaRPr>
           </a:p>
           <a:p>
-            <a:pPr lvl="1"/>
             <a:r>
               <a:rPr lang="en-US" dirty="0" smtClean="0">
                 <a:latin typeface="Nexa Light"/>
                 <a:cs typeface="Nexa Light"/>
               </a:rPr>
-              <a:t>In SDP</a:t>
-            </a:r>
-          </a:p>
-          <a:p>
-            <a:pPr lvl="2"/>
+              <a:t>Dynamic </a:t>
+            </a:r>
             <a:r>
               <a:rPr lang="en-US" dirty="0" smtClean="0">
                 <a:latin typeface="Nexa Light"/>
                 <a:cs typeface="Nexa Light"/>
               </a:rPr>
-              <a:t>See proposal on </a:t>
-            </a:r>
-            <a:r>
-              <a:rPr lang="en-US" smtClean="0">
+              <a:t>Association in </a:t>
+            </a:r>
+            <a:r>
+              <a:rPr lang="en-US" dirty="0" smtClean="0">
                 <a:latin typeface="Nexa Light"/>
                 <a:cs typeface="Nexa Light"/>
               </a:rPr>
-              <a:t>slide </a:t>
-            </a:r>
-            <a:r>
-              <a:rPr lang="en-US" smtClean="0">
+              <a:t>RTP </a:t>
+            </a:r>
+          </a:p>
+          <a:p>
+            <a:pPr lvl="1"/>
+            <a:r>
+              <a:rPr lang="en-US" dirty="0" smtClean="0">
                 <a:latin typeface="Nexa Light"/>
                 <a:cs typeface="Nexa Light"/>
               </a:rPr>
-              <a:t>10</a:t>
-            </a:r>
-            <a:endParaRPr lang="en-US" dirty="0">
+              <a:t>(details next few slides)</a:t>
+            </a:r>
+          </a:p>
+          <a:p>
+            <a:pPr lvl="1"/>
+            <a:endParaRPr lang="en-US" dirty="0" smtClean="0">
               <a:latin typeface="Nexa Light"/>
               <a:cs typeface="Nexa Light"/>
             </a:endParaRPr>
           </a:p>
-        </p:txBody>
-      </p:sp>
-      <p:sp>
-        <p:nvSpPr>
-          <p:cNvPr id="4" name="Rectangle 3"/>
-          <p:cNvSpPr/>
-          <p:nvPr/>
-        </p:nvSpPr>
-        <p:spPr>
-          <a:xfrm>
-            <a:off x="6350484" y="89972"/>
-            <a:ext cx="2793516" cy="369332"/>
-          </a:xfrm>
-          <a:prstGeom prst="rect">
-            <a:avLst/>
-          </a:prstGeom>
-        </p:spPr>
-        <p:txBody>
-          <a:bodyPr wrap="square">
-            <a:spAutoFit/>
-          </a:bodyPr>
-          <a:lstStyle/>
           <a:p>
             <a:r>
               <a:rPr lang="en-US" dirty="0" smtClean="0">
-                <a:latin typeface="Nexa Bold"/>
-                <a:cs typeface="Nexa Bold"/>
-              </a:rPr>
-              <a:t>Open Issue 1		 	(1/3)</a:t>
-            </a:r>
-            <a:endParaRPr lang="en-US" dirty="0"/>
+                <a:latin typeface="Nexa Light"/>
+                <a:cs typeface="Nexa Light"/>
+              </a:rPr>
+              <a:t>no </a:t>
+            </a:r>
+            <a:r>
+              <a:rPr lang="en-US" dirty="0" smtClean="0">
+                <a:latin typeface="Nexa Light"/>
+                <a:cs typeface="Nexa Light"/>
+              </a:rPr>
+              <a:t>association in SDP</a:t>
+            </a:r>
+          </a:p>
+          <a:p>
+            <a:endParaRPr lang="en-US" dirty="0" smtClean="0">
+              <a:latin typeface="Nexa Light"/>
+              <a:cs typeface="Nexa Light"/>
+            </a:endParaRPr>
+          </a:p>
+          <a:p>
+            <a:pPr marL="0" indent="0">
+              <a:buNone/>
+            </a:pPr>
+            <a:r>
+              <a:rPr lang="en-US" dirty="0" smtClean="0">
+                <a:latin typeface="Nexa Light"/>
+                <a:cs typeface="Nexa Light"/>
+              </a:rPr>
+              <a:t>	Example</a:t>
+            </a:r>
+            <a:r>
+              <a:rPr lang="en-US" dirty="0" smtClean="0">
+                <a:latin typeface="Nexa Light"/>
+                <a:cs typeface="Nexa Light"/>
+              </a:rPr>
+              <a:t>:</a:t>
+            </a:r>
+          </a:p>
+          <a:p>
+            <a:pPr marL="457200" lvl="1" indent="0">
+              <a:buNone/>
+            </a:pPr>
+            <a:r>
+              <a:rPr lang="en-US" sz="2400" dirty="0" smtClean="0">
+                <a:latin typeface="Courier"/>
+                <a:cs typeface="Courier"/>
+              </a:rPr>
+              <a:t>a = rtpmap:96 VP8/90000</a:t>
+            </a:r>
+          </a:p>
+          <a:p>
+            <a:pPr marL="457200" lvl="1" indent="0">
+              <a:buNone/>
+            </a:pPr>
+            <a:r>
+              <a:rPr lang="en-US" sz="2400" dirty="0" smtClean="0">
+                <a:latin typeface="Courier"/>
+                <a:cs typeface="Courier"/>
+              </a:rPr>
+              <a:t>a = rtpmap:98 FLEXFEC/90000</a:t>
+            </a:r>
+          </a:p>
+          <a:p>
+            <a:pPr marL="457200" lvl="1" indent="0">
+              <a:buNone/>
+            </a:pPr>
+            <a:r>
+              <a:rPr lang="en-US" sz="2400" dirty="0" smtClean="0">
+                <a:latin typeface="Courier"/>
+                <a:cs typeface="Courier"/>
+              </a:rPr>
+              <a:t>a = fmtp:98 code=</a:t>
+            </a:r>
+            <a:r>
+              <a:rPr lang="en-US" sz="2400" dirty="0" err="1" smtClean="0">
+                <a:latin typeface="Courier"/>
+                <a:cs typeface="Courier"/>
+              </a:rPr>
+              <a:t>xor</a:t>
+            </a:r>
+            <a:r>
+              <a:rPr lang="en-US" sz="2400" dirty="0" smtClean="0">
+                <a:latin typeface="Courier"/>
+                <a:cs typeface="Courier"/>
+              </a:rPr>
+              <a:t>; repair-window=200ms</a:t>
+            </a:r>
+          </a:p>
+          <a:p>
+            <a:pPr marL="457200" lvl="1" indent="0">
+              <a:buNone/>
+            </a:pPr>
+            <a:endParaRPr lang="en-US" dirty="0" smtClean="0">
+              <a:latin typeface="Courier"/>
+              <a:cs typeface="Courier"/>
+            </a:endParaRPr>
+          </a:p>
+          <a:p>
+            <a:pPr marL="457200" lvl="1" indent="0">
+              <a:buNone/>
+            </a:pPr>
+            <a:endParaRPr lang="en-US" dirty="0">
+              <a:latin typeface="Courier"/>
+              <a:cs typeface="Courier"/>
+            </a:endParaRPr>
           </a:p>
         </p:txBody>
       </p:sp>
@@ -9481,7 +9318,7 @@
     </p:spTree>
     <p:extLst>
       <p:ext uri="{BB962C8B-B14F-4D97-AF65-F5344CB8AC3E}">
-        <p14:creationId xmlns:p14="http://schemas.microsoft.com/office/powerpoint/2010/main" val="3347827799"/>
+        <p14:creationId xmlns:p14="http://schemas.microsoft.com/office/powerpoint/2010/main" val="2110997935"/>
       </p:ext>
     </p:extLst>
   </p:cSld>
@@ -10340,6 +10177,38 @@
           </a:p>
         </p:txBody>
       </p:sp>
+      <p:sp>
+        <p:nvSpPr>
+          <p:cNvPr id="19" name="Rectangle 18"/>
+          <p:cNvSpPr/>
+          <p:nvPr/>
+        </p:nvSpPr>
+        <p:spPr>
+          <a:xfrm>
+            <a:off x="6350484" y="89972"/>
+            <a:ext cx="2793516" cy="369332"/>
+          </a:xfrm>
+          <a:prstGeom prst="rect">
+            <a:avLst/>
+          </a:prstGeom>
+        </p:spPr>
+        <p:txBody>
+          <a:bodyPr wrap="square">
+            <a:spAutoFit/>
+          </a:bodyPr>
+          <a:lstStyle/>
+          <a:p>
+            <a:r>
+              <a:rPr lang="en-US" dirty="0" smtClean="0">
+                <a:latin typeface="Nexa Bold"/>
+                <a:cs typeface="Nexa Bold"/>
+              </a:rPr>
+              <a:t>Open Issue 1 		</a:t>
+            </a:r>
+            <a:endParaRPr lang="en-US" dirty="0"/>
+          </a:p>
+        </p:txBody>
+      </p:sp>
     </p:spTree>
     <p:extLst>
       <p:ext uri="{BB962C8B-B14F-4D97-AF65-F5344CB8AC3E}">
@@ -11019,7 +10888,37 @@
                 <a:latin typeface="Nexa Light"/>
                 <a:cs typeface="Nexa Light"/>
               </a:rPr>
-              <a:t>: Must signal all protected SSRCs, must be unique across media sources</a:t>
+              <a:t>: Must signal </a:t>
+            </a:r>
+            <a:r>
+              <a:rPr lang="en-US" dirty="0" smtClean="0">
+                <a:solidFill>
+                  <a:schemeClr val="dk1"/>
+                </a:solidFill>
+                <a:latin typeface="Nexa Light"/>
+                <a:cs typeface="Nexa Light"/>
+              </a:rPr>
+              <a:t>the </a:t>
+            </a:r>
+            <a:r>
+              <a:rPr lang="en" dirty="0" smtClean="0">
+                <a:solidFill>
+                  <a:schemeClr val="dk1"/>
+                </a:solidFill>
+                <a:latin typeface="Nexa Light"/>
+                <a:cs typeface="Nexa Light"/>
+              </a:rPr>
+              <a:t>protected SSRCs</a:t>
+            </a:r>
+            <a:r>
+              <a:rPr lang="en-US" dirty="0" smtClean="0">
+                <a:solidFill>
+                  <a:schemeClr val="dk1"/>
+                </a:solidFill>
+                <a:latin typeface="Nexa Light"/>
+                <a:cs typeface="Nexa Light"/>
+              </a:rPr>
+              <a:t> in RTP</a:t>
             </a:r>
           </a:p>
         </p:txBody>
@@ -11193,6 +11092,69 @@
               <a:t>5</a:t>
             </a:fld>
             <a:endParaRPr lang="en"/>
+          </a:p>
+        </p:txBody>
+      </p:sp>
+      <p:sp>
+        <p:nvSpPr>
+          <p:cNvPr id="3" name="Rectangle 2"/>
+          <p:cNvSpPr/>
+          <p:nvPr/>
+        </p:nvSpPr>
+        <p:spPr>
+          <a:xfrm>
+            <a:off x="7424917" y="1496533"/>
+            <a:ext cx="1719083" cy="646331"/>
+          </a:xfrm>
+          <a:prstGeom prst="rect">
+            <a:avLst/>
+          </a:prstGeom>
+        </p:spPr>
+        <p:txBody>
+          <a:bodyPr wrap="square">
+            <a:spAutoFit/>
+          </a:bodyPr>
+          <a:lstStyle/>
+          <a:p>
+            <a:r>
+              <a:rPr lang="en-US" dirty="0">
+                <a:latin typeface="Arial"/>
+                <a:cs typeface="Arial"/>
+              </a:rPr>
+              <a:t>(Assuming one RTP session)</a:t>
+            </a:r>
+          </a:p>
+        </p:txBody>
+      </p:sp>
+      <p:sp>
+        <p:nvSpPr>
+          <p:cNvPr id="20" name="Rectangle 19"/>
+          <p:cNvSpPr/>
+          <p:nvPr/>
+        </p:nvSpPr>
+        <p:spPr>
+          <a:xfrm>
+            <a:off x="7483621" y="73471"/>
+            <a:ext cx="1627179" cy="369332"/>
+          </a:xfrm>
+          <a:prstGeom prst="rect">
+            <a:avLst/>
+          </a:prstGeom>
+        </p:spPr>
+        <p:txBody>
+          <a:bodyPr wrap="square">
+            <a:spAutoFit/>
+          </a:bodyPr>
+          <a:lstStyle/>
+          <a:p>
+            <a:r>
+              <a:rPr lang="en-US" dirty="0" smtClean="0">
+                <a:latin typeface="Nexa Bold"/>
+                <a:cs typeface="Nexa Bold"/>
+              </a:rPr>
+              <a:t>Open Issue 1 	</a:t>
+            </a:r>
+            <a:endParaRPr lang="en-US" dirty="0"/>
           </a:p>
         </p:txBody>
       </p:sp>
@@ -12080,6 +12042,69 @@
           </a:p>
         </p:txBody>
       </p:sp>
+      <p:sp>
+        <p:nvSpPr>
+          <p:cNvPr id="20" name="Rectangle 19"/>
+          <p:cNvSpPr/>
+          <p:nvPr/>
+        </p:nvSpPr>
+        <p:spPr>
+          <a:xfrm>
+            <a:off x="7424917" y="1496533"/>
+            <a:ext cx="1719083" cy="646331"/>
+          </a:xfrm>
+          <a:prstGeom prst="rect">
+            <a:avLst/>
+          </a:prstGeom>
+        </p:spPr>
+        <p:txBody>
+          <a:bodyPr wrap="square">
+            <a:spAutoFit/>
+          </a:bodyPr>
+          <a:lstStyle/>
+          <a:p>
+            <a:r>
+              <a:rPr lang="en-US" dirty="0">
+                <a:latin typeface="Arial"/>
+                <a:cs typeface="Arial"/>
+              </a:rPr>
+              <a:t>(Assuming one RTP session)</a:t>
+            </a:r>
+          </a:p>
+        </p:txBody>
+      </p:sp>
+      <p:sp>
+        <p:nvSpPr>
+          <p:cNvPr id="21" name="Rectangle 20"/>
+          <p:cNvSpPr/>
+          <p:nvPr/>
+        </p:nvSpPr>
+        <p:spPr>
+          <a:xfrm>
+            <a:off x="7483621" y="73471"/>
+            <a:ext cx="1627179" cy="369332"/>
+          </a:xfrm>
+          <a:prstGeom prst="rect">
+            <a:avLst/>
+          </a:prstGeom>
+        </p:spPr>
+        <p:txBody>
+          <a:bodyPr wrap="square">
+            <a:spAutoFit/>
+          </a:bodyPr>
+          <a:lstStyle/>
+          <a:p>
+            <a:r>
+              <a:rPr lang="en-US" dirty="0" smtClean="0">
+                <a:latin typeface="Nexa Bold"/>
+                <a:cs typeface="Nexa Bold"/>
+              </a:rPr>
+              <a:t>Open Issue 1 	</a:t>
+            </a:r>
+            <a:endParaRPr lang="en-US" dirty="0"/>
+          </a:p>
+        </p:txBody>
+      </p:sp>
     </p:spTree>
     <p:extLst>
       <p:ext uri="{BB962C8B-B14F-4D97-AF65-F5344CB8AC3E}">
@@ -12690,18 +12715,6 @@
               <a:t>RSID </a:t>
             </a:r>
             <a:r>
-              <a:rPr lang="en-US" sz="1200" dirty="0" smtClean="0">
-                <a:solidFill>
-                  <a:srgbClr val="FF0000"/>
-                </a:solidFill>
-                <a:latin typeface="Arial"/>
-                <a:ea typeface="Calibri"/>
-                <a:cs typeface="Arial"/>
-                <a:sym typeface="Calibri"/>
-              </a:rPr>
-              <a:t>A</a:t>
-            </a:r>
-            <a:r>
               <a:rPr lang="en" sz="1200" dirty="0" smtClean="0">
                 <a:solidFill>
                   <a:srgbClr val="FF0000"/>
@@ -12867,18 +12880,6 @@
               <a:t>RSID </a:t>
             </a:r>
             <a:r>
-              <a:rPr lang="en-US" sz="1200" dirty="0" smtClean="0">
-                <a:solidFill>
-                  <a:srgbClr val="FF0000"/>
-                </a:solidFill>
-                <a:latin typeface="Arial"/>
-                <a:ea typeface="Calibri"/>
-                <a:cs typeface="Arial"/>
-                <a:sym typeface="Calibri"/>
-              </a:rPr>
-              <a:t>B</a:t>
-            </a:r>
-            <a:r>
               <a:rPr lang="en" sz="1200" dirty="0" smtClean="0">
                 <a:solidFill>
                   <a:srgbClr val="FF0000"/>
@@ -12956,6 +12957,69 @@
               <a:t>7</a:t>
             </a:fld>
             <a:endParaRPr lang="en"/>
+          </a:p>
+        </p:txBody>
+      </p:sp>
+      <p:sp>
+        <p:nvSpPr>
+          <p:cNvPr id="20" name="Rectangle 19"/>
+          <p:cNvSpPr/>
+          <p:nvPr/>
+        </p:nvSpPr>
+        <p:spPr>
+          <a:xfrm>
+            <a:off x="7424917" y="1496533"/>
+            <a:ext cx="1719083" cy="646331"/>
+          </a:xfrm>
+          <a:prstGeom prst="rect">
+            <a:avLst/>
+          </a:prstGeom>
+        </p:spPr>
+        <p:txBody>
+          <a:bodyPr wrap="square">
+            <a:spAutoFit/>
+          </a:bodyPr>
+          <a:lstStyle/>
+          <a:p>
+            <a:r>
+              <a:rPr lang="en-US" dirty="0">
+                <a:latin typeface="Arial"/>
+                <a:cs typeface="Arial"/>
+              </a:rPr>
+              <a:t>(Assuming one RTP session)</a:t>
+            </a:r>
+          </a:p>
+        </p:txBody>
+      </p:sp>
+      <p:sp>
+        <p:nvSpPr>
+          <p:cNvPr id="21" name="Rectangle 20"/>
+          <p:cNvSpPr/>
+          <p:nvPr/>
+        </p:nvSpPr>
+        <p:spPr>
+          <a:xfrm>
+            <a:off x="7483621" y="73471"/>
+            <a:ext cx="1627179" cy="369332"/>
+          </a:xfrm>
+          <a:prstGeom prst="rect">
+            <a:avLst/>
+          </a:prstGeom>
+        </p:spPr>
+        <p:txBody>
+          <a:bodyPr wrap="square">
+            <a:spAutoFit/>
+          </a:bodyPr>
+          <a:lstStyle/>
+          <a:p>
+            <a:r>
+              <a:rPr lang="en-US" dirty="0" smtClean="0">
+                <a:latin typeface="Nexa Bold"/>
+                <a:cs typeface="Nexa Bold"/>
+              </a:rPr>
+              <a:t>Open Issue 1 	</a:t>
+            </a:r>
+            <a:endParaRPr lang="en-US" dirty="0"/>
           </a:p>
         </p:txBody>
       </p:sp>
@@ -13895,6 +13959,69 @@
               <a:t>8</a:t>
             </a:fld>
             <a:endParaRPr lang="en"/>
+          </a:p>
+        </p:txBody>
+      </p:sp>
+      <p:sp>
+        <p:nvSpPr>
+          <p:cNvPr id="20" name="Rectangle 19"/>
+          <p:cNvSpPr/>
+          <p:nvPr/>
+        </p:nvSpPr>
+        <p:spPr>
+          <a:xfrm>
+            <a:off x="7424917" y="1496533"/>
+            <a:ext cx="1719083" cy="646331"/>
+          </a:xfrm>
+          <a:prstGeom prst="rect">
+            <a:avLst/>
+          </a:prstGeom>
+        </p:spPr>
+        <p:txBody>
+          <a:bodyPr wrap="square">
+            <a:spAutoFit/>
+          </a:bodyPr>
+          <a:lstStyle/>
+          <a:p>
+            <a:r>
+              <a:rPr lang="en-US" dirty="0">
+                <a:latin typeface="Arial"/>
+                <a:cs typeface="Arial"/>
+              </a:rPr>
+              <a:t>(Assuming one RTP session)</a:t>
+            </a:r>
+          </a:p>
+        </p:txBody>
+      </p:sp>
+      <p:sp>
+        <p:nvSpPr>
+          <p:cNvPr id="21" name="Rectangle 20"/>
+          <p:cNvSpPr/>
+          <p:nvPr/>
+        </p:nvSpPr>
+        <p:spPr>
+          <a:xfrm>
+            <a:off x="7483621" y="73471"/>
+            <a:ext cx="1627179" cy="369332"/>
+          </a:xfrm>
+          <a:prstGeom prst="rect">
+            <a:avLst/>
+          </a:prstGeom>
+        </p:spPr>
+        <p:txBody>
+          <a:bodyPr wrap="square">
+            <a:spAutoFit/>
+          </a:bodyPr>
+          <a:lstStyle/>
+          <a:p>
+            <a:r>
+              <a:rPr lang="en-US" dirty="0" smtClean="0">
+                <a:latin typeface="Nexa Bold"/>
+                <a:cs typeface="Nexa Bold"/>
+              </a:rPr>
+              <a:t>Open Issue 1 	</a:t>
+            </a:r>
+            <a:endParaRPr lang="en-US" dirty="0"/>
           </a:p>
         </p:txBody>
       </p:sp>
